--- a/итоговая1.pptx
+++ b/итоговая1.pptx
@@ -5,37 +5,36 @@
     <p:sldMasterId id="2147483702" r:id="rId1"/>
   </p:sldMasterIdLst>
   <p:notesMasterIdLst>
-    <p:notesMasterId r:id="rId30"/>
+    <p:notesMasterId r:id="rId29"/>
   </p:notesMasterIdLst>
   <p:sldIdLst>
     <p:sldId id="267" r:id="rId2"/>
-    <p:sldId id="268" r:id="rId3"/>
-    <p:sldId id="265" r:id="rId4"/>
-    <p:sldId id="269" r:id="rId5"/>
-    <p:sldId id="275" r:id="rId6"/>
-    <p:sldId id="276" r:id="rId7"/>
-    <p:sldId id="277" r:id="rId8"/>
-    <p:sldId id="278" r:id="rId9"/>
-    <p:sldId id="279" r:id="rId10"/>
-    <p:sldId id="281" r:id="rId11"/>
-    <p:sldId id="280" r:id="rId12"/>
-    <p:sldId id="282" r:id="rId13"/>
-    <p:sldId id="284" r:id="rId14"/>
-    <p:sldId id="285" r:id="rId15"/>
-    <p:sldId id="286" r:id="rId16"/>
-    <p:sldId id="287" r:id="rId17"/>
-    <p:sldId id="288" r:id="rId18"/>
-    <p:sldId id="257" r:id="rId19"/>
-    <p:sldId id="271" r:id="rId20"/>
-    <p:sldId id="289" r:id="rId21"/>
-    <p:sldId id="290" r:id="rId22"/>
-    <p:sldId id="291" r:id="rId23"/>
-    <p:sldId id="292" r:id="rId24"/>
-    <p:sldId id="261" r:id="rId25"/>
-    <p:sldId id="273" r:id="rId26"/>
-    <p:sldId id="274" r:id="rId27"/>
-    <p:sldId id="264" r:id="rId28"/>
-    <p:sldId id="272" r:id="rId29"/>
+    <p:sldId id="265" r:id="rId3"/>
+    <p:sldId id="269" r:id="rId4"/>
+    <p:sldId id="275" r:id="rId5"/>
+    <p:sldId id="276" r:id="rId6"/>
+    <p:sldId id="277" r:id="rId7"/>
+    <p:sldId id="278" r:id="rId8"/>
+    <p:sldId id="279" r:id="rId9"/>
+    <p:sldId id="281" r:id="rId10"/>
+    <p:sldId id="280" r:id="rId11"/>
+    <p:sldId id="282" r:id="rId12"/>
+    <p:sldId id="284" r:id="rId13"/>
+    <p:sldId id="285" r:id="rId14"/>
+    <p:sldId id="286" r:id="rId15"/>
+    <p:sldId id="287" r:id="rId16"/>
+    <p:sldId id="288" r:id="rId17"/>
+    <p:sldId id="257" r:id="rId18"/>
+    <p:sldId id="271" r:id="rId19"/>
+    <p:sldId id="289" r:id="rId20"/>
+    <p:sldId id="290" r:id="rId21"/>
+    <p:sldId id="291" r:id="rId22"/>
+    <p:sldId id="292" r:id="rId23"/>
+    <p:sldId id="261" r:id="rId24"/>
+    <p:sldId id="273" r:id="rId25"/>
+    <p:sldId id="274" r:id="rId26"/>
+    <p:sldId id="264" r:id="rId27"/>
+    <p:sldId id="272" r:id="rId28"/>
   </p:sldIdLst>
   <p:sldSz cx="9144000" cy="6858000" type="screen4x3"/>
   <p:notesSz cx="6858000" cy="9144000"/>
@@ -353,7 +352,7 @@
           <a:p>
             <a:fld id="{5649F021-9FAB-4CEA-A96A-A2DB693E74C4}" type="datetimeFigureOut">
               <a:rPr lang="ru-RU" smtClean="0"/>
-              <a:t>12.12.2019</a:t>
+              <a:t>13.12.2019</a:t>
             </a:fld>
             <a:endParaRPr lang="ru-RU"/>
           </a:p>
@@ -685,7 +684,7 @@
           <a:p>
             <a:fld id="{B9DAF0DC-58A0-4B34-A3CD-6EF3340BA33A}" type="slidenum">
               <a:rPr lang="ru-RU" smtClean="0"/>
-              <a:t>12</a:t>
+              <a:t>11</a:t>
             </a:fld>
             <a:endParaRPr lang="ru-RU"/>
           </a:p>
@@ -761,7 +760,7 @@
           <a:noFill/>
           <a:extLst>
             <a:ext uri="{909E8E84-426E-40dd-AFC4-6F175D3DCCD1}">
-              <a14:hiddenFill xmlns="" xmlns:a14="http://schemas.microsoft.com/office/drawing/2010/main">
+              <a14:hiddenFill xmlns:a14="http://schemas.microsoft.com/office/drawing/2010/main" xmlns="">
                 <a:solidFill>
                   <a:srgbClr val="FFFFFF"/>
                 </a:solidFill>
@@ -821,7 +820,7 @@
             </a:ln>
             <a:extLst>
               <a:ext uri="{91240B29-F687-4f45-9708-019B960494DF}">
-                <a14:hiddenLine xmlns="" xmlns:a14="http://schemas.microsoft.com/office/drawing/2010/main" w="9525">
+                <a14:hiddenLine xmlns:a14="http://schemas.microsoft.com/office/drawing/2010/main" xmlns="" w="9525">
                   <a:solidFill>
                     <a:srgbClr val="000000"/>
                   </a:solidFill>
@@ -911,7 +910,7 @@
             </a:ln>
             <a:extLst>
               <a:ext uri="{91240B29-F687-4f45-9708-019B960494DF}">
-                <a14:hiddenLine xmlns="" xmlns:a14="http://schemas.microsoft.com/office/drawing/2010/main" w="9525">
+                <a14:hiddenLine xmlns:a14="http://schemas.microsoft.com/office/drawing/2010/main" xmlns="" w="9525">
                   <a:solidFill>
                     <a:srgbClr val="000000"/>
                   </a:solidFill>
@@ -1001,7 +1000,7 @@
             </a:ln>
             <a:extLst>
               <a:ext uri="{91240B29-F687-4f45-9708-019B960494DF}">
-                <a14:hiddenLine xmlns="" xmlns:a14="http://schemas.microsoft.com/office/drawing/2010/main" w="9525">
+                <a14:hiddenLine xmlns:a14="http://schemas.microsoft.com/office/drawing/2010/main" xmlns="" w="9525">
                   <a:solidFill>
                     <a:srgbClr val="000000"/>
                   </a:solidFill>
@@ -1035,7 +1034,7 @@
             </a:ln>
             <a:extLst>
               <a:ext uri="{91240B29-F687-4f45-9708-019B960494DF}">
-                <a14:hiddenLine xmlns="" xmlns:a14="http://schemas.microsoft.com/office/drawing/2010/main" w="9525">
+                <a14:hiddenLine xmlns:a14="http://schemas.microsoft.com/office/drawing/2010/main" xmlns="" w="9525">
                   <a:solidFill>
                     <a:srgbClr val="000000"/>
                   </a:solidFill>
@@ -1125,7 +1124,7 @@
             </a:ln>
             <a:extLst>
               <a:ext uri="{91240B29-F687-4f45-9708-019B960494DF}">
-                <a14:hiddenLine xmlns="" xmlns:a14="http://schemas.microsoft.com/office/drawing/2010/main" w="9525">
+                <a14:hiddenLine xmlns:a14="http://schemas.microsoft.com/office/drawing/2010/main" xmlns="" w="9525">
                   <a:solidFill>
                     <a:srgbClr val="000000"/>
                   </a:solidFill>
@@ -1187,7 +1186,7 @@
             </a:ln>
             <a:extLst>
               <a:ext uri="{91240B29-F687-4f45-9708-019B960494DF}">
-                <a14:hiddenLine xmlns="" xmlns:a14="http://schemas.microsoft.com/office/drawing/2010/main" w="9525">
+                <a14:hiddenLine xmlns:a14="http://schemas.microsoft.com/office/drawing/2010/main" xmlns="" w="9525">
                   <a:solidFill>
                     <a:srgbClr val="000000"/>
                   </a:solidFill>
@@ -1249,7 +1248,7 @@
             </a:ln>
             <a:extLst>
               <a:ext uri="{91240B29-F687-4f45-9708-019B960494DF}">
-                <a14:hiddenLine xmlns="" xmlns:a14="http://schemas.microsoft.com/office/drawing/2010/main" w="9525">
+                <a14:hiddenLine xmlns:a14="http://schemas.microsoft.com/office/drawing/2010/main" xmlns="" w="9525">
                   <a:solidFill>
                     <a:srgbClr val="000000"/>
                   </a:solidFill>
@@ -1339,7 +1338,7 @@
             </a:ln>
             <a:extLst>
               <a:ext uri="{91240B29-F687-4f45-9708-019B960494DF}">
-                <a14:hiddenLine xmlns="" xmlns:a14="http://schemas.microsoft.com/office/drawing/2010/main" w="9525">
+                <a14:hiddenLine xmlns:a14="http://schemas.microsoft.com/office/drawing/2010/main" xmlns="" w="9525">
                   <a:solidFill>
                     <a:srgbClr val="000000"/>
                   </a:solidFill>
@@ -1401,7 +1400,7 @@
             </a:ln>
             <a:extLst>
               <a:ext uri="{91240B29-F687-4f45-9708-019B960494DF}">
-                <a14:hiddenLine xmlns="" xmlns:a14="http://schemas.microsoft.com/office/drawing/2010/main" w="9525">
+                <a14:hiddenLine xmlns:a14="http://schemas.microsoft.com/office/drawing/2010/main" xmlns="" w="9525">
                   <a:solidFill>
                     <a:srgbClr val="000000"/>
                   </a:solidFill>
@@ -1463,7 +1462,7 @@
             </a:ln>
             <a:extLst>
               <a:ext uri="{91240B29-F687-4f45-9708-019B960494DF}">
-                <a14:hiddenLine xmlns="" xmlns:a14="http://schemas.microsoft.com/office/drawing/2010/main" w="9525">
+                <a14:hiddenLine xmlns:a14="http://schemas.microsoft.com/office/drawing/2010/main" xmlns="" w="9525">
                   <a:solidFill>
                     <a:srgbClr val="000000"/>
                   </a:solidFill>
@@ -1553,7 +1552,7 @@
             </a:ln>
             <a:extLst>
               <a:ext uri="{91240B29-F687-4f45-9708-019B960494DF}">
-                <a14:hiddenLine xmlns="" xmlns:a14="http://schemas.microsoft.com/office/drawing/2010/main" w="9525">
+                <a14:hiddenLine xmlns:a14="http://schemas.microsoft.com/office/drawing/2010/main" xmlns="" w="9525">
                   <a:solidFill>
                     <a:srgbClr val="000000"/>
                   </a:solidFill>
@@ -1643,7 +1642,7 @@
             </a:ln>
             <a:extLst>
               <a:ext uri="{91240B29-F687-4f45-9708-019B960494DF}">
-                <a14:hiddenLine xmlns="" xmlns:a14="http://schemas.microsoft.com/office/drawing/2010/main" w="9525">
+                <a14:hiddenLine xmlns:a14="http://schemas.microsoft.com/office/drawing/2010/main" xmlns="" w="9525">
                   <a:solidFill>
                     <a:srgbClr val="000000"/>
                   </a:solidFill>
@@ -1705,7 +1704,7 @@
             </a:ln>
             <a:extLst>
               <a:ext uri="{91240B29-F687-4f45-9708-019B960494DF}">
-                <a14:hiddenLine xmlns="" xmlns:a14="http://schemas.microsoft.com/office/drawing/2010/main" w="9525">
+                <a14:hiddenLine xmlns:a14="http://schemas.microsoft.com/office/drawing/2010/main" xmlns="" w="9525">
                   <a:solidFill>
                     <a:srgbClr val="000000"/>
                   </a:solidFill>
@@ -1815,7 +1814,7 @@
             </a:ln>
             <a:extLst>
               <a:ext uri="{91240B29-F687-4f45-9708-019B960494DF}">
-                <a14:hiddenLine xmlns="" xmlns:a14="http://schemas.microsoft.com/office/drawing/2010/main" w="9525">
+                <a14:hiddenLine xmlns:a14="http://schemas.microsoft.com/office/drawing/2010/main" xmlns="" w="9525">
                   <a:solidFill>
                     <a:srgbClr val="000000"/>
                   </a:solidFill>
@@ -1877,7 +1876,7 @@
             </a:ln>
             <a:extLst>
               <a:ext uri="{91240B29-F687-4f45-9708-019B960494DF}">
-                <a14:hiddenLine xmlns="" xmlns:a14="http://schemas.microsoft.com/office/drawing/2010/main" w="9525">
+                <a14:hiddenLine xmlns:a14="http://schemas.microsoft.com/office/drawing/2010/main" xmlns="" w="9525">
                   <a:solidFill>
                     <a:srgbClr val="000000"/>
                   </a:solidFill>
@@ -1967,7 +1966,7 @@
             </a:ln>
             <a:extLst>
               <a:ext uri="{91240B29-F687-4f45-9708-019B960494DF}">
-                <a14:hiddenLine xmlns="" xmlns:a14="http://schemas.microsoft.com/office/drawing/2010/main" w="9525">
+                <a14:hiddenLine xmlns:a14="http://schemas.microsoft.com/office/drawing/2010/main" xmlns="" w="9525">
                   <a:solidFill>
                     <a:srgbClr val="000000"/>
                   </a:solidFill>
@@ -2057,7 +2056,7 @@
             </a:ln>
             <a:extLst>
               <a:ext uri="{91240B29-F687-4f45-9708-019B960494DF}">
-                <a14:hiddenLine xmlns="" xmlns:a14="http://schemas.microsoft.com/office/drawing/2010/main" w="9525">
+                <a14:hiddenLine xmlns:a14="http://schemas.microsoft.com/office/drawing/2010/main" xmlns="" w="9525">
                   <a:solidFill>
                     <a:srgbClr val="000000"/>
                   </a:solidFill>
@@ -2119,7 +2118,7 @@
             </a:ln>
             <a:extLst>
               <a:ext uri="{91240B29-F687-4f45-9708-019B960494DF}">
-                <a14:hiddenLine xmlns="" xmlns:a14="http://schemas.microsoft.com/office/drawing/2010/main" w="9525">
+                <a14:hiddenLine xmlns:a14="http://schemas.microsoft.com/office/drawing/2010/main" xmlns="" w="9525">
                   <a:solidFill>
                     <a:srgbClr val="000000"/>
                   </a:solidFill>
@@ -2209,7 +2208,7 @@
             </a:ln>
             <a:extLst>
               <a:ext uri="{91240B29-F687-4f45-9708-019B960494DF}">
-                <a14:hiddenLine xmlns="" xmlns:a14="http://schemas.microsoft.com/office/drawing/2010/main" w="9525">
+                <a14:hiddenLine xmlns:a14="http://schemas.microsoft.com/office/drawing/2010/main" xmlns="" w="9525">
                   <a:solidFill>
                     <a:srgbClr val="000000"/>
                   </a:solidFill>
@@ -2299,7 +2298,7 @@
             </a:ln>
             <a:extLst>
               <a:ext uri="{91240B29-F687-4f45-9708-019B960494DF}">
-                <a14:hiddenLine xmlns="" xmlns:a14="http://schemas.microsoft.com/office/drawing/2010/main" w="9525">
+                <a14:hiddenLine xmlns:a14="http://schemas.microsoft.com/office/drawing/2010/main" xmlns="" w="9525">
                   <a:solidFill>
                     <a:srgbClr val="000000"/>
                   </a:solidFill>
@@ -2355,7 +2354,7 @@
             </a:ln>
             <a:extLst>
               <a:ext uri="{91240B29-F687-4f45-9708-019B960494DF}">
-                <a14:hiddenLine xmlns="" xmlns:a14="http://schemas.microsoft.com/office/drawing/2010/main" w="9525">
+                <a14:hiddenLine xmlns:a14="http://schemas.microsoft.com/office/drawing/2010/main" xmlns="" w="9525">
                   <a:solidFill>
                     <a:srgbClr val="000000"/>
                   </a:solidFill>
@@ -2445,7 +2444,7 @@
             </a:ln>
             <a:extLst>
               <a:ext uri="{91240B29-F687-4f45-9708-019B960494DF}">
-                <a14:hiddenLine xmlns="" xmlns:a14="http://schemas.microsoft.com/office/drawing/2010/main" w="9525">
+                <a14:hiddenLine xmlns:a14="http://schemas.microsoft.com/office/drawing/2010/main" xmlns="" w="9525">
                   <a:solidFill>
                     <a:srgbClr val="000000"/>
                   </a:solidFill>
@@ -2501,7 +2500,7 @@
             </a:ln>
             <a:extLst>
               <a:ext uri="{91240B29-F687-4f45-9708-019B960494DF}">
-                <a14:hiddenLine xmlns="" xmlns:a14="http://schemas.microsoft.com/office/drawing/2010/main" w="9525">
+                <a14:hiddenLine xmlns:a14="http://schemas.microsoft.com/office/drawing/2010/main" xmlns="" w="9525">
                   <a:solidFill>
                     <a:srgbClr val="000000"/>
                   </a:solidFill>
@@ -2591,7 +2590,7 @@
             </a:ln>
             <a:extLst>
               <a:ext uri="{91240B29-F687-4f45-9708-019B960494DF}">
-                <a14:hiddenLine xmlns="" xmlns:a14="http://schemas.microsoft.com/office/drawing/2010/main" w="9525">
+                <a14:hiddenLine xmlns:a14="http://schemas.microsoft.com/office/drawing/2010/main" xmlns="" w="9525">
                   <a:solidFill>
                     <a:srgbClr val="000000"/>
                   </a:solidFill>
@@ -2659,7 +2658,7 @@
             </a:ln>
             <a:extLst>
               <a:ext uri="{91240B29-F687-4f45-9708-019B960494DF}">
-                <a14:hiddenLine xmlns="" xmlns:a14="http://schemas.microsoft.com/office/drawing/2010/main" w="9525">
+                <a14:hiddenLine xmlns:a14="http://schemas.microsoft.com/office/drawing/2010/main" xmlns="" w="9525">
                   <a:solidFill>
                     <a:srgbClr val="000000"/>
                   </a:solidFill>
@@ -2749,7 +2748,7 @@
             </a:ln>
             <a:extLst>
               <a:ext uri="{91240B29-F687-4f45-9708-019B960494DF}">
-                <a14:hiddenLine xmlns="" xmlns:a14="http://schemas.microsoft.com/office/drawing/2010/main" w="9525">
+                <a14:hiddenLine xmlns:a14="http://schemas.microsoft.com/office/drawing/2010/main" xmlns="" w="9525">
                   <a:solidFill>
                     <a:srgbClr val="000000"/>
                   </a:solidFill>
@@ -2817,7 +2816,7 @@
             </a:ln>
             <a:extLst>
               <a:ext uri="{91240B29-F687-4f45-9708-019B960494DF}">
-                <a14:hiddenLine xmlns="" xmlns:a14="http://schemas.microsoft.com/office/drawing/2010/main" w="9525">
+                <a14:hiddenLine xmlns:a14="http://schemas.microsoft.com/office/drawing/2010/main" xmlns="" w="9525">
                   <a:solidFill>
                     <a:srgbClr val="000000"/>
                   </a:solidFill>
@@ -2907,7 +2906,7 @@
             </a:ln>
             <a:extLst>
               <a:ext uri="{91240B29-F687-4f45-9708-019B960494DF}">
-                <a14:hiddenLine xmlns="" xmlns:a14="http://schemas.microsoft.com/office/drawing/2010/main" w="9525">
+                <a14:hiddenLine xmlns:a14="http://schemas.microsoft.com/office/drawing/2010/main" xmlns="" w="9525">
                   <a:solidFill>
                     <a:srgbClr val="000000"/>
                   </a:solidFill>
@@ -2941,7 +2940,7 @@
             </a:ln>
             <a:extLst>
               <a:ext uri="{91240B29-F687-4f45-9708-019B960494DF}">
-                <a14:hiddenLine xmlns="" xmlns:a14="http://schemas.microsoft.com/office/drawing/2010/main" w="9525">
+                <a14:hiddenLine xmlns:a14="http://schemas.microsoft.com/office/drawing/2010/main" xmlns="" w="9525">
                   <a:solidFill>
                     <a:srgbClr val="000000"/>
                   </a:solidFill>
@@ -3031,7 +3030,7 @@
             </a:ln>
             <a:extLst>
               <a:ext uri="{91240B29-F687-4f45-9708-019B960494DF}">
-                <a14:hiddenLine xmlns="" xmlns:a14="http://schemas.microsoft.com/office/drawing/2010/main" w="9525">
+                <a14:hiddenLine xmlns:a14="http://schemas.microsoft.com/office/drawing/2010/main" xmlns="" w="9525">
                   <a:solidFill>
                     <a:srgbClr val="000000"/>
                   </a:solidFill>
@@ -3093,7 +3092,7 @@
             </a:ln>
             <a:extLst>
               <a:ext uri="{91240B29-F687-4f45-9708-019B960494DF}">
-                <a14:hiddenLine xmlns="" xmlns:a14="http://schemas.microsoft.com/office/drawing/2010/main" w="9525">
+                <a14:hiddenLine xmlns:a14="http://schemas.microsoft.com/office/drawing/2010/main" xmlns="" w="9525">
                   <a:solidFill>
                     <a:srgbClr val="000000"/>
                   </a:solidFill>
@@ -3155,7 +3154,7 @@
             </a:ln>
             <a:extLst>
               <a:ext uri="{91240B29-F687-4f45-9708-019B960494DF}">
-                <a14:hiddenLine xmlns="" xmlns:a14="http://schemas.microsoft.com/office/drawing/2010/main" w="9525">
+                <a14:hiddenLine xmlns:a14="http://schemas.microsoft.com/office/drawing/2010/main" xmlns="" w="9525">
                   <a:solidFill>
                     <a:srgbClr val="000000"/>
                   </a:solidFill>
@@ -3245,7 +3244,7 @@
             </a:ln>
             <a:extLst>
               <a:ext uri="{91240B29-F687-4f45-9708-019B960494DF}">
-                <a14:hiddenLine xmlns="" xmlns:a14="http://schemas.microsoft.com/office/drawing/2010/main" w="9525">
+                <a14:hiddenLine xmlns:a14="http://schemas.microsoft.com/office/drawing/2010/main" xmlns="" w="9525">
                   <a:solidFill>
                     <a:srgbClr val="000000"/>
                   </a:solidFill>
@@ -3313,7 +3312,7 @@
             </a:ln>
             <a:extLst>
               <a:ext uri="{91240B29-F687-4f45-9708-019B960494DF}">
-                <a14:hiddenLine xmlns="" xmlns:a14="http://schemas.microsoft.com/office/drawing/2010/main" w="9525">
+                <a14:hiddenLine xmlns:a14="http://schemas.microsoft.com/office/drawing/2010/main" xmlns="" w="9525">
                   <a:solidFill>
                     <a:srgbClr val="000000"/>
                   </a:solidFill>
@@ -3375,7 +3374,7 @@
             </a:ln>
             <a:extLst>
               <a:ext uri="{91240B29-F687-4f45-9708-019B960494DF}">
-                <a14:hiddenLine xmlns="" xmlns:a14="http://schemas.microsoft.com/office/drawing/2010/main" w="9525">
+                <a14:hiddenLine xmlns:a14="http://schemas.microsoft.com/office/drawing/2010/main" xmlns="" w="9525">
                   <a:solidFill>
                     <a:srgbClr val="000000"/>
                   </a:solidFill>
@@ -3465,7 +3464,7 @@
             </a:ln>
             <a:extLst>
               <a:ext uri="{91240B29-F687-4f45-9708-019B960494DF}">
-                <a14:hiddenLine xmlns="" xmlns:a14="http://schemas.microsoft.com/office/drawing/2010/main" w="9525">
+                <a14:hiddenLine xmlns:a14="http://schemas.microsoft.com/office/drawing/2010/main" xmlns="" w="9525">
                   <a:solidFill>
                     <a:srgbClr val="000000"/>
                   </a:solidFill>
@@ -3527,7 +3526,7 @@
             </a:ln>
             <a:extLst>
               <a:ext uri="{91240B29-F687-4f45-9708-019B960494DF}">
-                <a14:hiddenLine xmlns="" xmlns:a14="http://schemas.microsoft.com/office/drawing/2010/main" w="9525">
+                <a14:hiddenLine xmlns:a14="http://schemas.microsoft.com/office/drawing/2010/main" xmlns="" w="9525">
                   <a:solidFill>
                     <a:srgbClr val="000000"/>
                   </a:solidFill>
@@ -3617,7 +3616,7 @@
             </a:ln>
             <a:extLst>
               <a:ext uri="{91240B29-F687-4f45-9708-019B960494DF}">
-                <a14:hiddenLine xmlns="" xmlns:a14="http://schemas.microsoft.com/office/drawing/2010/main" w="9525">
+                <a14:hiddenLine xmlns:a14="http://schemas.microsoft.com/office/drawing/2010/main" xmlns="" w="9525">
                   <a:solidFill>
                     <a:srgbClr val="000000"/>
                   </a:solidFill>
@@ -3679,7 +3678,7 @@
             </a:ln>
             <a:extLst>
               <a:ext uri="{91240B29-F687-4f45-9708-019B960494DF}">
-                <a14:hiddenLine xmlns="" xmlns:a14="http://schemas.microsoft.com/office/drawing/2010/main" w="9525">
+                <a14:hiddenLine xmlns:a14="http://schemas.microsoft.com/office/drawing/2010/main" xmlns="" w="9525">
                   <a:solidFill>
                     <a:srgbClr val="000000"/>
                   </a:solidFill>
@@ -3769,7 +3768,7 @@
             </a:ln>
             <a:extLst>
               <a:ext uri="{91240B29-F687-4f45-9708-019B960494DF}">
-                <a14:hiddenLine xmlns="" xmlns:a14="http://schemas.microsoft.com/office/drawing/2010/main" w="9525">
+                <a14:hiddenLine xmlns:a14="http://schemas.microsoft.com/office/drawing/2010/main" xmlns="" w="9525">
                   <a:solidFill>
                     <a:srgbClr val="000000"/>
                   </a:solidFill>
@@ -3803,7 +3802,7 @@
             </a:ln>
             <a:extLst>
               <a:ext uri="{91240B29-F687-4f45-9708-019B960494DF}">
-                <a14:hiddenLine xmlns="" xmlns:a14="http://schemas.microsoft.com/office/drawing/2010/main" w="9525">
+                <a14:hiddenLine xmlns:a14="http://schemas.microsoft.com/office/drawing/2010/main" xmlns="" w="9525">
                   <a:solidFill>
                     <a:srgbClr val="000000"/>
                   </a:solidFill>
@@ -3868,7 +3867,7 @@
             </a:ln>
             <a:extLst>
               <a:ext uri="{91240B29-F687-4f45-9708-019B960494DF}">
-                <a14:hiddenLine xmlns="" xmlns:a14="http://schemas.microsoft.com/office/drawing/2010/main" w="9525">
+                <a14:hiddenLine xmlns:a14="http://schemas.microsoft.com/office/drawing/2010/main" xmlns="" w="9525">
                   <a:solidFill>
                     <a:srgbClr val="000000"/>
                   </a:solidFill>
@@ -3958,7 +3957,7 @@
             </a:ln>
             <a:extLst>
               <a:ext uri="{91240B29-F687-4f45-9708-019B960494DF}">
-                <a14:hiddenLine xmlns="" xmlns:a14="http://schemas.microsoft.com/office/drawing/2010/main" w="9525">
+                <a14:hiddenLine xmlns:a14="http://schemas.microsoft.com/office/drawing/2010/main" xmlns="" w="9525">
                   <a:solidFill>
                     <a:srgbClr val="000000"/>
                   </a:solidFill>
@@ -4020,7 +4019,7 @@
             </a:ln>
             <a:extLst>
               <a:ext uri="{91240B29-F687-4f45-9708-019B960494DF}">
-                <a14:hiddenLine xmlns="" xmlns:a14="http://schemas.microsoft.com/office/drawing/2010/main" w="9525">
+                <a14:hiddenLine xmlns:a14="http://schemas.microsoft.com/office/drawing/2010/main" xmlns="" w="9525">
                   <a:solidFill>
                     <a:srgbClr val="000000"/>
                   </a:solidFill>
@@ -4110,7 +4109,7 @@
             </a:ln>
             <a:extLst>
               <a:ext uri="{91240B29-F687-4f45-9708-019B960494DF}">
-                <a14:hiddenLine xmlns="" xmlns:a14="http://schemas.microsoft.com/office/drawing/2010/main" w="9525">
+                <a14:hiddenLine xmlns:a14="http://schemas.microsoft.com/office/drawing/2010/main" xmlns="" w="9525">
                   <a:solidFill>
                     <a:srgbClr val="000000"/>
                   </a:solidFill>
@@ -4200,7 +4199,7 @@
             </a:ln>
             <a:extLst>
               <a:ext uri="{91240B29-F687-4f45-9708-019B960494DF}">
-                <a14:hiddenLine xmlns="" xmlns:a14="http://schemas.microsoft.com/office/drawing/2010/main" w="9525">
+                <a14:hiddenLine xmlns:a14="http://schemas.microsoft.com/office/drawing/2010/main" xmlns="" w="9525">
                   <a:solidFill>
                     <a:srgbClr val="000000"/>
                   </a:solidFill>
@@ -4265,7 +4264,7 @@
             </a:ln>
             <a:extLst>
               <a:ext uri="{91240B29-F687-4f45-9708-019B960494DF}">
-                <a14:hiddenLine xmlns="" xmlns:a14="http://schemas.microsoft.com/office/drawing/2010/main" w="9525">
+                <a14:hiddenLine xmlns:a14="http://schemas.microsoft.com/office/drawing/2010/main" xmlns="" w="9525">
                   <a:solidFill>
                     <a:srgbClr val="000000"/>
                   </a:solidFill>
@@ -4327,7 +4326,7 @@
             </a:ln>
             <a:extLst>
               <a:ext uri="{91240B29-F687-4f45-9708-019B960494DF}">
-                <a14:hiddenLine xmlns="" xmlns:a14="http://schemas.microsoft.com/office/drawing/2010/main" w="9525">
+                <a14:hiddenLine xmlns:a14="http://schemas.microsoft.com/office/drawing/2010/main" xmlns="" w="9525">
                   <a:solidFill>
                     <a:srgbClr val="000000"/>
                   </a:solidFill>
@@ -4417,7 +4416,7 @@
             </a:ln>
             <a:extLst>
               <a:ext uri="{91240B29-F687-4f45-9708-019B960494DF}">
-                <a14:hiddenLine xmlns="" xmlns:a14="http://schemas.microsoft.com/office/drawing/2010/main" w="9525">
+                <a14:hiddenLine xmlns:a14="http://schemas.microsoft.com/office/drawing/2010/main" xmlns="" w="9525">
                   <a:solidFill>
                     <a:srgbClr val="000000"/>
                   </a:solidFill>
@@ -4507,7 +4506,7 @@
             </a:ln>
             <a:extLst>
               <a:ext uri="{91240B29-F687-4f45-9708-019B960494DF}">
-                <a14:hiddenLine xmlns="" xmlns:a14="http://schemas.microsoft.com/office/drawing/2010/main" w="9525">
+                <a14:hiddenLine xmlns:a14="http://schemas.microsoft.com/office/drawing/2010/main" xmlns="" w="9525">
                   <a:solidFill>
                     <a:srgbClr val="000000"/>
                   </a:solidFill>
@@ -4569,7 +4568,7 @@
             </a:ln>
             <a:extLst>
               <a:ext uri="{91240B29-F687-4f45-9708-019B960494DF}">
-                <a14:hiddenLine xmlns="" xmlns:a14="http://schemas.microsoft.com/office/drawing/2010/main" w="9525">
+                <a14:hiddenLine xmlns:a14="http://schemas.microsoft.com/office/drawing/2010/main" xmlns="" w="9525">
                   <a:solidFill>
                     <a:srgbClr val="000000"/>
                   </a:solidFill>
@@ -4689,7 +4688,7 @@
             </a:ln>
             <a:extLst>
               <a:ext uri="{91240B29-F687-4f45-9708-019B960494DF}">
-                <a14:hiddenLine xmlns="" xmlns:a14="http://schemas.microsoft.com/office/drawing/2010/main" w="9525">
+                <a14:hiddenLine xmlns:a14="http://schemas.microsoft.com/office/drawing/2010/main" xmlns="" w="9525">
                   <a:solidFill>
                     <a:srgbClr val="000000"/>
                   </a:solidFill>
@@ -4757,7 +4756,7 @@
             </a:ln>
             <a:extLst>
               <a:ext uri="{91240B29-F687-4f45-9708-019B960494DF}">
-                <a14:hiddenLine xmlns="" xmlns:a14="http://schemas.microsoft.com/office/drawing/2010/main" w="9525">
+                <a14:hiddenLine xmlns:a14="http://schemas.microsoft.com/office/drawing/2010/main" xmlns="" w="9525">
                   <a:solidFill>
                     <a:srgbClr val="000000"/>
                   </a:solidFill>
@@ -4847,7 +4846,7 @@
             </a:ln>
             <a:extLst>
               <a:ext uri="{91240B29-F687-4f45-9708-019B960494DF}">
-                <a14:hiddenLine xmlns="" xmlns:a14="http://schemas.microsoft.com/office/drawing/2010/main" w="9525">
+                <a14:hiddenLine xmlns:a14="http://schemas.microsoft.com/office/drawing/2010/main" xmlns="" w="9525">
                   <a:solidFill>
                     <a:srgbClr val="000000"/>
                   </a:solidFill>
@@ -4988,7 +4987,7 @@
             <a:fld id="{7EAF463A-BC7C-46EE-9F1E-7F377CCA4891}" type="datetimeFigureOut">
               <a:rPr lang="en-US" smtClean="0"/>
               <a:pPr/>
-              <a:t>12/12/2019</a:t>
+              <a:t>12/13/2019</a:t>
             </a:fld>
             <a:endParaRPr lang="en-US"/>
           </a:p>
@@ -5257,7 +5256,7 @@
             <a:fld id="{7EAF463A-BC7C-46EE-9F1E-7F377CCA4891}" type="datetimeFigureOut">
               <a:rPr lang="en-US" smtClean="0"/>
               <a:pPr/>
-              <a:t>12/12/2019</a:t>
+              <a:t>12/13/2019</a:t>
             </a:fld>
             <a:endParaRPr lang="en-US"/>
           </a:p>
@@ -5455,7 +5454,7 @@
             <a:fld id="{7EAF463A-BC7C-46EE-9F1E-7F377CCA4891}" type="datetimeFigureOut">
               <a:rPr lang="en-US" smtClean="0"/>
               <a:pPr/>
-              <a:t>12/12/2019</a:t>
+              <a:t>12/13/2019</a:t>
             </a:fld>
             <a:endParaRPr lang="en-US"/>
           </a:p>
@@ -5720,7 +5719,7 @@
             <a:fld id="{7EAF463A-BC7C-46EE-9F1E-7F377CCA4891}" type="datetimeFigureOut">
               <a:rPr lang="en-US" smtClean="0"/>
               <a:pPr/>
-              <a:t>12/12/2019</a:t>
+              <a:t>12/13/2019</a:t>
             </a:fld>
             <a:endParaRPr lang="en-US"/>
           </a:p>
@@ -6156,7 +6155,7 @@
             <a:fld id="{7EAF463A-BC7C-46EE-9F1E-7F377CCA4891}" type="datetimeFigureOut">
               <a:rPr lang="en-US" smtClean="0"/>
               <a:pPr/>
-              <a:t>12/12/2019</a:t>
+              <a:t>12/13/2019</a:t>
             </a:fld>
             <a:endParaRPr lang="en-US"/>
           </a:p>
@@ -6704,7 +6703,7 @@
             <a:fld id="{7EAF463A-BC7C-46EE-9F1E-7F377CCA4891}" type="datetimeFigureOut">
               <a:rPr lang="en-US" smtClean="0"/>
               <a:pPr/>
-              <a:t>12/12/2019</a:t>
+              <a:t>12/13/2019</a:t>
             </a:fld>
             <a:endParaRPr lang="en-US"/>
           </a:p>
@@ -7426,7 +7425,7 @@
             <a:fld id="{7EAF463A-BC7C-46EE-9F1E-7F377CCA4891}" type="datetimeFigureOut">
               <a:rPr lang="en-US" smtClean="0"/>
               <a:pPr/>
-              <a:t>12/12/2019</a:t>
+              <a:t>12/13/2019</a:t>
             </a:fld>
             <a:endParaRPr lang="en-US"/>
           </a:p>
@@ -7602,7 +7601,7 @@
             <a:fld id="{7EAF463A-BC7C-46EE-9F1E-7F377CCA4891}" type="datetimeFigureOut">
               <a:rPr lang="en-US" smtClean="0"/>
               <a:pPr/>
-              <a:t>12/12/2019</a:t>
+              <a:t>12/13/2019</a:t>
             </a:fld>
             <a:endParaRPr lang="en-US"/>
           </a:p>
@@ -7784,7 +7783,7 @@
             <a:fld id="{7EAF463A-BC7C-46EE-9F1E-7F377CCA4891}" type="datetimeFigureOut">
               <a:rPr lang="en-US" smtClean="0"/>
               <a:pPr/>
-              <a:t>12/12/2019</a:t>
+              <a:t>12/13/2019</a:t>
             </a:fld>
             <a:endParaRPr lang="en-US"/>
           </a:p>
@@ -7971,7 +7970,7 @@
             <a:fld id="{7EAF463A-BC7C-46EE-9F1E-7F377CCA4891}" type="datetimeFigureOut">
               <a:rPr lang="en-US" smtClean="0"/>
               <a:pPr/>
-              <a:t>12/12/2019</a:t>
+              <a:t>12/13/2019</a:t>
             </a:fld>
             <a:endParaRPr lang="en-US"/>
           </a:p>
@@ -8233,7 +8232,7 @@
             <a:fld id="{7EAF463A-BC7C-46EE-9F1E-7F377CCA4891}" type="datetimeFigureOut">
               <a:rPr lang="en-US" smtClean="0"/>
               <a:pPr/>
-              <a:t>12/12/2019</a:t>
+              <a:t>12/13/2019</a:t>
             </a:fld>
             <a:endParaRPr lang="en-US"/>
           </a:p>
@@ -8467,7 +8466,7 @@
             <a:fld id="{7EAF463A-BC7C-46EE-9F1E-7F377CCA4891}" type="datetimeFigureOut">
               <a:rPr lang="en-US" smtClean="0"/>
               <a:pPr/>
-              <a:t>12/12/2019</a:t>
+              <a:t>12/13/2019</a:t>
             </a:fld>
             <a:endParaRPr lang="en-US"/>
           </a:p>
@@ -8850,7 +8849,7 @@
             <a:fld id="{7EAF463A-BC7C-46EE-9F1E-7F377CCA4891}" type="datetimeFigureOut">
               <a:rPr lang="en-US" smtClean="0"/>
               <a:pPr/>
-              <a:t>12/12/2019</a:t>
+              <a:t>12/13/2019</a:t>
             </a:fld>
             <a:endParaRPr lang="en-US"/>
           </a:p>
@@ -8970,7 +8969,7 @@
             <a:fld id="{7EAF463A-BC7C-46EE-9F1E-7F377CCA4891}" type="datetimeFigureOut">
               <a:rPr lang="en-US" smtClean="0"/>
               <a:pPr/>
-              <a:t>12/12/2019</a:t>
+              <a:t>12/13/2019</a:t>
             </a:fld>
             <a:endParaRPr lang="en-US"/>
           </a:p>
@@ -9067,7 +9066,7 @@
             <a:fld id="{7EAF463A-BC7C-46EE-9F1E-7F377CCA4891}" type="datetimeFigureOut">
               <a:rPr lang="en-US" smtClean="0"/>
               <a:pPr/>
-              <a:t>12/12/2019</a:t>
+              <a:t>12/13/2019</a:t>
             </a:fld>
             <a:endParaRPr lang="en-US"/>
           </a:p>
@@ -9318,7 +9317,7 @@
             <a:fld id="{7EAF463A-BC7C-46EE-9F1E-7F377CCA4891}" type="datetimeFigureOut">
               <a:rPr lang="en-US" smtClean="0"/>
               <a:pPr/>
-              <a:t>12/12/2019</a:t>
+              <a:t>12/13/2019</a:t>
             </a:fld>
             <a:endParaRPr lang="en-US"/>
           </a:p>
@@ -9572,7 +9571,7 @@
             <a:fld id="{7EAF463A-BC7C-46EE-9F1E-7F377CCA4891}" type="datetimeFigureOut">
               <a:rPr lang="en-US" smtClean="0"/>
               <a:pPr/>
-              <a:t>12/12/2019</a:t>
+              <a:t>12/13/2019</a:t>
             </a:fld>
             <a:endParaRPr lang="en-US"/>
           </a:p>
@@ -9720,7 +9719,7 @@
           <a:noFill/>
           <a:extLst>
             <a:ext uri="{909E8E84-426E-40dd-AFC4-6F175D3DCCD1}">
-              <a14:hiddenFill xmlns="" xmlns:a14="http://schemas.microsoft.com/office/drawing/2010/main">
+              <a14:hiddenFill xmlns:a14="http://schemas.microsoft.com/office/drawing/2010/main" xmlns="">
                 <a:solidFill>
                   <a:srgbClr val="FFFFFF"/>
                 </a:solidFill>
@@ -9794,7 +9793,7 @@
               </a:ln>
               <a:extLst>
                 <a:ext uri="{91240B29-F687-4f45-9708-019B960494DF}">
-                  <a14:hiddenLine xmlns="" xmlns:a14="http://schemas.microsoft.com/office/drawing/2010/main" w="9525">
+                  <a14:hiddenLine xmlns:a14="http://schemas.microsoft.com/office/drawing/2010/main" xmlns="" w="9525">
                     <a:solidFill>
                       <a:srgbClr val="000000"/>
                     </a:solidFill>
@@ -9884,7 +9883,7 @@
               </a:ln>
               <a:extLst>
                 <a:ext uri="{91240B29-F687-4f45-9708-019B960494DF}">
-                  <a14:hiddenLine xmlns="" xmlns:a14="http://schemas.microsoft.com/office/drawing/2010/main" w="9525">
+                  <a14:hiddenLine xmlns:a14="http://schemas.microsoft.com/office/drawing/2010/main" xmlns="" w="9525">
                     <a:solidFill>
                       <a:srgbClr val="000000"/>
                     </a:solidFill>
@@ -9974,7 +9973,7 @@
               </a:ln>
               <a:extLst>
                 <a:ext uri="{91240B29-F687-4f45-9708-019B960494DF}">
-                  <a14:hiddenLine xmlns="" xmlns:a14="http://schemas.microsoft.com/office/drawing/2010/main" w="9525">
+                  <a14:hiddenLine xmlns:a14="http://schemas.microsoft.com/office/drawing/2010/main" xmlns="" w="9525">
                     <a:solidFill>
                       <a:srgbClr val="000000"/>
                     </a:solidFill>
@@ -10036,7 +10035,7 @@
               </a:ln>
               <a:extLst>
                 <a:ext uri="{91240B29-F687-4f45-9708-019B960494DF}">
-                  <a14:hiddenLine xmlns="" xmlns:a14="http://schemas.microsoft.com/office/drawing/2010/main" w="9525">
+                  <a14:hiddenLine xmlns:a14="http://schemas.microsoft.com/office/drawing/2010/main" xmlns="" w="9525">
                     <a:solidFill>
                       <a:srgbClr val="000000"/>
                     </a:solidFill>
@@ -10126,7 +10125,7 @@
               </a:ln>
               <a:extLst>
                 <a:ext uri="{91240B29-F687-4f45-9708-019B960494DF}">
-                  <a14:hiddenLine xmlns="" xmlns:a14="http://schemas.microsoft.com/office/drawing/2010/main" w="9525">
+                  <a14:hiddenLine xmlns:a14="http://schemas.microsoft.com/office/drawing/2010/main" xmlns="" w="9525">
                     <a:solidFill>
                       <a:srgbClr val="000000"/>
                     </a:solidFill>
@@ -10188,7 +10187,7 @@
               </a:ln>
               <a:extLst>
                 <a:ext uri="{91240B29-F687-4f45-9708-019B960494DF}">
-                  <a14:hiddenLine xmlns="" xmlns:a14="http://schemas.microsoft.com/office/drawing/2010/main" w="9525">
+                  <a14:hiddenLine xmlns:a14="http://schemas.microsoft.com/office/drawing/2010/main" xmlns="" w="9525">
                     <a:solidFill>
                       <a:srgbClr val="000000"/>
                     </a:solidFill>
@@ -10250,7 +10249,7 @@
               </a:ln>
               <a:extLst>
                 <a:ext uri="{91240B29-F687-4f45-9708-019B960494DF}">
-                  <a14:hiddenLine xmlns="" xmlns:a14="http://schemas.microsoft.com/office/drawing/2010/main" w="9525">
+                  <a14:hiddenLine xmlns:a14="http://schemas.microsoft.com/office/drawing/2010/main" xmlns="" w="9525">
                     <a:solidFill>
                       <a:srgbClr val="000000"/>
                     </a:solidFill>
@@ -10340,7 +10339,7 @@
               </a:ln>
               <a:extLst>
                 <a:ext uri="{91240B29-F687-4f45-9708-019B960494DF}">
-                  <a14:hiddenLine xmlns="" xmlns:a14="http://schemas.microsoft.com/office/drawing/2010/main" w="9525">
+                  <a14:hiddenLine xmlns:a14="http://schemas.microsoft.com/office/drawing/2010/main" xmlns="" w="9525">
                     <a:solidFill>
                       <a:srgbClr val="000000"/>
                     </a:solidFill>
@@ -10430,7 +10429,7 @@
               </a:ln>
               <a:extLst>
                 <a:ext uri="{91240B29-F687-4f45-9708-019B960494DF}">
-                  <a14:hiddenLine xmlns="" xmlns:a14="http://schemas.microsoft.com/office/drawing/2010/main" w="9525">
+                  <a14:hiddenLine xmlns:a14="http://schemas.microsoft.com/office/drawing/2010/main" xmlns="" w="9525">
                     <a:solidFill>
                       <a:srgbClr val="000000"/>
                     </a:solidFill>
@@ -10492,7 +10491,7 @@
               </a:ln>
               <a:extLst>
                 <a:ext uri="{91240B29-F687-4f45-9708-019B960494DF}">
-                  <a14:hiddenLine xmlns="" xmlns:a14="http://schemas.microsoft.com/office/drawing/2010/main" w="9525">
+                  <a14:hiddenLine xmlns:a14="http://schemas.microsoft.com/office/drawing/2010/main" xmlns="" w="9525">
                     <a:solidFill>
                       <a:srgbClr val="000000"/>
                     </a:solidFill>
@@ -10602,7 +10601,7 @@
               </a:ln>
               <a:extLst>
                 <a:ext uri="{91240B29-F687-4f45-9708-019B960494DF}">
-                  <a14:hiddenLine xmlns="" xmlns:a14="http://schemas.microsoft.com/office/drawing/2010/main" w="9525">
+                  <a14:hiddenLine xmlns:a14="http://schemas.microsoft.com/office/drawing/2010/main" xmlns="" w="9525">
                     <a:solidFill>
                       <a:srgbClr val="000000"/>
                     </a:solidFill>
@@ -10686,7 +10685,7 @@
               </a:ln>
               <a:extLst>
                 <a:ext uri="{91240B29-F687-4f45-9708-019B960494DF}">
-                  <a14:hiddenLine xmlns="" xmlns:a14="http://schemas.microsoft.com/office/drawing/2010/main" w="9525">
+                  <a14:hiddenLine xmlns:a14="http://schemas.microsoft.com/office/drawing/2010/main" xmlns="" w="9525">
                     <a:solidFill>
                       <a:srgbClr val="000000"/>
                     </a:solidFill>
@@ -10748,7 +10747,7 @@
               </a:ln>
               <a:extLst>
                 <a:ext uri="{91240B29-F687-4f45-9708-019B960494DF}">
-                  <a14:hiddenLine xmlns="" xmlns:a14="http://schemas.microsoft.com/office/drawing/2010/main" w="9525">
+                  <a14:hiddenLine xmlns:a14="http://schemas.microsoft.com/office/drawing/2010/main" xmlns="" w="9525">
                     <a:solidFill>
                       <a:srgbClr val="000000"/>
                     </a:solidFill>
@@ -10810,7 +10809,7 @@
               </a:ln>
               <a:extLst>
                 <a:ext uri="{91240B29-F687-4f45-9708-019B960494DF}">
-                  <a14:hiddenLine xmlns="" xmlns:a14="http://schemas.microsoft.com/office/drawing/2010/main" w="9525">
+                  <a14:hiddenLine xmlns:a14="http://schemas.microsoft.com/office/drawing/2010/main" xmlns="" w="9525">
                     <a:solidFill>
                       <a:srgbClr val="000000"/>
                     </a:solidFill>
@@ -10900,7 +10899,7 @@
               </a:ln>
               <a:extLst>
                 <a:ext uri="{91240B29-F687-4f45-9708-019B960494DF}">
-                  <a14:hiddenLine xmlns="" xmlns:a14="http://schemas.microsoft.com/office/drawing/2010/main" w="9525">
+                  <a14:hiddenLine xmlns:a14="http://schemas.microsoft.com/office/drawing/2010/main" xmlns="" w="9525">
                     <a:solidFill>
                       <a:srgbClr val="000000"/>
                     </a:solidFill>
@@ -10934,7 +10933,7 @@
               </a:ln>
               <a:extLst>
                 <a:ext uri="{91240B29-F687-4f45-9708-019B960494DF}">
-                  <a14:hiddenLine xmlns="" xmlns:a14="http://schemas.microsoft.com/office/drawing/2010/main" w="9525">
+                  <a14:hiddenLine xmlns:a14="http://schemas.microsoft.com/office/drawing/2010/main" xmlns="" w="9525">
                     <a:solidFill>
                       <a:srgbClr val="000000"/>
                     </a:solidFill>
@@ -10999,7 +10998,7 @@
               </a:ln>
               <a:extLst>
                 <a:ext uri="{91240B29-F687-4f45-9708-019B960494DF}">
-                  <a14:hiddenLine xmlns="" xmlns:a14="http://schemas.microsoft.com/office/drawing/2010/main" w="9525">
+                  <a14:hiddenLine xmlns:a14="http://schemas.microsoft.com/office/drawing/2010/main" xmlns="" w="9525">
                     <a:solidFill>
                       <a:srgbClr val="000000"/>
                     </a:solidFill>
@@ -11089,7 +11088,7 @@
               </a:ln>
               <a:extLst>
                 <a:ext uri="{91240B29-F687-4f45-9708-019B960494DF}">
-                  <a14:hiddenLine xmlns="" xmlns:a14="http://schemas.microsoft.com/office/drawing/2010/main" w="9525">
+                  <a14:hiddenLine xmlns:a14="http://schemas.microsoft.com/office/drawing/2010/main" xmlns="" w="9525">
                     <a:solidFill>
                       <a:srgbClr val="000000"/>
                     </a:solidFill>
@@ -11151,7 +11150,7 @@
               </a:ln>
               <a:extLst>
                 <a:ext uri="{91240B29-F687-4f45-9708-019B960494DF}">
-                  <a14:hiddenLine xmlns="" xmlns:a14="http://schemas.microsoft.com/office/drawing/2010/main" w="9525">
+                  <a14:hiddenLine xmlns:a14="http://schemas.microsoft.com/office/drawing/2010/main" xmlns="" w="9525">
                     <a:solidFill>
                       <a:srgbClr val="000000"/>
                     </a:solidFill>
@@ -11241,7 +11240,7 @@
               </a:ln>
               <a:extLst>
                 <a:ext uri="{91240B29-F687-4f45-9708-019B960494DF}">
-                  <a14:hiddenLine xmlns="" xmlns:a14="http://schemas.microsoft.com/office/drawing/2010/main" w="9525">
+                  <a14:hiddenLine xmlns:a14="http://schemas.microsoft.com/office/drawing/2010/main" xmlns="" w="9525">
                     <a:solidFill>
                       <a:srgbClr val="000000"/>
                     </a:solidFill>
@@ -11306,7 +11305,7 @@
               </a:ln>
               <a:extLst>
                 <a:ext uri="{91240B29-F687-4f45-9708-019B960494DF}">
-                  <a14:hiddenLine xmlns="" xmlns:a14="http://schemas.microsoft.com/office/drawing/2010/main" w="9525">
+                  <a14:hiddenLine xmlns:a14="http://schemas.microsoft.com/office/drawing/2010/main" xmlns="" w="9525">
                     <a:solidFill>
                       <a:srgbClr val="000000"/>
                     </a:solidFill>
@@ -11368,7 +11367,7 @@
               </a:ln>
               <a:extLst>
                 <a:ext uri="{91240B29-F687-4f45-9708-019B960494DF}">
-                  <a14:hiddenLine xmlns="" xmlns:a14="http://schemas.microsoft.com/office/drawing/2010/main" w="9525">
+                  <a14:hiddenLine xmlns:a14="http://schemas.microsoft.com/office/drawing/2010/main" xmlns="" w="9525">
                     <a:solidFill>
                       <a:srgbClr val="000000"/>
                     </a:solidFill>
@@ -11458,7 +11457,7 @@
               </a:ln>
               <a:extLst>
                 <a:ext uri="{91240B29-F687-4f45-9708-019B960494DF}">
-                  <a14:hiddenLine xmlns="" xmlns:a14="http://schemas.microsoft.com/office/drawing/2010/main" w="9525">
+                  <a14:hiddenLine xmlns:a14="http://schemas.microsoft.com/office/drawing/2010/main" xmlns="" w="9525">
                     <a:solidFill>
                       <a:srgbClr val="000000"/>
                     </a:solidFill>
@@ -11548,7 +11547,7 @@
               </a:ln>
               <a:extLst>
                 <a:ext uri="{91240B29-F687-4f45-9708-019B960494DF}">
-                  <a14:hiddenLine xmlns="" xmlns:a14="http://schemas.microsoft.com/office/drawing/2010/main" w="9525">
+                  <a14:hiddenLine xmlns:a14="http://schemas.microsoft.com/office/drawing/2010/main" xmlns="" w="9525">
                     <a:solidFill>
                       <a:srgbClr val="000000"/>
                     </a:solidFill>
@@ -11613,7 +11612,7 @@
               </a:ln>
               <a:extLst>
                 <a:ext uri="{91240B29-F687-4f45-9708-019B960494DF}">
-                  <a14:hiddenLine xmlns="" xmlns:a14="http://schemas.microsoft.com/office/drawing/2010/main" w="9525">
+                  <a14:hiddenLine xmlns:a14="http://schemas.microsoft.com/office/drawing/2010/main" xmlns="" w="9525">
                     <a:solidFill>
                       <a:srgbClr val="000000"/>
                     </a:solidFill>
@@ -11733,7 +11732,7 @@
               </a:ln>
               <a:extLst>
                 <a:ext uri="{91240B29-F687-4f45-9708-019B960494DF}">
-                  <a14:hiddenLine xmlns="" xmlns:a14="http://schemas.microsoft.com/office/drawing/2010/main" w="9525">
+                  <a14:hiddenLine xmlns:a14="http://schemas.microsoft.com/office/drawing/2010/main" xmlns="" w="9525">
                     <a:solidFill>
                       <a:srgbClr val="000000"/>
                     </a:solidFill>
@@ -11831,7 +11830,7 @@
               </a:ln>
               <a:extLst>
                 <a:ext uri="{91240B29-F687-4f45-9708-019B960494DF}">
-                  <a14:hiddenLine xmlns="" xmlns:a14="http://schemas.microsoft.com/office/drawing/2010/main" w="9525">
+                  <a14:hiddenLine xmlns:a14="http://schemas.microsoft.com/office/drawing/2010/main" xmlns="" w="9525">
                     <a:solidFill>
                       <a:srgbClr val="000000"/>
                     </a:solidFill>
@@ -11946,7 +11945,7 @@
               </a:ln>
               <a:extLst>
                 <a:ext uri="{91240B29-F687-4f45-9708-019B960494DF}">
-                  <a14:hiddenLine xmlns="" xmlns:a14="http://schemas.microsoft.com/office/drawing/2010/main" w="9525">
+                  <a14:hiddenLine xmlns:a14="http://schemas.microsoft.com/office/drawing/2010/main" xmlns="" w="9525">
                     <a:solidFill>
                       <a:srgbClr val="000000"/>
                     </a:solidFill>
@@ -12036,7 +12035,7 @@
               </a:ln>
               <a:extLst>
                 <a:ext uri="{91240B29-F687-4f45-9708-019B960494DF}">
-                  <a14:hiddenLine xmlns="" xmlns:a14="http://schemas.microsoft.com/office/drawing/2010/main" w="9525">
+                  <a14:hiddenLine xmlns:a14="http://schemas.microsoft.com/office/drawing/2010/main" xmlns="" w="9525">
                     <a:solidFill>
                       <a:srgbClr val="000000"/>
                     </a:solidFill>
@@ -12101,7 +12100,7 @@
               </a:ln>
               <a:extLst>
                 <a:ext uri="{91240B29-F687-4f45-9708-019B960494DF}">
-                  <a14:hiddenLine xmlns="" xmlns:a14="http://schemas.microsoft.com/office/drawing/2010/main" w="9525">
+                  <a14:hiddenLine xmlns:a14="http://schemas.microsoft.com/office/drawing/2010/main" xmlns="" w="9525">
                     <a:solidFill>
                       <a:srgbClr val="000000"/>
                     </a:solidFill>
@@ -12191,7 +12190,7 @@
               </a:ln>
               <a:extLst>
                 <a:ext uri="{91240B29-F687-4f45-9708-019B960494DF}">
-                  <a14:hiddenLine xmlns="" xmlns:a14="http://schemas.microsoft.com/office/drawing/2010/main" w="9525">
+                  <a14:hiddenLine xmlns:a14="http://schemas.microsoft.com/office/drawing/2010/main" xmlns="" w="9525">
                     <a:solidFill>
                       <a:srgbClr val="000000"/>
                     </a:solidFill>
@@ -12259,7 +12258,7 @@
               </a:ln>
               <a:extLst>
                 <a:ext uri="{91240B29-F687-4f45-9708-019B960494DF}">
-                  <a14:hiddenLine xmlns="" xmlns:a14="http://schemas.microsoft.com/office/drawing/2010/main" w="9525">
+                  <a14:hiddenLine xmlns:a14="http://schemas.microsoft.com/office/drawing/2010/main" xmlns="" w="9525">
                     <a:solidFill>
                       <a:srgbClr val="000000"/>
                     </a:solidFill>
@@ -12349,7 +12348,7 @@
               </a:ln>
               <a:extLst>
                 <a:ext uri="{91240B29-F687-4f45-9708-019B960494DF}">
-                  <a14:hiddenLine xmlns="" xmlns:a14="http://schemas.microsoft.com/office/drawing/2010/main" w="9525">
+                  <a14:hiddenLine xmlns:a14="http://schemas.microsoft.com/office/drawing/2010/main" xmlns="" w="9525">
                     <a:solidFill>
                       <a:srgbClr val="000000"/>
                     </a:solidFill>
@@ -12417,7 +12416,7 @@
               </a:ln>
               <a:extLst>
                 <a:ext uri="{91240B29-F687-4f45-9708-019B960494DF}">
-                  <a14:hiddenLine xmlns="" xmlns:a14="http://schemas.microsoft.com/office/drawing/2010/main" w="9525">
+                  <a14:hiddenLine xmlns:a14="http://schemas.microsoft.com/office/drawing/2010/main" xmlns="" w="9525">
                     <a:solidFill>
                       <a:srgbClr val="000000"/>
                     </a:solidFill>
@@ -12507,7 +12506,7 @@
               </a:ln>
               <a:extLst>
                 <a:ext uri="{91240B29-F687-4f45-9708-019B960494DF}">
-                  <a14:hiddenLine xmlns="" xmlns:a14="http://schemas.microsoft.com/office/drawing/2010/main" w="9525">
+                  <a14:hiddenLine xmlns:a14="http://schemas.microsoft.com/office/drawing/2010/main" xmlns="" w="9525">
                     <a:solidFill>
                       <a:srgbClr val="000000"/>
                     </a:solidFill>
@@ -12541,7 +12540,7 @@
               </a:ln>
               <a:extLst>
                 <a:ext uri="{91240B29-F687-4f45-9708-019B960494DF}">
-                  <a14:hiddenLine xmlns="" xmlns:a14="http://schemas.microsoft.com/office/drawing/2010/main" w="9525">
+                  <a14:hiddenLine xmlns:a14="http://schemas.microsoft.com/office/drawing/2010/main" xmlns="" w="9525">
                     <a:solidFill>
                       <a:srgbClr val="000000"/>
                     </a:solidFill>
@@ -12682,7 +12681,7 @@
             <a:fld id="{7EAF463A-BC7C-46EE-9F1E-7F377CCA4891}" type="datetimeFigureOut">
               <a:rPr lang="en-US" smtClean="0"/>
               <a:pPr/>
-              <a:t>12/12/2019</a:t>
+              <a:t>12/13/2019</a:t>
             </a:fld>
             <a:endParaRPr lang="en-US"/>
           </a:p>
@@ -13370,193 +13369,6 @@
       </p:grpSpPr>
       <p:sp>
         <p:nvSpPr>
-          <p:cNvPr id="2" name="Прямоугольник 1">
-            <a:extLst>
-              <a:ext uri="{FF2B5EF4-FFF2-40B4-BE49-F238E27FC236}">
-                <a16:creationId xmlns:a16="http://schemas.microsoft.com/office/drawing/2014/main" id="{ECEDBA4B-B4C7-4358-9C1B-BADADF89DCB7}"/>
-              </a:ext>
-            </a:extLst>
-          </p:cNvPr>
-          <p:cNvSpPr/>
-          <p:nvPr/>
-        </p:nvSpPr>
-        <p:spPr>
-          <a:xfrm>
-            <a:off x="1187624" y="332656"/>
-            <a:ext cx="6768752" cy="1077218"/>
-          </a:xfrm>
-          <a:prstGeom prst="rect">
-            <a:avLst/>
-          </a:prstGeom>
-        </p:spPr>
-        <p:txBody>
-          <a:bodyPr wrap="square">
-            <a:spAutoFit/>
-          </a:bodyPr>
-          <a:lstStyle/>
-          <a:p>
-            <a:r>
-              <a:rPr lang="ru-RU" sz="3200" dirty="0">
-                <a:solidFill>
-                  <a:schemeClr val="bg2">
-                    <a:lumMod val="50000"/>
-                  </a:schemeClr>
-                </a:solidFill>
-              </a:rPr>
-              <a:t>Факторы, учитываемые при планировании сетевых приложений</a:t>
-            </a:r>
-          </a:p>
-        </p:txBody>
-      </p:sp>
-      <p:sp>
-        <p:nvSpPr>
-          <p:cNvPr id="3" name="Прямоугольник 2">
-            <a:extLst>
-              <a:ext uri="{FF2B5EF4-FFF2-40B4-BE49-F238E27FC236}">
-                <a16:creationId xmlns:a16="http://schemas.microsoft.com/office/drawing/2014/main" id="{B5BC6CE6-3B97-4C89-9AA6-5A97B3AC5578}"/>
-              </a:ext>
-            </a:extLst>
-          </p:cNvPr>
-          <p:cNvSpPr/>
-          <p:nvPr/>
-        </p:nvSpPr>
-        <p:spPr>
-          <a:xfrm>
-            <a:off x="755576" y="2090172"/>
-            <a:ext cx="8280920" cy="2308324"/>
-          </a:xfrm>
-          <a:prstGeom prst="rect">
-            <a:avLst/>
-          </a:prstGeom>
-        </p:spPr>
-        <p:txBody>
-          <a:bodyPr wrap="square">
-            <a:spAutoFit/>
-          </a:bodyPr>
-          <a:lstStyle/>
-          <a:p>
-            <a:r>
-              <a:rPr lang="ru-RU" sz="2400" dirty="0">
-                <a:solidFill>
-                  <a:schemeClr val="bg2">
-                    <a:lumMod val="50000"/>
-                  </a:schemeClr>
-                </a:solidFill>
-              </a:rPr>
-              <a:t>Независимо от архитектуры необходимо учитывать следующие факторы: </a:t>
-            </a:r>
-            <a:endParaRPr lang="en-US" sz="2400" dirty="0">
-              <a:solidFill>
-                <a:schemeClr val="bg2">
-                  <a:lumMod val="50000"/>
-                </a:schemeClr>
-              </a:solidFill>
-            </a:endParaRPr>
-          </a:p>
-          <a:p>
-            <a:r>
-              <a:rPr lang="ru-RU" sz="2400" dirty="0">
-                <a:solidFill>
-                  <a:schemeClr val="bg2">
-                    <a:lumMod val="50000"/>
-                  </a:schemeClr>
-                </a:solidFill>
-              </a:rPr>
-              <a:t>• доступ к источникам данных ввода-вывода; </a:t>
-            </a:r>
-            <a:endParaRPr lang="en-US" sz="2400" dirty="0">
-              <a:solidFill>
-                <a:schemeClr val="bg2">
-                  <a:lumMod val="50000"/>
-                </a:schemeClr>
-              </a:solidFill>
-            </a:endParaRPr>
-          </a:p>
-          <a:p>
-            <a:r>
-              <a:rPr lang="ru-RU" sz="2400" dirty="0">
-                <a:solidFill>
-                  <a:schemeClr val="bg2">
-                    <a:lumMod val="50000"/>
-                  </a:schemeClr>
-                </a:solidFill>
-              </a:rPr>
-              <a:t>• доступ к разделяемым файлам; </a:t>
-            </a:r>
-            <a:endParaRPr lang="en-US" sz="2400" dirty="0">
-              <a:solidFill>
-                <a:schemeClr val="bg2">
-                  <a:lumMod val="50000"/>
-                </a:schemeClr>
-              </a:solidFill>
-            </a:endParaRPr>
-          </a:p>
-          <a:p>
-            <a:r>
-              <a:rPr lang="ru-RU" sz="2400" dirty="0">
-                <a:solidFill>
-                  <a:schemeClr val="bg2">
-                    <a:lumMod val="50000"/>
-                  </a:schemeClr>
-                </a:solidFill>
-              </a:rPr>
-              <a:t>• место регистрации данных; </a:t>
-            </a:r>
-            <a:endParaRPr lang="en-US" sz="2400" dirty="0">
-              <a:solidFill>
-                <a:schemeClr val="bg2">
-                  <a:lumMod val="50000"/>
-                </a:schemeClr>
-              </a:solidFill>
-            </a:endParaRPr>
-          </a:p>
-          <a:p>
-            <a:r>
-              <a:rPr lang="ru-RU" sz="2400" dirty="0">
-                <a:solidFill>
-                  <a:schemeClr val="bg2">
-                    <a:lumMod val="50000"/>
-                  </a:schemeClr>
-                </a:solidFill>
-              </a:rPr>
-              <a:t>• особые требования, обусловленные сетью.</a:t>
-            </a:r>
-            <a:endParaRPr lang="ru-RU" sz="2400" dirty="0"/>
-          </a:p>
-        </p:txBody>
-      </p:sp>
-    </p:spTree>
-    <p:extLst>
-      <p:ext uri="{BB962C8B-B14F-4D97-AF65-F5344CB8AC3E}">
-        <p14:creationId xmlns:p14="http://schemas.microsoft.com/office/powerpoint/2010/main" val="282490486"/>
-      </p:ext>
-    </p:extLst>
-  </p:cSld>
-  <p:clrMapOvr>
-    <a:masterClrMapping/>
-  </p:clrMapOvr>
-</p:sld>
-</file>
-
-<file path=ppt/slides/slide11.xml><?xml version="1.0" encoding="utf-8"?>
-<p:sld xmlns:a="http://schemas.openxmlformats.org/drawingml/2006/main" xmlns:r="http://schemas.openxmlformats.org/officeDocument/2006/relationships" xmlns:p="http://schemas.openxmlformats.org/presentationml/2006/main">
-  <p:cSld>
-    <p:spTree>
-      <p:nvGrpSpPr>
-        <p:cNvPr id="1" name=""/>
-        <p:cNvGrpSpPr/>
-        <p:nvPr/>
-      </p:nvGrpSpPr>
-      <p:grpSpPr>
-        <a:xfrm>
-          <a:off x="0" y="0"/>
-          <a:ext cx="0" cy="0"/>
-          <a:chOff x="0" y="0"/>
-          <a:chExt cx="0" cy="0"/>
-        </a:xfrm>
-      </p:grpSpPr>
-      <p:sp>
-        <p:nvSpPr>
           <p:cNvPr id="4" name="Прямоугольник 3">
             <a:extLst>
               <a:ext uri="{FF2B5EF4-FFF2-40B4-BE49-F238E27FC236}">
@@ -13691,7 +13503,7 @@
 </p:sld>
 </file>
 
-<file path=ppt/slides/slide12.xml><?xml version="1.0" encoding="utf-8"?>
+<file path=ppt/slides/slide11.xml><?xml version="1.0" encoding="utf-8"?>
 <p:sld xmlns:a="http://schemas.openxmlformats.org/drawingml/2006/main" xmlns:r="http://schemas.openxmlformats.org/officeDocument/2006/relationships" xmlns:p="http://schemas.openxmlformats.org/presentationml/2006/main">
   <p:cSld>
     <p:spTree>
@@ -13797,7 +13609,7 @@
 </p:sld>
 </file>
 
-<file path=ppt/slides/slide13.xml><?xml version="1.0" encoding="utf-8"?>
+<file path=ppt/slides/slide12.xml><?xml version="1.0" encoding="utf-8"?>
 <p:sld xmlns:a="http://schemas.openxmlformats.org/drawingml/2006/main" xmlns:r="http://schemas.openxmlformats.org/officeDocument/2006/relationships" xmlns:p="http://schemas.openxmlformats.org/presentationml/2006/main">
   <p:cSld>
     <p:spTree>
@@ -13919,7 +13731,7 @@
 </p:sld>
 </file>
 
-<file path=ppt/slides/slide14.xml><?xml version="1.0" encoding="utf-8"?>
+<file path=ppt/slides/slide13.xml><?xml version="1.0" encoding="utf-8"?>
 <p:sld xmlns:a="http://schemas.openxmlformats.org/drawingml/2006/main" xmlns:r="http://schemas.openxmlformats.org/officeDocument/2006/relationships" xmlns:p="http://schemas.openxmlformats.org/presentationml/2006/main">
   <p:cSld>
     <p:spTree>
@@ -14025,7 +13837,7 @@
 </p:sld>
 </file>
 
-<file path=ppt/slides/slide15.xml><?xml version="1.0" encoding="utf-8"?>
+<file path=ppt/slides/slide14.xml><?xml version="1.0" encoding="utf-8"?>
 <p:sld xmlns:a="http://schemas.openxmlformats.org/drawingml/2006/main" xmlns:r="http://schemas.openxmlformats.org/officeDocument/2006/relationships" xmlns:p="http://schemas.openxmlformats.org/presentationml/2006/main">
   <p:cSld>
     <p:spTree>
@@ -14131,7 +13943,7 @@
 </p:sld>
 </file>
 
-<file path=ppt/slides/slide16.xml><?xml version="1.0" encoding="utf-8"?>
+<file path=ppt/slides/slide15.xml><?xml version="1.0" encoding="utf-8"?>
 <p:sld xmlns:a="http://schemas.openxmlformats.org/drawingml/2006/main" xmlns:r="http://schemas.openxmlformats.org/officeDocument/2006/relationships" xmlns:p="http://schemas.openxmlformats.org/presentationml/2006/main">
   <p:cSld>
     <p:spTree>
@@ -14237,7 +14049,7 @@
 </p:sld>
 </file>
 
-<file path=ppt/slides/slide17.xml><?xml version="1.0" encoding="utf-8"?>
+<file path=ppt/slides/slide16.xml><?xml version="1.0" encoding="utf-8"?>
 <p:sld xmlns:a="http://schemas.openxmlformats.org/drawingml/2006/main" xmlns:r="http://schemas.openxmlformats.org/officeDocument/2006/relationships" xmlns:p="http://schemas.openxmlformats.org/presentationml/2006/main">
   <p:cSld>
     <p:spTree>
@@ -14343,7 +14155,7 @@
 </p:sld>
 </file>
 
-<file path=ppt/slides/slide18.xml><?xml version="1.0" encoding="utf-8"?>
+<file path=ppt/slides/slide17.xml><?xml version="1.0" encoding="utf-8"?>
 <p:sld xmlns:a="http://schemas.openxmlformats.org/drawingml/2006/main" xmlns:r="http://schemas.openxmlformats.org/officeDocument/2006/relationships" xmlns:p="http://schemas.openxmlformats.org/presentationml/2006/main">
   <p:cSld>
     <p:spTree>
@@ -14447,7 +14259,7 @@
 </p:sld>
 </file>
 
-<file path=ppt/slides/slide19.xml><?xml version="1.0" encoding="utf-8"?>
+<file path=ppt/slides/slide18.xml><?xml version="1.0" encoding="utf-8"?>
 <p:sld xmlns:a="http://schemas.openxmlformats.org/drawingml/2006/main" xmlns:r="http://schemas.openxmlformats.org/officeDocument/2006/relationships" xmlns:p="http://schemas.openxmlformats.org/presentationml/2006/main">
   <p:cSld>
     <p:spTree>
@@ -14873,352 +14685,7 @@
 </p:sld>
 </file>
 
-<file path=ppt/slides/slide2.xml><?xml version="1.0" encoding="utf-8"?>
-<p:sld xmlns:a="http://schemas.openxmlformats.org/drawingml/2006/main" xmlns:r="http://schemas.openxmlformats.org/officeDocument/2006/relationships" xmlns:p="http://schemas.openxmlformats.org/presentationml/2006/main">
-  <p:cSld>
-    <p:spTree>
-      <p:nvGrpSpPr>
-        <p:cNvPr id="1" name=""/>
-        <p:cNvGrpSpPr/>
-        <p:nvPr/>
-      </p:nvGrpSpPr>
-      <p:grpSpPr>
-        <a:xfrm>
-          <a:off x="0" y="0"/>
-          <a:ext cx="0" cy="0"/>
-          <a:chOff x="0" y="0"/>
-          <a:chExt cx="0" cy="0"/>
-        </a:xfrm>
-      </p:grpSpPr>
-      <p:sp>
-        <p:nvSpPr>
-          <p:cNvPr id="3" name="Объект 2">
-            <a:extLst>
-              <a:ext uri="{FF2B5EF4-FFF2-40B4-BE49-F238E27FC236}">
-                <a16:creationId xmlns:a16="http://schemas.microsoft.com/office/drawing/2014/main" id="{30CFDBBA-4653-4240-BE34-F459782E312A}"/>
-              </a:ext>
-            </a:extLst>
-          </p:cNvPr>
-          <p:cNvSpPr>
-            <a:spLocks noGrp="1"/>
-          </p:cNvSpPr>
-          <p:nvPr>
-            <p:ph idx="1"/>
-          </p:nvPr>
-        </p:nvSpPr>
-        <p:spPr>
-          <a:xfrm>
-            <a:off x="2627784" y="404664"/>
-            <a:ext cx="6020195" cy="1354089"/>
-          </a:xfrm>
-        </p:spPr>
-        <p:txBody>
-          <a:bodyPr/>
-          <a:lstStyle/>
-          <a:p>
-            <a:pPr marL="0" indent="0">
-              <a:buNone/>
-            </a:pPr>
-            <a:r>
-              <a:rPr lang="en-US" dirty="0">
-                <a:solidFill>
-                  <a:schemeClr val="bg1"/>
-                </a:solidFill>
-              </a:rPr>
-              <a:t>C</a:t>
-            </a:r>
-            <a:r>
-              <a:rPr lang="ru-RU" dirty="0" err="1">
-                <a:solidFill>
-                  <a:schemeClr val="bg1"/>
-                </a:solidFill>
-              </a:rPr>
-              <a:t>труктура</a:t>
-            </a:r>
-            <a:r>
-              <a:rPr lang="ru-RU" dirty="0">
-                <a:solidFill>
-                  <a:schemeClr val="bg1"/>
-                </a:solidFill>
-              </a:rPr>
-              <a:t> </a:t>
-            </a:r>
-            <a:r>
-              <a:rPr lang="en-US" dirty="0">
-                <a:solidFill>
-                  <a:schemeClr val="bg1"/>
-                </a:solidFill>
-              </a:rPr>
-              <a:t>SCADA</a:t>
-            </a:r>
-            <a:endParaRPr lang="ru-RU" dirty="0">
-              <a:solidFill>
-                <a:schemeClr val="bg1"/>
-              </a:solidFill>
-            </a:endParaRPr>
-          </a:p>
-        </p:txBody>
-      </p:sp>
-      <p:pic>
-        <p:nvPicPr>
-          <p:cNvPr id="4" name="Рисунок 3">
-            <a:extLst>
-              <a:ext uri="{FF2B5EF4-FFF2-40B4-BE49-F238E27FC236}">
-                <a16:creationId xmlns:a16="http://schemas.microsoft.com/office/drawing/2014/main" id="{C676F682-E006-4AA7-92A0-38CD1049BB99}"/>
-              </a:ext>
-            </a:extLst>
-          </p:cNvPr>
-          <p:cNvPicPr>
-            <a:picLocks noChangeAspect="1"/>
-          </p:cNvPicPr>
-          <p:nvPr/>
-        </p:nvPicPr>
-        <p:blipFill>
-          <a:blip r:embed="rId2"/>
-          <a:stretch>
-            <a:fillRect/>
-          </a:stretch>
-        </p:blipFill>
-        <p:spPr>
-          <a:xfrm>
-            <a:off x="428596" y="1285860"/>
-            <a:ext cx="6553200" cy="3857625"/>
-          </a:xfrm>
-          <a:prstGeom prst="rect">
-            <a:avLst/>
-          </a:prstGeom>
-        </p:spPr>
-      </p:pic>
-      <p:sp>
-        <p:nvSpPr>
-          <p:cNvPr id="5" name="Объект 2">
-            <a:extLst>
-              <a:ext uri="{FF2B5EF4-FFF2-40B4-BE49-F238E27FC236}">
-                <a16:creationId xmlns:a16="http://schemas.microsoft.com/office/drawing/2014/main" id="{FF4E7B58-5156-41D2-B009-AC8140948A93}"/>
-              </a:ext>
-            </a:extLst>
-          </p:cNvPr>
-          <p:cNvSpPr txBox="1">
-            <a:spLocks/>
-          </p:cNvSpPr>
-          <p:nvPr/>
-        </p:nvSpPr>
-        <p:spPr>
-          <a:xfrm>
-            <a:off x="7164288" y="2564904"/>
-            <a:ext cx="1728192" cy="1354089"/>
-          </a:xfrm>
-          <a:prstGeom prst="rect">
-            <a:avLst/>
-          </a:prstGeom>
-        </p:spPr>
-        <p:txBody>
-          <a:bodyPr vert="horz" lIns="91440" tIns="45720" rIns="91440" bIns="45720" rtlCol="0">
-            <a:normAutofit/>
-          </a:bodyPr>
-          <a:lstStyle>
-            <a:lvl1pPr marL="228600" indent="-228600" algn="l" defTabSz="914400" rtl="0" eaLnBrk="1" latinLnBrk="0" hangingPunct="1">
-              <a:lnSpc>
-                <a:spcPct val="120000"/>
-              </a:lnSpc>
-              <a:spcBef>
-                <a:spcPts val="1000"/>
-              </a:spcBef>
-              <a:buSzPct val="125000"/>
-              <a:buFont typeface="Arial" panose="020B0604020202020204" pitchFamily="34" charset="0"/>
-              <a:buChar char="•"/>
-              <a:defRPr sz="2400" kern="1200">
-                <a:solidFill>
-                  <a:schemeClr val="tx1"/>
-                </a:solidFill>
-                <a:latin typeface="+mn-lt"/>
-                <a:ea typeface="+mn-ea"/>
-                <a:cs typeface="+mn-cs"/>
-              </a:defRPr>
-            </a:lvl1pPr>
-            <a:lvl2pPr marL="685800" indent="-228600" algn="l" defTabSz="914400" rtl="0" eaLnBrk="1" latinLnBrk="0" hangingPunct="1">
-              <a:lnSpc>
-                <a:spcPct val="120000"/>
-              </a:lnSpc>
-              <a:spcBef>
-                <a:spcPts val="500"/>
-              </a:spcBef>
-              <a:buSzPct val="125000"/>
-              <a:buFont typeface="Arial" panose="020B0604020202020204" pitchFamily="34" charset="0"/>
-              <a:buChar char="•"/>
-              <a:defRPr sz="2000" kern="1200">
-                <a:solidFill>
-                  <a:schemeClr val="tx1"/>
-                </a:solidFill>
-                <a:latin typeface="+mn-lt"/>
-                <a:ea typeface="+mn-ea"/>
-                <a:cs typeface="+mn-cs"/>
-              </a:defRPr>
-            </a:lvl2pPr>
-            <a:lvl3pPr marL="1143000" indent="-228600" algn="l" defTabSz="914400" rtl="0" eaLnBrk="1" latinLnBrk="0" hangingPunct="1">
-              <a:lnSpc>
-                <a:spcPct val="120000"/>
-              </a:lnSpc>
-              <a:spcBef>
-                <a:spcPts val="500"/>
-              </a:spcBef>
-              <a:buSzPct val="125000"/>
-              <a:buFont typeface="Arial" panose="020B0604020202020204" pitchFamily="34" charset="0"/>
-              <a:buChar char="•"/>
-              <a:defRPr sz="1800" kern="1200">
-                <a:solidFill>
-                  <a:schemeClr val="tx1"/>
-                </a:solidFill>
-                <a:latin typeface="+mn-lt"/>
-                <a:ea typeface="+mn-ea"/>
-                <a:cs typeface="+mn-cs"/>
-              </a:defRPr>
-            </a:lvl3pPr>
-            <a:lvl4pPr marL="1600200" indent="-228600" algn="l" defTabSz="914400" rtl="0" eaLnBrk="1" latinLnBrk="0" hangingPunct="1">
-              <a:lnSpc>
-                <a:spcPct val="120000"/>
-              </a:lnSpc>
-              <a:spcBef>
-                <a:spcPts val="500"/>
-              </a:spcBef>
-              <a:buSzPct val="125000"/>
-              <a:buFont typeface="Arial" panose="020B0604020202020204" pitchFamily="34" charset="0"/>
-              <a:buChar char="•"/>
-              <a:defRPr sz="1600" kern="1200">
-                <a:solidFill>
-                  <a:schemeClr val="tx1"/>
-                </a:solidFill>
-                <a:latin typeface="+mn-lt"/>
-                <a:ea typeface="+mn-ea"/>
-                <a:cs typeface="+mn-cs"/>
-              </a:defRPr>
-            </a:lvl4pPr>
-            <a:lvl5pPr marL="2057400" indent="-228600" algn="l" defTabSz="914400" rtl="0" eaLnBrk="1" latinLnBrk="0" hangingPunct="1">
-              <a:lnSpc>
-                <a:spcPct val="120000"/>
-              </a:lnSpc>
-              <a:spcBef>
-                <a:spcPts val="500"/>
-              </a:spcBef>
-              <a:buSzPct val="125000"/>
-              <a:buFont typeface="Arial" panose="020B0604020202020204" pitchFamily="34" charset="0"/>
-              <a:buChar char="•"/>
-              <a:defRPr sz="1600" kern="1200">
-                <a:solidFill>
-                  <a:schemeClr val="tx1"/>
-                </a:solidFill>
-                <a:latin typeface="+mn-lt"/>
-                <a:ea typeface="+mn-ea"/>
-                <a:cs typeface="+mn-cs"/>
-              </a:defRPr>
-            </a:lvl5pPr>
-            <a:lvl6pPr marL="2514600" indent="-228600" algn="l" defTabSz="914400" rtl="0" eaLnBrk="1" latinLnBrk="0" hangingPunct="1">
-              <a:lnSpc>
-                <a:spcPct val="120000"/>
-              </a:lnSpc>
-              <a:spcBef>
-                <a:spcPts val="500"/>
-              </a:spcBef>
-              <a:buSzPct val="125000"/>
-              <a:buFont typeface="Arial" panose="020B0604020202020204" pitchFamily="34" charset="0"/>
-              <a:buChar char="•"/>
-              <a:defRPr sz="1400" kern="1200">
-                <a:solidFill>
-                  <a:schemeClr val="tx1"/>
-                </a:solidFill>
-                <a:latin typeface="+mn-lt"/>
-                <a:ea typeface="+mn-ea"/>
-                <a:cs typeface="+mn-cs"/>
-              </a:defRPr>
-            </a:lvl6pPr>
-            <a:lvl7pPr marL="2971800" indent="-228600" algn="l" defTabSz="914400" rtl="0" eaLnBrk="1" latinLnBrk="0" hangingPunct="1">
-              <a:lnSpc>
-                <a:spcPct val="120000"/>
-              </a:lnSpc>
-              <a:spcBef>
-                <a:spcPts val="500"/>
-              </a:spcBef>
-              <a:buSzPct val="125000"/>
-              <a:buFont typeface="Arial" panose="020B0604020202020204" pitchFamily="34" charset="0"/>
-              <a:buChar char="•"/>
-              <a:defRPr sz="1400" kern="1200">
-                <a:solidFill>
-                  <a:schemeClr val="tx1"/>
-                </a:solidFill>
-                <a:latin typeface="+mn-lt"/>
-                <a:ea typeface="+mn-ea"/>
-                <a:cs typeface="+mn-cs"/>
-              </a:defRPr>
-            </a:lvl7pPr>
-            <a:lvl8pPr marL="3429000" indent="-228600" algn="l" defTabSz="914400" rtl="0" eaLnBrk="1" latinLnBrk="0" hangingPunct="1">
-              <a:lnSpc>
-                <a:spcPct val="120000"/>
-              </a:lnSpc>
-              <a:spcBef>
-                <a:spcPts val="500"/>
-              </a:spcBef>
-              <a:buSzPct val="125000"/>
-              <a:buFont typeface="Arial" panose="020B0604020202020204" pitchFamily="34" charset="0"/>
-              <a:buChar char="•"/>
-              <a:defRPr sz="1400" kern="1200">
-                <a:solidFill>
-                  <a:schemeClr val="tx1"/>
-                </a:solidFill>
-                <a:latin typeface="+mn-lt"/>
-                <a:ea typeface="+mn-ea"/>
-                <a:cs typeface="+mn-cs"/>
-              </a:defRPr>
-            </a:lvl8pPr>
-            <a:lvl9pPr marL="3886200" indent="-228600" algn="l" defTabSz="914400" rtl="0" eaLnBrk="1" latinLnBrk="0" hangingPunct="1">
-              <a:lnSpc>
-                <a:spcPct val="120000"/>
-              </a:lnSpc>
-              <a:spcBef>
-                <a:spcPts val="500"/>
-              </a:spcBef>
-              <a:buSzPct val="125000"/>
-              <a:buFont typeface="Arial" panose="020B0604020202020204" pitchFamily="34" charset="0"/>
-              <a:buChar char="•"/>
-              <a:defRPr sz="1400" kern="1200">
-                <a:solidFill>
-                  <a:schemeClr val="tx1"/>
-                </a:solidFill>
-                <a:latin typeface="+mn-lt"/>
-                <a:ea typeface="+mn-ea"/>
-                <a:cs typeface="+mn-cs"/>
-              </a:defRPr>
-            </a:lvl9pPr>
-          </a:lstStyle>
-          <a:p>
-            <a:pPr marL="0" indent="0">
-              <a:buFont typeface="Arial" panose="020B0604020202020204" pitchFamily="34" charset="0"/>
-              <a:buNone/>
-            </a:pPr>
-            <a:r>
-              <a:rPr lang="ru-RU" dirty="0">
-                <a:solidFill>
-                  <a:schemeClr val="bg1"/>
-                </a:solidFill>
-              </a:rPr>
-              <a:t>Среда разработки</a:t>
-            </a:r>
-          </a:p>
-        </p:txBody>
-      </p:sp>
-    </p:spTree>
-    <p:extLst>
-      <p:ext uri="{BB962C8B-B14F-4D97-AF65-F5344CB8AC3E}">
-        <p14:creationId xmlns:p14="http://schemas.microsoft.com/office/powerpoint/2010/main" val="2333277847"/>
-      </p:ext>
-    </p:extLst>
-  </p:cSld>
-  <p:clrMapOvr>
-    <a:masterClrMapping/>
-  </p:clrMapOvr>
-</p:sld>
-</file>
-
-<file path=ppt/slides/slide20.xml><?xml version="1.0" encoding="utf-8"?>
+<file path=ppt/slides/slide19.xml><?xml version="1.0" encoding="utf-8"?>
 <p:sld xmlns:a="http://schemas.openxmlformats.org/drawingml/2006/main" xmlns:r="http://schemas.openxmlformats.org/officeDocument/2006/relationships" xmlns:p="http://schemas.openxmlformats.org/presentationml/2006/main">
   <p:cSld>
     <p:spTree>
@@ -15386,7 +14853,124 @@
 </p:sld>
 </file>
 
-<file path=ppt/slides/slide21.xml><?xml version="1.0" encoding="utf-8"?>
+<file path=ppt/slides/slide2.xml><?xml version="1.0" encoding="utf-8"?>
+<p:sld xmlns:a="http://schemas.openxmlformats.org/drawingml/2006/main" xmlns:r="http://schemas.openxmlformats.org/officeDocument/2006/relationships" xmlns:p="http://schemas.openxmlformats.org/presentationml/2006/main">
+  <p:cSld>
+    <p:spTree>
+      <p:nvGrpSpPr>
+        <p:cNvPr id="1" name=""/>
+        <p:cNvGrpSpPr/>
+        <p:nvPr/>
+      </p:nvGrpSpPr>
+      <p:grpSpPr>
+        <a:xfrm>
+          <a:off x="0" y="0"/>
+          <a:ext cx="0" cy="0"/>
+          <a:chOff x="0" y="0"/>
+          <a:chExt cx="0" cy="0"/>
+        </a:xfrm>
+      </p:grpSpPr>
+      <p:sp>
+        <p:nvSpPr>
+          <p:cNvPr id="4" name="Объект 2">
+            <a:extLst>
+              <a:ext uri="{FF2B5EF4-FFF2-40B4-BE49-F238E27FC236}">
+                <a16:creationId xmlns:a16="http://schemas.microsoft.com/office/drawing/2014/main" id="{2EEBAB41-6686-44DC-BC9F-D716B703997C}"/>
+              </a:ext>
+            </a:extLst>
+          </p:cNvPr>
+          <p:cNvSpPr>
+            <a:spLocks noGrp="1"/>
+          </p:cNvSpPr>
+          <p:nvPr>
+            <p:ph idx="1"/>
+          </p:nvPr>
+        </p:nvSpPr>
+        <p:spPr>
+          <a:xfrm>
+            <a:off x="2046449" y="476672"/>
+            <a:ext cx="6020195" cy="1354089"/>
+          </a:xfrm>
+        </p:spPr>
+        <p:txBody>
+          <a:bodyPr/>
+          <a:lstStyle/>
+          <a:p>
+            <a:pPr marL="0" indent="0" algn="ctr">
+              <a:buNone/>
+            </a:pPr>
+            <a:r>
+              <a:rPr lang="ru-RU" dirty="0">
+                <a:solidFill>
+                  <a:schemeClr val="bg1"/>
+                </a:solidFill>
+              </a:rPr>
+              <a:t>Одиночная система</a:t>
+            </a:r>
+            <a:r>
+              <a:rPr lang="en-US" dirty="0">
+                <a:solidFill>
+                  <a:schemeClr val="bg1"/>
+                </a:solidFill>
+              </a:rPr>
+              <a:t> (standalone)</a:t>
+            </a:r>
+            <a:endParaRPr lang="ru-RU" dirty="0">
+              <a:solidFill>
+                <a:schemeClr val="bg1"/>
+              </a:solidFill>
+            </a:endParaRPr>
+          </a:p>
+        </p:txBody>
+      </p:sp>
+      <p:pic>
+        <p:nvPicPr>
+          <p:cNvPr id="6" name="Рисунок 5">
+            <a:extLst>
+              <a:ext uri="{FF2B5EF4-FFF2-40B4-BE49-F238E27FC236}">
+                <a16:creationId xmlns:a16="http://schemas.microsoft.com/office/drawing/2014/main" id="{D7FE96D9-FF62-4CB2-A174-0047BE2B9F64}"/>
+              </a:ext>
+            </a:extLst>
+          </p:cNvPr>
+          <p:cNvPicPr>
+            <a:picLocks noChangeAspect="1"/>
+          </p:cNvPicPr>
+          <p:nvPr/>
+        </p:nvPicPr>
+        <p:blipFill>
+          <a:blip r:embed="rId2">
+            <a:extLst>
+              <a:ext uri="{28A0092B-C50C-407E-A947-70E740481C1C}">
+                <a14:useLocalDpi xmlns:a14="http://schemas.microsoft.com/office/drawing/2010/main" val="0"/>
+              </a:ext>
+            </a:extLst>
+          </a:blip>
+          <a:stretch>
+            <a:fillRect/>
+          </a:stretch>
+        </p:blipFill>
+        <p:spPr>
+          <a:xfrm>
+            <a:off x="1835696" y="1268760"/>
+            <a:ext cx="6226080" cy="4869602"/>
+          </a:xfrm>
+          <a:prstGeom prst="rect">
+            <a:avLst/>
+          </a:prstGeom>
+          <a:effectLst>
+            <a:softEdge rad="165100"/>
+          </a:effectLst>
+        </p:spPr>
+      </p:pic>
+    </p:spTree>
+  </p:cSld>
+  <p:clrMapOvr>
+    <a:masterClrMapping/>
+  </p:clrMapOvr>
+</p:sld>
+</file>
+
+<file path=ppt/slides/slide20.xml><?xml version="1.0" encoding="utf-8"?>
 <p:sld xmlns:a="http://schemas.openxmlformats.org/drawingml/2006/main" xmlns:r="http://schemas.openxmlformats.org/officeDocument/2006/relationships" xmlns:p="http://schemas.openxmlformats.org/presentationml/2006/main">
   <p:cSld>
     <p:spTree>
@@ -15525,7 +15109,7 @@
 </p:sld>
 </file>
 
-<file path=ppt/slides/slide22.xml><?xml version="1.0" encoding="utf-8"?>
+<file path=ppt/slides/slide21.xml><?xml version="1.0" encoding="utf-8"?>
 <p:sld xmlns:a="http://schemas.openxmlformats.org/drawingml/2006/main" xmlns:r="http://schemas.openxmlformats.org/officeDocument/2006/relationships" xmlns:p="http://schemas.openxmlformats.org/presentationml/2006/main">
   <p:cSld>
     <p:spTree>
@@ -15643,7 +15227,7 @@
 </p:sld>
 </file>
 
-<file path=ppt/slides/slide23.xml><?xml version="1.0" encoding="utf-8"?>
+<file path=ppt/slides/slide22.xml><?xml version="1.0" encoding="utf-8"?>
 <p:sld xmlns:a="http://schemas.openxmlformats.org/drawingml/2006/main" xmlns:r="http://schemas.openxmlformats.org/officeDocument/2006/relationships" xmlns:p="http://schemas.openxmlformats.org/presentationml/2006/main">
   <p:cSld>
     <p:spTree>
@@ -16275,7 +15859,7 @@
 </p:sld>
 </file>
 
-<file path=ppt/slides/slide24.xml><?xml version="1.0" encoding="utf-8"?>
+<file path=ppt/slides/slide23.xml><?xml version="1.0" encoding="utf-8"?>
 <p:sld xmlns:a="http://schemas.openxmlformats.org/drawingml/2006/main" xmlns:r="http://schemas.openxmlformats.org/officeDocument/2006/relationships" xmlns:p="http://schemas.openxmlformats.org/presentationml/2006/main">
   <p:cSld>
     <p:spTree>
@@ -16553,7 +16137,7 @@
 </p:sld>
 </file>
 
-<file path=ppt/slides/slide25.xml><?xml version="1.0" encoding="utf-8"?>
+<file path=ppt/slides/slide24.xml><?xml version="1.0" encoding="utf-8"?>
 <p:sld xmlns:a="http://schemas.openxmlformats.org/drawingml/2006/main" xmlns:r="http://schemas.openxmlformats.org/officeDocument/2006/relationships" xmlns:p="http://schemas.openxmlformats.org/presentationml/2006/main">
   <p:cSld>
     <p:spTree>
@@ -16886,7 +16470,7 @@
 </p:sld>
 </file>
 
-<file path=ppt/slides/slide26.xml><?xml version="1.0" encoding="utf-8"?>
+<file path=ppt/slides/slide25.xml><?xml version="1.0" encoding="utf-8"?>
 <p:sld xmlns:a="http://schemas.openxmlformats.org/drawingml/2006/main" xmlns:r="http://schemas.openxmlformats.org/officeDocument/2006/relationships" xmlns:p="http://schemas.openxmlformats.org/presentationml/2006/main">
   <p:cSld>
     <p:spTree>
@@ -17164,7 +16748,7 @@
 </p:sld>
 </file>
 
-<file path=ppt/slides/slide27.xml><?xml version="1.0" encoding="utf-8"?>
+<file path=ppt/slides/slide26.xml><?xml version="1.0" encoding="utf-8"?>
 <p:sld xmlns:a="http://schemas.openxmlformats.org/drawingml/2006/main" xmlns:r="http://schemas.openxmlformats.org/officeDocument/2006/relationships" xmlns:p="http://schemas.openxmlformats.org/presentationml/2006/main">
   <p:cSld>
     <p:spTree>
@@ -17460,7 +17044,7 @@
 </p:sld>
 </file>
 
-<file path=ppt/slides/slide28.xml><?xml version="1.0" encoding="utf-8"?>
+<file path=ppt/slides/slide27.xml><?xml version="1.0" encoding="utf-8"?>
 <p:sld xmlns:a="http://schemas.openxmlformats.org/drawingml/2006/main" xmlns:r="http://schemas.openxmlformats.org/officeDocument/2006/relationships" xmlns:p="http://schemas.openxmlformats.org/presentationml/2006/main">
   <p:cSld>
     <p:spTree>
@@ -17954,123 +17538,6 @@
       </p:grpSpPr>
       <p:sp>
         <p:nvSpPr>
-          <p:cNvPr id="4" name="Объект 2">
-            <a:extLst>
-              <a:ext uri="{FF2B5EF4-FFF2-40B4-BE49-F238E27FC236}">
-                <a16:creationId xmlns:a16="http://schemas.microsoft.com/office/drawing/2014/main" id="{2EEBAB41-6686-44DC-BC9F-D716B703997C}"/>
-              </a:ext>
-            </a:extLst>
-          </p:cNvPr>
-          <p:cNvSpPr>
-            <a:spLocks noGrp="1"/>
-          </p:cNvSpPr>
-          <p:nvPr>
-            <p:ph idx="1"/>
-          </p:nvPr>
-        </p:nvSpPr>
-        <p:spPr>
-          <a:xfrm>
-            <a:off x="2046449" y="476672"/>
-            <a:ext cx="6020195" cy="1354089"/>
-          </a:xfrm>
-        </p:spPr>
-        <p:txBody>
-          <a:bodyPr/>
-          <a:lstStyle/>
-          <a:p>
-            <a:pPr marL="0" indent="0" algn="ctr">
-              <a:buNone/>
-            </a:pPr>
-            <a:r>
-              <a:rPr lang="ru-RU" dirty="0">
-                <a:solidFill>
-                  <a:schemeClr val="bg1"/>
-                </a:solidFill>
-              </a:rPr>
-              <a:t>Одиночная система</a:t>
-            </a:r>
-            <a:r>
-              <a:rPr lang="en-US" dirty="0">
-                <a:solidFill>
-                  <a:schemeClr val="bg1"/>
-                </a:solidFill>
-              </a:rPr>
-              <a:t> (standalone)</a:t>
-            </a:r>
-            <a:endParaRPr lang="ru-RU" dirty="0">
-              <a:solidFill>
-                <a:schemeClr val="bg1"/>
-              </a:solidFill>
-            </a:endParaRPr>
-          </a:p>
-        </p:txBody>
-      </p:sp>
-      <p:pic>
-        <p:nvPicPr>
-          <p:cNvPr id="6" name="Рисунок 5">
-            <a:extLst>
-              <a:ext uri="{FF2B5EF4-FFF2-40B4-BE49-F238E27FC236}">
-                <a16:creationId xmlns:a16="http://schemas.microsoft.com/office/drawing/2014/main" id="{D7FE96D9-FF62-4CB2-A174-0047BE2B9F64}"/>
-              </a:ext>
-            </a:extLst>
-          </p:cNvPr>
-          <p:cNvPicPr>
-            <a:picLocks noChangeAspect="1"/>
-          </p:cNvPicPr>
-          <p:nvPr/>
-        </p:nvPicPr>
-        <p:blipFill>
-          <a:blip r:embed="rId2">
-            <a:extLst>
-              <a:ext uri="{28A0092B-C50C-407E-A947-70E740481C1C}">
-                <a14:useLocalDpi xmlns:a14="http://schemas.microsoft.com/office/drawing/2010/main" val="0"/>
-              </a:ext>
-            </a:extLst>
-          </a:blip>
-          <a:stretch>
-            <a:fillRect/>
-          </a:stretch>
-        </p:blipFill>
-        <p:spPr>
-          <a:xfrm>
-            <a:off x="1835696" y="1268760"/>
-            <a:ext cx="6226080" cy="4869602"/>
-          </a:xfrm>
-          <a:prstGeom prst="rect">
-            <a:avLst/>
-          </a:prstGeom>
-          <a:effectLst>
-            <a:softEdge rad="165100"/>
-          </a:effectLst>
-        </p:spPr>
-      </p:pic>
-    </p:spTree>
-  </p:cSld>
-  <p:clrMapOvr>
-    <a:masterClrMapping/>
-  </p:clrMapOvr>
-</p:sld>
-</file>
-
-<file path=ppt/slides/slide4.xml><?xml version="1.0" encoding="utf-8"?>
-<p:sld xmlns:a="http://schemas.openxmlformats.org/drawingml/2006/main" xmlns:r="http://schemas.openxmlformats.org/officeDocument/2006/relationships" xmlns:p="http://schemas.openxmlformats.org/presentationml/2006/main">
-  <p:cSld>
-    <p:spTree>
-      <p:nvGrpSpPr>
-        <p:cNvPr id="1" name=""/>
-        <p:cNvGrpSpPr/>
-        <p:nvPr/>
-      </p:nvGrpSpPr>
-      <p:grpSpPr>
-        <a:xfrm>
-          <a:off x="0" y="0"/>
-          <a:ext cx="0" cy="0"/>
-          <a:chOff x="0" y="0"/>
-          <a:chExt cx="0" cy="0"/>
-        </a:xfrm>
-      </p:grpSpPr>
-      <p:sp>
-        <p:nvSpPr>
           <p:cNvPr id="2" name="Заголовок 1">
             <a:extLst>
               <a:ext uri="{FF2B5EF4-FFF2-40B4-BE49-F238E27FC236}">
@@ -18255,7 +17722,7 @@
 </p:sld>
 </file>
 
-<file path=ppt/slides/slide5.xml><?xml version="1.0" encoding="utf-8"?>
+<file path=ppt/slides/slide4.xml><?xml version="1.0" encoding="utf-8"?>
 <p:sld xmlns:a="http://schemas.openxmlformats.org/drawingml/2006/main" xmlns:r="http://schemas.openxmlformats.org/officeDocument/2006/relationships" xmlns:p="http://schemas.openxmlformats.org/presentationml/2006/main">
   <p:cSld>
     <p:spTree>
@@ -18498,7 +17965,7 @@
 </p:sld>
 </file>
 
-<file path=ppt/slides/slide6.xml><?xml version="1.0" encoding="utf-8"?>
+<file path=ppt/slides/slide5.xml><?xml version="1.0" encoding="utf-8"?>
 <p:sld xmlns:a="http://schemas.openxmlformats.org/drawingml/2006/main" xmlns:r="http://schemas.openxmlformats.org/officeDocument/2006/relationships" xmlns:p="http://schemas.openxmlformats.org/presentationml/2006/main">
   <p:cSld>
     <p:spTree>
@@ -18614,7 +18081,7 @@
 </p:sld>
 </file>
 
-<file path=ppt/slides/slide7.xml><?xml version="1.0" encoding="utf-8"?>
+<file path=ppt/slides/slide6.xml><?xml version="1.0" encoding="utf-8"?>
 <p:sld xmlns:a="http://schemas.openxmlformats.org/drawingml/2006/main" xmlns:r="http://schemas.openxmlformats.org/officeDocument/2006/relationships" xmlns:p="http://schemas.openxmlformats.org/presentationml/2006/main">
   <p:cSld>
     <p:spTree>
@@ -18720,7 +18187,7 @@
 </p:sld>
 </file>
 
-<file path=ppt/slides/slide8.xml><?xml version="1.0" encoding="utf-8"?>
+<file path=ppt/slides/slide7.xml><?xml version="1.0" encoding="utf-8"?>
 <p:sld xmlns:a="http://schemas.openxmlformats.org/drawingml/2006/main" xmlns:r="http://schemas.openxmlformats.org/officeDocument/2006/relationships" xmlns:p="http://schemas.openxmlformats.org/presentationml/2006/main">
   <p:cSld>
     <p:spTree>
@@ -18826,7 +18293,7 @@
 </p:sld>
 </file>
 
-<file path=ppt/slides/slide9.xml><?xml version="1.0" encoding="utf-8"?>
+<file path=ppt/slides/slide8.xml><?xml version="1.0" encoding="utf-8"?>
 <p:sld xmlns:a="http://schemas.openxmlformats.org/drawingml/2006/main" xmlns:r="http://schemas.openxmlformats.org/officeDocument/2006/relationships" xmlns:p="http://schemas.openxmlformats.org/presentationml/2006/main">
   <p:cSld>
     <p:spTree>
@@ -18923,6 +18390,193 @@
     <p:extLst>
       <p:ext uri="{BB962C8B-B14F-4D97-AF65-F5344CB8AC3E}">
         <p14:creationId xmlns:p14="http://schemas.microsoft.com/office/powerpoint/2010/main" val="3945194400"/>
+      </p:ext>
+    </p:extLst>
+  </p:cSld>
+  <p:clrMapOvr>
+    <a:masterClrMapping/>
+  </p:clrMapOvr>
+</p:sld>
+</file>
+
+<file path=ppt/slides/slide9.xml><?xml version="1.0" encoding="utf-8"?>
+<p:sld xmlns:a="http://schemas.openxmlformats.org/drawingml/2006/main" xmlns:r="http://schemas.openxmlformats.org/officeDocument/2006/relationships" xmlns:p="http://schemas.openxmlformats.org/presentationml/2006/main">
+  <p:cSld>
+    <p:spTree>
+      <p:nvGrpSpPr>
+        <p:cNvPr id="1" name=""/>
+        <p:cNvGrpSpPr/>
+        <p:nvPr/>
+      </p:nvGrpSpPr>
+      <p:grpSpPr>
+        <a:xfrm>
+          <a:off x="0" y="0"/>
+          <a:ext cx="0" cy="0"/>
+          <a:chOff x="0" y="0"/>
+          <a:chExt cx="0" cy="0"/>
+        </a:xfrm>
+      </p:grpSpPr>
+      <p:sp>
+        <p:nvSpPr>
+          <p:cNvPr id="2" name="Прямоугольник 1">
+            <a:extLst>
+              <a:ext uri="{FF2B5EF4-FFF2-40B4-BE49-F238E27FC236}">
+                <a16:creationId xmlns:a16="http://schemas.microsoft.com/office/drawing/2014/main" id="{ECEDBA4B-B4C7-4358-9C1B-BADADF89DCB7}"/>
+              </a:ext>
+            </a:extLst>
+          </p:cNvPr>
+          <p:cNvSpPr/>
+          <p:nvPr/>
+        </p:nvSpPr>
+        <p:spPr>
+          <a:xfrm>
+            <a:off x="1187624" y="332656"/>
+            <a:ext cx="6768752" cy="1077218"/>
+          </a:xfrm>
+          <a:prstGeom prst="rect">
+            <a:avLst/>
+          </a:prstGeom>
+        </p:spPr>
+        <p:txBody>
+          <a:bodyPr wrap="square">
+            <a:spAutoFit/>
+          </a:bodyPr>
+          <a:lstStyle/>
+          <a:p>
+            <a:r>
+              <a:rPr lang="ru-RU" sz="3200" dirty="0">
+                <a:solidFill>
+                  <a:schemeClr val="bg2">
+                    <a:lumMod val="50000"/>
+                  </a:schemeClr>
+                </a:solidFill>
+              </a:rPr>
+              <a:t>Факторы, учитываемые при планировании сетевых приложений</a:t>
+            </a:r>
+          </a:p>
+        </p:txBody>
+      </p:sp>
+      <p:sp>
+        <p:nvSpPr>
+          <p:cNvPr id="3" name="Прямоугольник 2">
+            <a:extLst>
+              <a:ext uri="{FF2B5EF4-FFF2-40B4-BE49-F238E27FC236}">
+                <a16:creationId xmlns:a16="http://schemas.microsoft.com/office/drawing/2014/main" id="{B5BC6CE6-3B97-4C89-9AA6-5A97B3AC5578}"/>
+              </a:ext>
+            </a:extLst>
+          </p:cNvPr>
+          <p:cNvSpPr/>
+          <p:nvPr/>
+        </p:nvSpPr>
+        <p:spPr>
+          <a:xfrm>
+            <a:off x="755576" y="2090172"/>
+            <a:ext cx="8280920" cy="2308324"/>
+          </a:xfrm>
+          <a:prstGeom prst="rect">
+            <a:avLst/>
+          </a:prstGeom>
+        </p:spPr>
+        <p:txBody>
+          <a:bodyPr wrap="square">
+            <a:spAutoFit/>
+          </a:bodyPr>
+          <a:lstStyle/>
+          <a:p>
+            <a:r>
+              <a:rPr lang="ru-RU" sz="2400" dirty="0">
+                <a:solidFill>
+                  <a:schemeClr val="bg2">
+                    <a:lumMod val="50000"/>
+                  </a:schemeClr>
+                </a:solidFill>
+              </a:rPr>
+              <a:t>Независимо от архитектуры необходимо учитывать следующие факторы: </a:t>
+            </a:r>
+            <a:endParaRPr lang="en-US" sz="2400" dirty="0">
+              <a:solidFill>
+                <a:schemeClr val="bg2">
+                  <a:lumMod val="50000"/>
+                </a:schemeClr>
+              </a:solidFill>
+            </a:endParaRPr>
+          </a:p>
+          <a:p>
+            <a:r>
+              <a:rPr lang="ru-RU" sz="2400" dirty="0">
+                <a:solidFill>
+                  <a:schemeClr val="bg2">
+                    <a:lumMod val="50000"/>
+                  </a:schemeClr>
+                </a:solidFill>
+              </a:rPr>
+              <a:t>• доступ к источникам данных ввода-вывода; </a:t>
+            </a:r>
+            <a:endParaRPr lang="en-US" sz="2400" dirty="0">
+              <a:solidFill>
+                <a:schemeClr val="bg2">
+                  <a:lumMod val="50000"/>
+                </a:schemeClr>
+              </a:solidFill>
+            </a:endParaRPr>
+          </a:p>
+          <a:p>
+            <a:r>
+              <a:rPr lang="ru-RU" sz="2400" dirty="0">
+                <a:solidFill>
+                  <a:schemeClr val="bg2">
+                    <a:lumMod val="50000"/>
+                  </a:schemeClr>
+                </a:solidFill>
+              </a:rPr>
+              <a:t>• доступ к разделяемым файлам; </a:t>
+            </a:r>
+            <a:endParaRPr lang="en-US" sz="2400" dirty="0">
+              <a:solidFill>
+                <a:schemeClr val="bg2">
+                  <a:lumMod val="50000"/>
+                </a:schemeClr>
+              </a:solidFill>
+            </a:endParaRPr>
+          </a:p>
+          <a:p>
+            <a:r>
+              <a:rPr lang="ru-RU" sz="2400" dirty="0">
+                <a:solidFill>
+                  <a:schemeClr val="bg2">
+                    <a:lumMod val="50000"/>
+                  </a:schemeClr>
+                </a:solidFill>
+              </a:rPr>
+              <a:t>• место регистрации данных; </a:t>
+            </a:r>
+            <a:endParaRPr lang="en-US" sz="2400" dirty="0">
+              <a:solidFill>
+                <a:schemeClr val="bg2">
+                  <a:lumMod val="50000"/>
+                </a:schemeClr>
+              </a:solidFill>
+            </a:endParaRPr>
+          </a:p>
+          <a:p>
+            <a:r>
+              <a:rPr lang="ru-RU" sz="2400" dirty="0">
+                <a:solidFill>
+                  <a:schemeClr val="bg2">
+                    <a:lumMod val="50000"/>
+                  </a:schemeClr>
+                </a:solidFill>
+              </a:rPr>
+              <a:t>• особые требования, обусловленные сетью.</a:t>
+            </a:r>
+            <a:endParaRPr lang="ru-RU" sz="2400" dirty="0"/>
+          </a:p>
+        </p:txBody>
+      </p:sp>
+    </p:spTree>
+    <p:extLst>
+      <p:ext uri="{BB962C8B-B14F-4D97-AF65-F5344CB8AC3E}">
+        <p14:creationId xmlns:p14="http://schemas.microsoft.com/office/powerpoint/2010/main" val="282490486"/>
       </p:ext>
     </p:extLst>
   </p:cSld>

--- a/итоговая1.pptx
+++ b/итоговая1.pptx
@@ -5,36 +5,37 @@
     <p:sldMasterId id="2147483702" r:id="rId1"/>
   </p:sldMasterIdLst>
   <p:notesMasterIdLst>
-    <p:notesMasterId r:id="rId29"/>
+    <p:notesMasterId r:id="rId30"/>
   </p:notesMasterIdLst>
   <p:sldIdLst>
     <p:sldId id="267" r:id="rId2"/>
-    <p:sldId id="265" r:id="rId3"/>
-    <p:sldId id="269" r:id="rId4"/>
-    <p:sldId id="275" r:id="rId5"/>
-    <p:sldId id="276" r:id="rId6"/>
-    <p:sldId id="277" r:id="rId7"/>
-    <p:sldId id="278" r:id="rId8"/>
-    <p:sldId id="279" r:id="rId9"/>
-    <p:sldId id="281" r:id="rId10"/>
-    <p:sldId id="280" r:id="rId11"/>
-    <p:sldId id="282" r:id="rId12"/>
-    <p:sldId id="284" r:id="rId13"/>
-    <p:sldId id="285" r:id="rId14"/>
-    <p:sldId id="286" r:id="rId15"/>
-    <p:sldId id="287" r:id="rId16"/>
-    <p:sldId id="288" r:id="rId17"/>
-    <p:sldId id="257" r:id="rId18"/>
-    <p:sldId id="271" r:id="rId19"/>
-    <p:sldId id="289" r:id="rId20"/>
-    <p:sldId id="290" r:id="rId21"/>
-    <p:sldId id="291" r:id="rId22"/>
-    <p:sldId id="292" r:id="rId23"/>
-    <p:sldId id="261" r:id="rId24"/>
-    <p:sldId id="273" r:id="rId25"/>
-    <p:sldId id="274" r:id="rId26"/>
-    <p:sldId id="264" r:id="rId27"/>
-    <p:sldId id="272" r:id="rId28"/>
+    <p:sldId id="268" r:id="rId3"/>
+    <p:sldId id="265" r:id="rId4"/>
+    <p:sldId id="269" r:id="rId5"/>
+    <p:sldId id="275" r:id="rId6"/>
+    <p:sldId id="276" r:id="rId7"/>
+    <p:sldId id="277" r:id="rId8"/>
+    <p:sldId id="278" r:id="rId9"/>
+    <p:sldId id="279" r:id="rId10"/>
+    <p:sldId id="281" r:id="rId11"/>
+    <p:sldId id="280" r:id="rId12"/>
+    <p:sldId id="282" r:id="rId13"/>
+    <p:sldId id="284" r:id="rId14"/>
+    <p:sldId id="285" r:id="rId15"/>
+    <p:sldId id="286" r:id="rId16"/>
+    <p:sldId id="287" r:id="rId17"/>
+    <p:sldId id="288" r:id="rId18"/>
+    <p:sldId id="257" r:id="rId19"/>
+    <p:sldId id="271" r:id="rId20"/>
+    <p:sldId id="289" r:id="rId21"/>
+    <p:sldId id="290" r:id="rId22"/>
+    <p:sldId id="291" r:id="rId23"/>
+    <p:sldId id="292" r:id="rId24"/>
+    <p:sldId id="261" r:id="rId25"/>
+    <p:sldId id="273" r:id="rId26"/>
+    <p:sldId id="274" r:id="rId27"/>
+    <p:sldId id="264" r:id="rId28"/>
+    <p:sldId id="272" r:id="rId29"/>
   </p:sldIdLst>
   <p:sldSz cx="9144000" cy="6858000" type="screen4x3"/>
   <p:notesSz cx="6858000" cy="9144000"/>
@@ -352,7 +353,7 @@
           <a:p>
             <a:fld id="{5649F021-9FAB-4CEA-A96A-A2DB693E74C4}" type="datetimeFigureOut">
               <a:rPr lang="ru-RU" smtClean="0"/>
-              <a:t>13.12.2019</a:t>
+              <a:t>12.12.2019</a:t>
             </a:fld>
             <a:endParaRPr lang="ru-RU"/>
           </a:p>
@@ -684,7 +685,7 @@
           <a:p>
             <a:fld id="{B9DAF0DC-58A0-4B34-A3CD-6EF3340BA33A}" type="slidenum">
               <a:rPr lang="ru-RU" smtClean="0"/>
-              <a:t>11</a:t>
+              <a:t>12</a:t>
             </a:fld>
             <a:endParaRPr lang="ru-RU"/>
           </a:p>
@@ -760,7 +761,7 @@
           <a:noFill/>
           <a:extLst>
             <a:ext uri="{909E8E84-426E-40dd-AFC4-6F175D3DCCD1}">
-              <a14:hiddenFill xmlns:a14="http://schemas.microsoft.com/office/drawing/2010/main" xmlns="">
+              <a14:hiddenFill xmlns="" xmlns:a14="http://schemas.microsoft.com/office/drawing/2010/main">
                 <a:solidFill>
                   <a:srgbClr val="FFFFFF"/>
                 </a:solidFill>
@@ -820,7 +821,7 @@
             </a:ln>
             <a:extLst>
               <a:ext uri="{91240B29-F687-4f45-9708-019B960494DF}">
-                <a14:hiddenLine xmlns:a14="http://schemas.microsoft.com/office/drawing/2010/main" xmlns="" w="9525">
+                <a14:hiddenLine xmlns="" xmlns:a14="http://schemas.microsoft.com/office/drawing/2010/main" w="9525">
                   <a:solidFill>
                     <a:srgbClr val="000000"/>
                   </a:solidFill>
@@ -910,7 +911,7 @@
             </a:ln>
             <a:extLst>
               <a:ext uri="{91240B29-F687-4f45-9708-019B960494DF}">
-                <a14:hiddenLine xmlns:a14="http://schemas.microsoft.com/office/drawing/2010/main" xmlns="" w="9525">
+                <a14:hiddenLine xmlns="" xmlns:a14="http://schemas.microsoft.com/office/drawing/2010/main" w="9525">
                   <a:solidFill>
                     <a:srgbClr val="000000"/>
                   </a:solidFill>
@@ -1000,7 +1001,7 @@
             </a:ln>
             <a:extLst>
               <a:ext uri="{91240B29-F687-4f45-9708-019B960494DF}">
-                <a14:hiddenLine xmlns:a14="http://schemas.microsoft.com/office/drawing/2010/main" xmlns="" w="9525">
+                <a14:hiddenLine xmlns="" xmlns:a14="http://schemas.microsoft.com/office/drawing/2010/main" w="9525">
                   <a:solidFill>
                     <a:srgbClr val="000000"/>
                   </a:solidFill>
@@ -1034,7 +1035,7 @@
             </a:ln>
             <a:extLst>
               <a:ext uri="{91240B29-F687-4f45-9708-019B960494DF}">
-                <a14:hiddenLine xmlns:a14="http://schemas.microsoft.com/office/drawing/2010/main" xmlns="" w="9525">
+                <a14:hiddenLine xmlns="" xmlns:a14="http://schemas.microsoft.com/office/drawing/2010/main" w="9525">
                   <a:solidFill>
                     <a:srgbClr val="000000"/>
                   </a:solidFill>
@@ -1124,7 +1125,7 @@
             </a:ln>
             <a:extLst>
               <a:ext uri="{91240B29-F687-4f45-9708-019B960494DF}">
-                <a14:hiddenLine xmlns:a14="http://schemas.microsoft.com/office/drawing/2010/main" xmlns="" w="9525">
+                <a14:hiddenLine xmlns="" xmlns:a14="http://schemas.microsoft.com/office/drawing/2010/main" w="9525">
                   <a:solidFill>
                     <a:srgbClr val="000000"/>
                   </a:solidFill>
@@ -1186,7 +1187,7 @@
             </a:ln>
             <a:extLst>
               <a:ext uri="{91240B29-F687-4f45-9708-019B960494DF}">
-                <a14:hiddenLine xmlns:a14="http://schemas.microsoft.com/office/drawing/2010/main" xmlns="" w="9525">
+                <a14:hiddenLine xmlns="" xmlns:a14="http://schemas.microsoft.com/office/drawing/2010/main" w="9525">
                   <a:solidFill>
                     <a:srgbClr val="000000"/>
                   </a:solidFill>
@@ -1248,7 +1249,7 @@
             </a:ln>
             <a:extLst>
               <a:ext uri="{91240B29-F687-4f45-9708-019B960494DF}">
-                <a14:hiddenLine xmlns:a14="http://schemas.microsoft.com/office/drawing/2010/main" xmlns="" w="9525">
+                <a14:hiddenLine xmlns="" xmlns:a14="http://schemas.microsoft.com/office/drawing/2010/main" w="9525">
                   <a:solidFill>
                     <a:srgbClr val="000000"/>
                   </a:solidFill>
@@ -1338,7 +1339,7 @@
             </a:ln>
             <a:extLst>
               <a:ext uri="{91240B29-F687-4f45-9708-019B960494DF}">
-                <a14:hiddenLine xmlns:a14="http://schemas.microsoft.com/office/drawing/2010/main" xmlns="" w="9525">
+                <a14:hiddenLine xmlns="" xmlns:a14="http://schemas.microsoft.com/office/drawing/2010/main" w="9525">
                   <a:solidFill>
                     <a:srgbClr val="000000"/>
                   </a:solidFill>
@@ -1400,7 +1401,7 @@
             </a:ln>
             <a:extLst>
               <a:ext uri="{91240B29-F687-4f45-9708-019B960494DF}">
-                <a14:hiddenLine xmlns:a14="http://schemas.microsoft.com/office/drawing/2010/main" xmlns="" w="9525">
+                <a14:hiddenLine xmlns="" xmlns:a14="http://schemas.microsoft.com/office/drawing/2010/main" w="9525">
                   <a:solidFill>
                     <a:srgbClr val="000000"/>
                   </a:solidFill>
@@ -1462,7 +1463,7 @@
             </a:ln>
             <a:extLst>
               <a:ext uri="{91240B29-F687-4f45-9708-019B960494DF}">
-                <a14:hiddenLine xmlns:a14="http://schemas.microsoft.com/office/drawing/2010/main" xmlns="" w="9525">
+                <a14:hiddenLine xmlns="" xmlns:a14="http://schemas.microsoft.com/office/drawing/2010/main" w="9525">
                   <a:solidFill>
                     <a:srgbClr val="000000"/>
                   </a:solidFill>
@@ -1552,7 +1553,7 @@
             </a:ln>
             <a:extLst>
               <a:ext uri="{91240B29-F687-4f45-9708-019B960494DF}">
-                <a14:hiddenLine xmlns:a14="http://schemas.microsoft.com/office/drawing/2010/main" xmlns="" w="9525">
+                <a14:hiddenLine xmlns="" xmlns:a14="http://schemas.microsoft.com/office/drawing/2010/main" w="9525">
                   <a:solidFill>
                     <a:srgbClr val="000000"/>
                   </a:solidFill>
@@ -1642,7 +1643,7 @@
             </a:ln>
             <a:extLst>
               <a:ext uri="{91240B29-F687-4f45-9708-019B960494DF}">
-                <a14:hiddenLine xmlns:a14="http://schemas.microsoft.com/office/drawing/2010/main" xmlns="" w="9525">
+                <a14:hiddenLine xmlns="" xmlns:a14="http://schemas.microsoft.com/office/drawing/2010/main" w="9525">
                   <a:solidFill>
                     <a:srgbClr val="000000"/>
                   </a:solidFill>
@@ -1704,7 +1705,7 @@
             </a:ln>
             <a:extLst>
               <a:ext uri="{91240B29-F687-4f45-9708-019B960494DF}">
-                <a14:hiddenLine xmlns:a14="http://schemas.microsoft.com/office/drawing/2010/main" xmlns="" w="9525">
+                <a14:hiddenLine xmlns="" xmlns:a14="http://schemas.microsoft.com/office/drawing/2010/main" w="9525">
                   <a:solidFill>
                     <a:srgbClr val="000000"/>
                   </a:solidFill>
@@ -1814,7 +1815,7 @@
             </a:ln>
             <a:extLst>
               <a:ext uri="{91240B29-F687-4f45-9708-019B960494DF}">
-                <a14:hiddenLine xmlns:a14="http://schemas.microsoft.com/office/drawing/2010/main" xmlns="" w="9525">
+                <a14:hiddenLine xmlns="" xmlns:a14="http://schemas.microsoft.com/office/drawing/2010/main" w="9525">
                   <a:solidFill>
                     <a:srgbClr val="000000"/>
                   </a:solidFill>
@@ -1876,7 +1877,7 @@
             </a:ln>
             <a:extLst>
               <a:ext uri="{91240B29-F687-4f45-9708-019B960494DF}">
-                <a14:hiddenLine xmlns:a14="http://schemas.microsoft.com/office/drawing/2010/main" xmlns="" w="9525">
+                <a14:hiddenLine xmlns="" xmlns:a14="http://schemas.microsoft.com/office/drawing/2010/main" w="9525">
                   <a:solidFill>
                     <a:srgbClr val="000000"/>
                   </a:solidFill>
@@ -1966,7 +1967,7 @@
             </a:ln>
             <a:extLst>
               <a:ext uri="{91240B29-F687-4f45-9708-019B960494DF}">
-                <a14:hiddenLine xmlns:a14="http://schemas.microsoft.com/office/drawing/2010/main" xmlns="" w="9525">
+                <a14:hiddenLine xmlns="" xmlns:a14="http://schemas.microsoft.com/office/drawing/2010/main" w="9525">
                   <a:solidFill>
                     <a:srgbClr val="000000"/>
                   </a:solidFill>
@@ -2056,7 +2057,7 @@
             </a:ln>
             <a:extLst>
               <a:ext uri="{91240B29-F687-4f45-9708-019B960494DF}">
-                <a14:hiddenLine xmlns:a14="http://schemas.microsoft.com/office/drawing/2010/main" xmlns="" w="9525">
+                <a14:hiddenLine xmlns="" xmlns:a14="http://schemas.microsoft.com/office/drawing/2010/main" w="9525">
                   <a:solidFill>
                     <a:srgbClr val="000000"/>
                   </a:solidFill>
@@ -2118,7 +2119,7 @@
             </a:ln>
             <a:extLst>
               <a:ext uri="{91240B29-F687-4f45-9708-019B960494DF}">
-                <a14:hiddenLine xmlns:a14="http://schemas.microsoft.com/office/drawing/2010/main" xmlns="" w="9525">
+                <a14:hiddenLine xmlns="" xmlns:a14="http://schemas.microsoft.com/office/drawing/2010/main" w="9525">
                   <a:solidFill>
                     <a:srgbClr val="000000"/>
                   </a:solidFill>
@@ -2208,7 +2209,7 @@
             </a:ln>
             <a:extLst>
               <a:ext uri="{91240B29-F687-4f45-9708-019B960494DF}">
-                <a14:hiddenLine xmlns:a14="http://schemas.microsoft.com/office/drawing/2010/main" xmlns="" w="9525">
+                <a14:hiddenLine xmlns="" xmlns:a14="http://schemas.microsoft.com/office/drawing/2010/main" w="9525">
                   <a:solidFill>
                     <a:srgbClr val="000000"/>
                   </a:solidFill>
@@ -2298,7 +2299,7 @@
             </a:ln>
             <a:extLst>
               <a:ext uri="{91240B29-F687-4f45-9708-019B960494DF}">
-                <a14:hiddenLine xmlns:a14="http://schemas.microsoft.com/office/drawing/2010/main" xmlns="" w="9525">
+                <a14:hiddenLine xmlns="" xmlns:a14="http://schemas.microsoft.com/office/drawing/2010/main" w="9525">
                   <a:solidFill>
                     <a:srgbClr val="000000"/>
                   </a:solidFill>
@@ -2354,7 +2355,7 @@
             </a:ln>
             <a:extLst>
               <a:ext uri="{91240B29-F687-4f45-9708-019B960494DF}">
-                <a14:hiddenLine xmlns:a14="http://schemas.microsoft.com/office/drawing/2010/main" xmlns="" w="9525">
+                <a14:hiddenLine xmlns="" xmlns:a14="http://schemas.microsoft.com/office/drawing/2010/main" w="9525">
                   <a:solidFill>
                     <a:srgbClr val="000000"/>
                   </a:solidFill>
@@ -2444,7 +2445,7 @@
             </a:ln>
             <a:extLst>
               <a:ext uri="{91240B29-F687-4f45-9708-019B960494DF}">
-                <a14:hiddenLine xmlns:a14="http://schemas.microsoft.com/office/drawing/2010/main" xmlns="" w="9525">
+                <a14:hiddenLine xmlns="" xmlns:a14="http://schemas.microsoft.com/office/drawing/2010/main" w="9525">
                   <a:solidFill>
                     <a:srgbClr val="000000"/>
                   </a:solidFill>
@@ -2500,7 +2501,7 @@
             </a:ln>
             <a:extLst>
               <a:ext uri="{91240B29-F687-4f45-9708-019B960494DF}">
-                <a14:hiddenLine xmlns:a14="http://schemas.microsoft.com/office/drawing/2010/main" xmlns="" w="9525">
+                <a14:hiddenLine xmlns="" xmlns:a14="http://schemas.microsoft.com/office/drawing/2010/main" w="9525">
                   <a:solidFill>
                     <a:srgbClr val="000000"/>
                   </a:solidFill>
@@ -2590,7 +2591,7 @@
             </a:ln>
             <a:extLst>
               <a:ext uri="{91240B29-F687-4f45-9708-019B960494DF}">
-                <a14:hiddenLine xmlns:a14="http://schemas.microsoft.com/office/drawing/2010/main" xmlns="" w="9525">
+                <a14:hiddenLine xmlns="" xmlns:a14="http://schemas.microsoft.com/office/drawing/2010/main" w="9525">
                   <a:solidFill>
                     <a:srgbClr val="000000"/>
                   </a:solidFill>
@@ -2658,7 +2659,7 @@
             </a:ln>
             <a:extLst>
               <a:ext uri="{91240B29-F687-4f45-9708-019B960494DF}">
-                <a14:hiddenLine xmlns:a14="http://schemas.microsoft.com/office/drawing/2010/main" xmlns="" w="9525">
+                <a14:hiddenLine xmlns="" xmlns:a14="http://schemas.microsoft.com/office/drawing/2010/main" w="9525">
                   <a:solidFill>
                     <a:srgbClr val="000000"/>
                   </a:solidFill>
@@ -2748,7 +2749,7 @@
             </a:ln>
             <a:extLst>
               <a:ext uri="{91240B29-F687-4f45-9708-019B960494DF}">
-                <a14:hiddenLine xmlns:a14="http://schemas.microsoft.com/office/drawing/2010/main" xmlns="" w="9525">
+                <a14:hiddenLine xmlns="" xmlns:a14="http://schemas.microsoft.com/office/drawing/2010/main" w="9525">
                   <a:solidFill>
                     <a:srgbClr val="000000"/>
                   </a:solidFill>
@@ -2816,7 +2817,7 @@
             </a:ln>
             <a:extLst>
               <a:ext uri="{91240B29-F687-4f45-9708-019B960494DF}">
-                <a14:hiddenLine xmlns:a14="http://schemas.microsoft.com/office/drawing/2010/main" xmlns="" w="9525">
+                <a14:hiddenLine xmlns="" xmlns:a14="http://schemas.microsoft.com/office/drawing/2010/main" w="9525">
                   <a:solidFill>
                     <a:srgbClr val="000000"/>
                   </a:solidFill>
@@ -2906,7 +2907,7 @@
             </a:ln>
             <a:extLst>
               <a:ext uri="{91240B29-F687-4f45-9708-019B960494DF}">
-                <a14:hiddenLine xmlns:a14="http://schemas.microsoft.com/office/drawing/2010/main" xmlns="" w="9525">
+                <a14:hiddenLine xmlns="" xmlns:a14="http://schemas.microsoft.com/office/drawing/2010/main" w="9525">
                   <a:solidFill>
                     <a:srgbClr val="000000"/>
                   </a:solidFill>
@@ -2940,7 +2941,7 @@
             </a:ln>
             <a:extLst>
               <a:ext uri="{91240B29-F687-4f45-9708-019B960494DF}">
-                <a14:hiddenLine xmlns:a14="http://schemas.microsoft.com/office/drawing/2010/main" xmlns="" w="9525">
+                <a14:hiddenLine xmlns="" xmlns:a14="http://schemas.microsoft.com/office/drawing/2010/main" w="9525">
                   <a:solidFill>
                     <a:srgbClr val="000000"/>
                   </a:solidFill>
@@ -3030,7 +3031,7 @@
             </a:ln>
             <a:extLst>
               <a:ext uri="{91240B29-F687-4f45-9708-019B960494DF}">
-                <a14:hiddenLine xmlns:a14="http://schemas.microsoft.com/office/drawing/2010/main" xmlns="" w="9525">
+                <a14:hiddenLine xmlns="" xmlns:a14="http://schemas.microsoft.com/office/drawing/2010/main" w="9525">
                   <a:solidFill>
                     <a:srgbClr val="000000"/>
                   </a:solidFill>
@@ -3092,7 +3093,7 @@
             </a:ln>
             <a:extLst>
               <a:ext uri="{91240B29-F687-4f45-9708-019B960494DF}">
-                <a14:hiddenLine xmlns:a14="http://schemas.microsoft.com/office/drawing/2010/main" xmlns="" w="9525">
+                <a14:hiddenLine xmlns="" xmlns:a14="http://schemas.microsoft.com/office/drawing/2010/main" w="9525">
                   <a:solidFill>
                     <a:srgbClr val="000000"/>
                   </a:solidFill>
@@ -3154,7 +3155,7 @@
             </a:ln>
             <a:extLst>
               <a:ext uri="{91240B29-F687-4f45-9708-019B960494DF}">
-                <a14:hiddenLine xmlns:a14="http://schemas.microsoft.com/office/drawing/2010/main" xmlns="" w="9525">
+                <a14:hiddenLine xmlns="" xmlns:a14="http://schemas.microsoft.com/office/drawing/2010/main" w="9525">
                   <a:solidFill>
                     <a:srgbClr val="000000"/>
                   </a:solidFill>
@@ -3244,7 +3245,7 @@
             </a:ln>
             <a:extLst>
               <a:ext uri="{91240B29-F687-4f45-9708-019B960494DF}">
-                <a14:hiddenLine xmlns:a14="http://schemas.microsoft.com/office/drawing/2010/main" xmlns="" w="9525">
+                <a14:hiddenLine xmlns="" xmlns:a14="http://schemas.microsoft.com/office/drawing/2010/main" w="9525">
                   <a:solidFill>
                     <a:srgbClr val="000000"/>
                   </a:solidFill>
@@ -3312,7 +3313,7 @@
             </a:ln>
             <a:extLst>
               <a:ext uri="{91240B29-F687-4f45-9708-019B960494DF}">
-                <a14:hiddenLine xmlns:a14="http://schemas.microsoft.com/office/drawing/2010/main" xmlns="" w="9525">
+                <a14:hiddenLine xmlns="" xmlns:a14="http://schemas.microsoft.com/office/drawing/2010/main" w="9525">
                   <a:solidFill>
                     <a:srgbClr val="000000"/>
                   </a:solidFill>
@@ -3374,7 +3375,7 @@
             </a:ln>
             <a:extLst>
               <a:ext uri="{91240B29-F687-4f45-9708-019B960494DF}">
-                <a14:hiddenLine xmlns:a14="http://schemas.microsoft.com/office/drawing/2010/main" xmlns="" w="9525">
+                <a14:hiddenLine xmlns="" xmlns:a14="http://schemas.microsoft.com/office/drawing/2010/main" w="9525">
                   <a:solidFill>
                     <a:srgbClr val="000000"/>
                   </a:solidFill>
@@ -3464,7 +3465,7 @@
             </a:ln>
             <a:extLst>
               <a:ext uri="{91240B29-F687-4f45-9708-019B960494DF}">
-                <a14:hiddenLine xmlns:a14="http://schemas.microsoft.com/office/drawing/2010/main" xmlns="" w="9525">
+                <a14:hiddenLine xmlns="" xmlns:a14="http://schemas.microsoft.com/office/drawing/2010/main" w="9525">
                   <a:solidFill>
                     <a:srgbClr val="000000"/>
                   </a:solidFill>
@@ -3526,7 +3527,7 @@
             </a:ln>
             <a:extLst>
               <a:ext uri="{91240B29-F687-4f45-9708-019B960494DF}">
-                <a14:hiddenLine xmlns:a14="http://schemas.microsoft.com/office/drawing/2010/main" xmlns="" w="9525">
+                <a14:hiddenLine xmlns="" xmlns:a14="http://schemas.microsoft.com/office/drawing/2010/main" w="9525">
                   <a:solidFill>
                     <a:srgbClr val="000000"/>
                   </a:solidFill>
@@ -3616,7 +3617,7 @@
             </a:ln>
             <a:extLst>
               <a:ext uri="{91240B29-F687-4f45-9708-019B960494DF}">
-                <a14:hiddenLine xmlns:a14="http://schemas.microsoft.com/office/drawing/2010/main" xmlns="" w="9525">
+                <a14:hiddenLine xmlns="" xmlns:a14="http://schemas.microsoft.com/office/drawing/2010/main" w="9525">
                   <a:solidFill>
                     <a:srgbClr val="000000"/>
                   </a:solidFill>
@@ -3678,7 +3679,7 @@
             </a:ln>
             <a:extLst>
               <a:ext uri="{91240B29-F687-4f45-9708-019B960494DF}">
-                <a14:hiddenLine xmlns:a14="http://schemas.microsoft.com/office/drawing/2010/main" xmlns="" w="9525">
+                <a14:hiddenLine xmlns="" xmlns:a14="http://schemas.microsoft.com/office/drawing/2010/main" w="9525">
                   <a:solidFill>
                     <a:srgbClr val="000000"/>
                   </a:solidFill>
@@ -3768,7 +3769,7 @@
             </a:ln>
             <a:extLst>
               <a:ext uri="{91240B29-F687-4f45-9708-019B960494DF}">
-                <a14:hiddenLine xmlns:a14="http://schemas.microsoft.com/office/drawing/2010/main" xmlns="" w="9525">
+                <a14:hiddenLine xmlns="" xmlns:a14="http://schemas.microsoft.com/office/drawing/2010/main" w="9525">
                   <a:solidFill>
                     <a:srgbClr val="000000"/>
                   </a:solidFill>
@@ -3802,7 +3803,7 @@
             </a:ln>
             <a:extLst>
               <a:ext uri="{91240B29-F687-4f45-9708-019B960494DF}">
-                <a14:hiddenLine xmlns:a14="http://schemas.microsoft.com/office/drawing/2010/main" xmlns="" w="9525">
+                <a14:hiddenLine xmlns="" xmlns:a14="http://schemas.microsoft.com/office/drawing/2010/main" w="9525">
                   <a:solidFill>
                     <a:srgbClr val="000000"/>
                   </a:solidFill>
@@ -3867,7 +3868,7 @@
             </a:ln>
             <a:extLst>
               <a:ext uri="{91240B29-F687-4f45-9708-019B960494DF}">
-                <a14:hiddenLine xmlns:a14="http://schemas.microsoft.com/office/drawing/2010/main" xmlns="" w="9525">
+                <a14:hiddenLine xmlns="" xmlns:a14="http://schemas.microsoft.com/office/drawing/2010/main" w="9525">
                   <a:solidFill>
                     <a:srgbClr val="000000"/>
                   </a:solidFill>
@@ -3957,7 +3958,7 @@
             </a:ln>
             <a:extLst>
               <a:ext uri="{91240B29-F687-4f45-9708-019B960494DF}">
-                <a14:hiddenLine xmlns:a14="http://schemas.microsoft.com/office/drawing/2010/main" xmlns="" w="9525">
+                <a14:hiddenLine xmlns="" xmlns:a14="http://schemas.microsoft.com/office/drawing/2010/main" w="9525">
                   <a:solidFill>
                     <a:srgbClr val="000000"/>
                   </a:solidFill>
@@ -4019,7 +4020,7 @@
             </a:ln>
             <a:extLst>
               <a:ext uri="{91240B29-F687-4f45-9708-019B960494DF}">
-                <a14:hiddenLine xmlns:a14="http://schemas.microsoft.com/office/drawing/2010/main" xmlns="" w="9525">
+                <a14:hiddenLine xmlns="" xmlns:a14="http://schemas.microsoft.com/office/drawing/2010/main" w="9525">
                   <a:solidFill>
                     <a:srgbClr val="000000"/>
                   </a:solidFill>
@@ -4109,7 +4110,7 @@
             </a:ln>
             <a:extLst>
               <a:ext uri="{91240B29-F687-4f45-9708-019B960494DF}">
-                <a14:hiddenLine xmlns:a14="http://schemas.microsoft.com/office/drawing/2010/main" xmlns="" w="9525">
+                <a14:hiddenLine xmlns="" xmlns:a14="http://schemas.microsoft.com/office/drawing/2010/main" w="9525">
                   <a:solidFill>
                     <a:srgbClr val="000000"/>
                   </a:solidFill>
@@ -4199,7 +4200,7 @@
             </a:ln>
             <a:extLst>
               <a:ext uri="{91240B29-F687-4f45-9708-019B960494DF}">
-                <a14:hiddenLine xmlns:a14="http://schemas.microsoft.com/office/drawing/2010/main" xmlns="" w="9525">
+                <a14:hiddenLine xmlns="" xmlns:a14="http://schemas.microsoft.com/office/drawing/2010/main" w="9525">
                   <a:solidFill>
                     <a:srgbClr val="000000"/>
                   </a:solidFill>
@@ -4264,7 +4265,7 @@
             </a:ln>
             <a:extLst>
               <a:ext uri="{91240B29-F687-4f45-9708-019B960494DF}">
-                <a14:hiddenLine xmlns:a14="http://schemas.microsoft.com/office/drawing/2010/main" xmlns="" w="9525">
+                <a14:hiddenLine xmlns="" xmlns:a14="http://schemas.microsoft.com/office/drawing/2010/main" w="9525">
                   <a:solidFill>
                     <a:srgbClr val="000000"/>
                   </a:solidFill>
@@ -4326,7 +4327,7 @@
             </a:ln>
             <a:extLst>
               <a:ext uri="{91240B29-F687-4f45-9708-019B960494DF}">
-                <a14:hiddenLine xmlns:a14="http://schemas.microsoft.com/office/drawing/2010/main" xmlns="" w="9525">
+                <a14:hiddenLine xmlns="" xmlns:a14="http://schemas.microsoft.com/office/drawing/2010/main" w="9525">
                   <a:solidFill>
                     <a:srgbClr val="000000"/>
                   </a:solidFill>
@@ -4416,7 +4417,7 @@
             </a:ln>
             <a:extLst>
               <a:ext uri="{91240B29-F687-4f45-9708-019B960494DF}">
-                <a14:hiddenLine xmlns:a14="http://schemas.microsoft.com/office/drawing/2010/main" xmlns="" w="9525">
+                <a14:hiddenLine xmlns="" xmlns:a14="http://schemas.microsoft.com/office/drawing/2010/main" w="9525">
                   <a:solidFill>
                     <a:srgbClr val="000000"/>
                   </a:solidFill>
@@ -4506,7 +4507,7 @@
             </a:ln>
             <a:extLst>
               <a:ext uri="{91240B29-F687-4f45-9708-019B960494DF}">
-                <a14:hiddenLine xmlns:a14="http://schemas.microsoft.com/office/drawing/2010/main" xmlns="" w="9525">
+                <a14:hiddenLine xmlns="" xmlns:a14="http://schemas.microsoft.com/office/drawing/2010/main" w="9525">
                   <a:solidFill>
                     <a:srgbClr val="000000"/>
                   </a:solidFill>
@@ -4568,7 +4569,7 @@
             </a:ln>
             <a:extLst>
               <a:ext uri="{91240B29-F687-4f45-9708-019B960494DF}">
-                <a14:hiddenLine xmlns:a14="http://schemas.microsoft.com/office/drawing/2010/main" xmlns="" w="9525">
+                <a14:hiddenLine xmlns="" xmlns:a14="http://schemas.microsoft.com/office/drawing/2010/main" w="9525">
                   <a:solidFill>
                     <a:srgbClr val="000000"/>
                   </a:solidFill>
@@ -4688,7 +4689,7 @@
             </a:ln>
             <a:extLst>
               <a:ext uri="{91240B29-F687-4f45-9708-019B960494DF}">
-                <a14:hiddenLine xmlns:a14="http://schemas.microsoft.com/office/drawing/2010/main" xmlns="" w="9525">
+                <a14:hiddenLine xmlns="" xmlns:a14="http://schemas.microsoft.com/office/drawing/2010/main" w="9525">
                   <a:solidFill>
                     <a:srgbClr val="000000"/>
                   </a:solidFill>
@@ -4756,7 +4757,7 @@
             </a:ln>
             <a:extLst>
               <a:ext uri="{91240B29-F687-4f45-9708-019B960494DF}">
-                <a14:hiddenLine xmlns:a14="http://schemas.microsoft.com/office/drawing/2010/main" xmlns="" w="9525">
+                <a14:hiddenLine xmlns="" xmlns:a14="http://schemas.microsoft.com/office/drawing/2010/main" w="9525">
                   <a:solidFill>
                     <a:srgbClr val="000000"/>
                   </a:solidFill>
@@ -4846,7 +4847,7 @@
             </a:ln>
             <a:extLst>
               <a:ext uri="{91240B29-F687-4f45-9708-019B960494DF}">
-                <a14:hiddenLine xmlns:a14="http://schemas.microsoft.com/office/drawing/2010/main" xmlns="" w="9525">
+                <a14:hiddenLine xmlns="" xmlns:a14="http://schemas.microsoft.com/office/drawing/2010/main" w="9525">
                   <a:solidFill>
                     <a:srgbClr val="000000"/>
                   </a:solidFill>
@@ -4987,7 +4988,7 @@
             <a:fld id="{7EAF463A-BC7C-46EE-9F1E-7F377CCA4891}" type="datetimeFigureOut">
               <a:rPr lang="en-US" smtClean="0"/>
               <a:pPr/>
-              <a:t>12/13/2019</a:t>
+              <a:t>12/12/2019</a:t>
             </a:fld>
             <a:endParaRPr lang="en-US"/>
           </a:p>
@@ -5256,7 +5257,7 @@
             <a:fld id="{7EAF463A-BC7C-46EE-9F1E-7F377CCA4891}" type="datetimeFigureOut">
               <a:rPr lang="en-US" smtClean="0"/>
               <a:pPr/>
-              <a:t>12/13/2019</a:t>
+              <a:t>12/12/2019</a:t>
             </a:fld>
             <a:endParaRPr lang="en-US"/>
           </a:p>
@@ -5454,7 +5455,7 @@
             <a:fld id="{7EAF463A-BC7C-46EE-9F1E-7F377CCA4891}" type="datetimeFigureOut">
               <a:rPr lang="en-US" smtClean="0"/>
               <a:pPr/>
-              <a:t>12/13/2019</a:t>
+              <a:t>12/12/2019</a:t>
             </a:fld>
             <a:endParaRPr lang="en-US"/>
           </a:p>
@@ -5719,7 +5720,7 @@
             <a:fld id="{7EAF463A-BC7C-46EE-9F1E-7F377CCA4891}" type="datetimeFigureOut">
               <a:rPr lang="en-US" smtClean="0"/>
               <a:pPr/>
-              <a:t>12/13/2019</a:t>
+              <a:t>12/12/2019</a:t>
             </a:fld>
             <a:endParaRPr lang="en-US"/>
           </a:p>
@@ -6155,7 +6156,7 @@
             <a:fld id="{7EAF463A-BC7C-46EE-9F1E-7F377CCA4891}" type="datetimeFigureOut">
               <a:rPr lang="en-US" smtClean="0"/>
               <a:pPr/>
-              <a:t>12/13/2019</a:t>
+              <a:t>12/12/2019</a:t>
             </a:fld>
             <a:endParaRPr lang="en-US"/>
           </a:p>
@@ -6703,7 +6704,7 @@
             <a:fld id="{7EAF463A-BC7C-46EE-9F1E-7F377CCA4891}" type="datetimeFigureOut">
               <a:rPr lang="en-US" smtClean="0"/>
               <a:pPr/>
-              <a:t>12/13/2019</a:t>
+              <a:t>12/12/2019</a:t>
             </a:fld>
             <a:endParaRPr lang="en-US"/>
           </a:p>
@@ -7425,7 +7426,7 @@
             <a:fld id="{7EAF463A-BC7C-46EE-9F1E-7F377CCA4891}" type="datetimeFigureOut">
               <a:rPr lang="en-US" smtClean="0"/>
               <a:pPr/>
-              <a:t>12/13/2019</a:t>
+              <a:t>12/12/2019</a:t>
             </a:fld>
             <a:endParaRPr lang="en-US"/>
           </a:p>
@@ -7601,7 +7602,7 @@
             <a:fld id="{7EAF463A-BC7C-46EE-9F1E-7F377CCA4891}" type="datetimeFigureOut">
               <a:rPr lang="en-US" smtClean="0"/>
               <a:pPr/>
-              <a:t>12/13/2019</a:t>
+              <a:t>12/12/2019</a:t>
             </a:fld>
             <a:endParaRPr lang="en-US"/>
           </a:p>
@@ -7783,7 +7784,7 @@
             <a:fld id="{7EAF463A-BC7C-46EE-9F1E-7F377CCA4891}" type="datetimeFigureOut">
               <a:rPr lang="en-US" smtClean="0"/>
               <a:pPr/>
-              <a:t>12/13/2019</a:t>
+              <a:t>12/12/2019</a:t>
             </a:fld>
             <a:endParaRPr lang="en-US"/>
           </a:p>
@@ -7970,7 +7971,7 @@
             <a:fld id="{7EAF463A-BC7C-46EE-9F1E-7F377CCA4891}" type="datetimeFigureOut">
               <a:rPr lang="en-US" smtClean="0"/>
               <a:pPr/>
-              <a:t>12/13/2019</a:t>
+              <a:t>12/12/2019</a:t>
             </a:fld>
             <a:endParaRPr lang="en-US"/>
           </a:p>
@@ -8232,7 +8233,7 @@
             <a:fld id="{7EAF463A-BC7C-46EE-9F1E-7F377CCA4891}" type="datetimeFigureOut">
               <a:rPr lang="en-US" smtClean="0"/>
               <a:pPr/>
-              <a:t>12/13/2019</a:t>
+              <a:t>12/12/2019</a:t>
             </a:fld>
             <a:endParaRPr lang="en-US"/>
           </a:p>
@@ -8466,7 +8467,7 @@
             <a:fld id="{7EAF463A-BC7C-46EE-9F1E-7F377CCA4891}" type="datetimeFigureOut">
               <a:rPr lang="en-US" smtClean="0"/>
               <a:pPr/>
-              <a:t>12/13/2019</a:t>
+              <a:t>12/12/2019</a:t>
             </a:fld>
             <a:endParaRPr lang="en-US"/>
           </a:p>
@@ -8849,7 +8850,7 @@
             <a:fld id="{7EAF463A-BC7C-46EE-9F1E-7F377CCA4891}" type="datetimeFigureOut">
               <a:rPr lang="en-US" smtClean="0"/>
               <a:pPr/>
-              <a:t>12/13/2019</a:t>
+              <a:t>12/12/2019</a:t>
             </a:fld>
             <a:endParaRPr lang="en-US"/>
           </a:p>
@@ -8969,7 +8970,7 @@
             <a:fld id="{7EAF463A-BC7C-46EE-9F1E-7F377CCA4891}" type="datetimeFigureOut">
               <a:rPr lang="en-US" smtClean="0"/>
               <a:pPr/>
-              <a:t>12/13/2019</a:t>
+              <a:t>12/12/2019</a:t>
             </a:fld>
             <a:endParaRPr lang="en-US"/>
           </a:p>
@@ -9066,7 +9067,7 @@
             <a:fld id="{7EAF463A-BC7C-46EE-9F1E-7F377CCA4891}" type="datetimeFigureOut">
               <a:rPr lang="en-US" smtClean="0"/>
               <a:pPr/>
-              <a:t>12/13/2019</a:t>
+              <a:t>12/12/2019</a:t>
             </a:fld>
             <a:endParaRPr lang="en-US"/>
           </a:p>
@@ -9317,7 +9318,7 @@
             <a:fld id="{7EAF463A-BC7C-46EE-9F1E-7F377CCA4891}" type="datetimeFigureOut">
               <a:rPr lang="en-US" smtClean="0"/>
               <a:pPr/>
-              <a:t>12/13/2019</a:t>
+              <a:t>12/12/2019</a:t>
             </a:fld>
             <a:endParaRPr lang="en-US"/>
           </a:p>
@@ -9571,7 +9572,7 @@
             <a:fld id="{7EAF463A-BC7C-46EE-9F1E-7F377CCA4891}" type="datetimeFigureOut">
               <a:rPr lang="en-US" smtClean="0"/>
               <a:pPr/>
-              <a:t>12/13/2019</a:t>
+              <a:t>12/12/2019</a:t>
             </a:fld>
             <a:endParaRPr lang="en-US"/>
           </a:p>
@@ -9719,7 +9720,7 @@
           <a:noFill/>
           <a:extLst>
             <a:ext uri="{909E8E84-426E-40dd-AFC4-6F175D3DCCD1}">
-              <a14:hiddenFill xmlns:a14="http://schemas.microsoft.com/office/drawing/2010/main" xmlns="">
+              <a14:hiddenFill xmlns="" xmlns:a14="http://schemas.microsoft.com/office/drawing/2010/main">
                 <a:solidFill>
                   <a:srgbClr val="FFFFFF"/>
                 </a:solidFill>
@@ -9793,7 +9794,7 @@
               </a:ln>
               <a:extLst>
                 <a:ext uri="{91240B29-F687-4f45-9708-019B960494DF}">
-                  <a14:hiddenLine xmlns:a14="http://schemas.microsoft.com/office/drawing/2010/main" xmlns="" w="9525">
+                  <a14:hiddenLine xmlns="" xmlns:a14="http://schemas.microsoft.com/office/drawing/2010/main" w="9525">
                     <a:solidFill>
                       <a:srgbClr val="000000"/>
                     </a:solidFill>
@@ -9883,7 +9884,7 @@
               </a:ln>
               <a:extLst>
                 <a:ext uri="{91240B29-F687-4f45-9708-019B960494DF}">
-                  <a14:hiddenLine xmlns:a14="http://schemas.microsoft.com/office/drawing/2010/main" xmlns="" w="9525">
+                  <a14:hiddenLine xmlns="" xmlns:a14="http://schemas.microsoft.com/office/drawing/2010/main" w="9525">
                     <a:solidFill>
                       <a:srgbClr val="000000"/>
                     </a:solidFill>
@@ -9973,7 +9974,7 @@
               </a:ln>
               <a:extLst>
                 <a:ext uri="{91240B29-F687-4f45-9708-019B960494DF}">
-                  <a14:hiddenLine xmlns:a14="http://schemas.microsoft.com/office/drawing/2010/main" xmlns="" w="9525">
+                  <a14:hiddenLine xmlns="" xmlns:a14="http://schemas.microsoft.com/office/drawing/2010/main" w="9525">
                     <a:solidFill>
                       <a:srgbClr val="000000"/>
                     </a:solidFill>
@@ -10035,7 +10036,7 @@
               </a:ln>
               <a:extLst>
                 <a:ext uri="{91240B29-F687-4f45-9708-019B960494DF}">
-                  <a14:hiddenLine xmlns:a14="http://schemas.microsoft.com/office/drawing/2010/main" xmlns="" w="9525">
+                  <a14:hiddenLine xmlns="" xmlns:a14="http://schemas.microsoft.com/office/drawing/2010/main" w="9525">
                     <a:solidFill>
                       <a:srgbClr val="000000"/>
                     </a:solidFill>
@@ -10125,7 +10126,7 @@
               </a:ln>
               <a:extLst>
                 <a:ext uri="{91240B29-F687-4f45-9708-019B960494DF}">
-                  <a14:hiddenLine xmlns:a14="http://schemas.microsoft.com/office/drawing/2010/main" xmlns="" w="9525">
+                  <a14:hiddenLine xmlns="" xmlns:a14="http://schemas.microsoft.com/office/drawing/2010/main" w="9525">
                     <a:solidFill>
                       <a:srgbClr val="000000"/>
                     </a:solidFill>
@@ -10187,7 +10188,7 @@
               </a:ln>
               <a:extLst>
                 <a:ext uri="{91240B29-F687-4f45-9708-019B960494DF}">
-                  <a14:hiddenLine xmlns:a14="http://schemas.microsoft.com/office/drawing/2010/main" xmlns="" w="9525">
+                  <a14:hiddenLine xmlns="" xmlns:a14="http://schemas.microsoft.com/office/drawing/2010/main" w="9525">
                     <a:solidFill>
                       <a:srgbClr val="000000"/>
                     </a:solidFill>
@@ -10249,7 +10250,7 @@
               </a:ln>
               <a:extLst>
                 <a:ext uri="{91240B29-F687-4f45-9708-019B960494DF}">
-                  <a14:hiddenLine xmlns:a14="http://schemas.microsoft.com/office/drawing/2010/main" xmlns="" w="9525">
+                  <a14:hiddenLine xmlns="" xmlns:a14="http://schemas.microsoft.com/office/drawing/2010/main" w="9525">
                     <a:solidFill>
                       <a:srgbClr val="000000"/>
                     </a:solidFill>
@@ -10339,7 +10340,7 @@
               </a:ln>
               <a:extLst>
                 <a:ext uri="{91240B29-F687-4f45-9708-019B960494DF}">
-                  <a14:hiddenLine xmlns:a14="http://schemas.microsoft.com/office/drawing/2010/main" xmlns="" w="9525">
+                  <a14:hiddenLine xmlns="" xmlns:a14="http://schemas.microsoft.com/office/drawing/2010/main" w="9525">
                     <a:solidFill>
                       <a:srgbClr val="000000"/>
                     </a:solidFill>
@@ -10429,7 +10430,7 @@
               </a:ln>
               <a:extLst>
                 <a:ext uri="{91240B29-F687-4f45-9708-019B960494DF}">
-                  <a14:hiddenLine xmlns:a14="http://schemas.microsoft.com/office/drawing/2010/main" xmlns="" w="9525">
+                  <a14:hiddenLine xmlns="" xmlns:a14="http://schemas.microsoft.com/office/drawing/2010/main" w="9525">
                     <a:solidFill>
                       <a:srgbClr val="000000"/>
                     </a:solidFill>
@@ -10491,7 +10492,7 @@
               </a:ln>
               <a:extLst>
                 <a:ext uri="{91240B29-F687-4f45-9708-019B960494DF}">
-                  <a14:hiddenLine xmlns:a14="http://schemas.microsoft.com/office/drawing/2010/main" xmlns="" w="9525">
+                  <a14:hiddenLine xmlns="" xmlns:a14="http://schemas.microsoft.com/office/drawing/2010/main" w="9525">
                     <a:solidFill>
                       <a:srgbClr val="000000"/>
                     </a:solidFill>
@@ -10601,7 +10602,7 @@
               </a:ln>
               <a:extLst>
                 <a:ext uri="{91240B29-F687-4f45-9708-019B960494DF}">
-                  <a14:hiddenLine xmlns:a14="http://schemas.microsoft.com/office/drawing/2010/main" xmlns="" w="9525">
+                  <a14:hiddenLine xmlns="" xmlns:a14="http://schemas.microsoft.com/office/drawing/2010/main" w="9525">
                     <a:solidFill>
                       <a:srgbClr val="000000"/>
                     </a:solidFill>
@@ -10685,7 +10686,7 @@
               </a:ln>
               <a:extLst>
                 <a:ext uri="{91240B29-F687-4f45-9708-019B960494DF}">
-                  <a14:hiddenLine xmlns:a14="http://schemas.microsoft.com/office/drawing/2010/main" xmlns="" w="9525">
+                  <a14:hiddenLine xmlns="" xmlns:a14="http://schemas.microsoft.com/office/drawing/2010/main" w="9525">
                     <a:solidFill>
                       <a:srgbClr val="000000"/>
                     </a:solidFill>
@@ -10747,7 +10748,7 @@
               </a:ln>
               <a:extLst>
                 <a:ext uri="{91240B29-F687-4f45-9708-019B960494DF}">
-                  <a14:hiddenLine xmlns:a14="http://schemas.microsoft.com/office/drawing/2010/main" xmlns="" w="9525">
+                  <a14:hiddenLine xmlns="" xmlns:a14="http://schemas.microsoft.com/office/drawing/2010/main" w="9525">
                     <a:solidFill>
                       <a:srgbClr val="000000"/>
                     </a:solidFill>
@@ -10809,7 +10810,7 @@
               </a:ln>
               <a:extLst>
                 <a:ext uri="{91240B29-F687-4f45-9708-019B960494DF}">
-                  <a14:hiddenLine xmlns:a14="http://schemas.microsoft.com/office/drawing/2010/main" xmlns="" w="9525">
+                  <a14:hiddenLine xmlns="" xmlns:a14="http://schemas.microsoft.com/office/drawing/2010/main" w="9525">
                     <a:solidFill>
                       <a:srgbClr val="000000"/>
                     </a:solidFill>
@@ -10899,7 +10900,7 @@
               </a:ln>
               <a:extLst>
                 <a:ext uri="{91240B29-F687-4f45-9708-019B960494DF}">
-                  <a14:hiddenLine xmlns:a14="http://schemas.microsoft.com/office/drawing/2010/main" xmlns="" w="9525">
+                  <a14:hiddenLine xmlns="" xmlns:a14="http://schemas.microsoft.com/office/drawing/2010/main" w="9525">
                     <a:solidFill>
                       <a:srgbClr val="000000"/>
                     </a:solidFill>
@@ -10933,7 +10934,7 @@
               </a:ln>
               <a:extLst>
                 <a:ext uri="{91240B29-F687-4f45-9708-019B960494DF}">
-                  <a14:hiddenLine xmlns:a14="http://schemas.microsoft.com/office/drawing/2010/main" xmlns="" w="9525">
+                  <a14:hiddenLine xmlns="" xmlns:a14="http://schemas.microsoft.com/office/drawing/2010/main" w="9525">
                     <a:solidFill>
                       <a:srgbClr val="000000"/>
                     </a:solidFill>
@@ -10998,7 +10999,7 @@
               </a:ln>
               <a:extLst>
                 <a:ext uri="{91240B29-F687-4f45-9708-019B960494DF}">
-                  <a14:hiddenLine xmlns:a14="http://schemas.microsoft.com/office/drawing/2010/main" xmlns="" w="9525">
+                  <a14:hiddenLine xmlns="" xmlns:a14="http://schemas.microsoft.com/office/drawing/2010/main" w="9525">
                     <a:solidFill>
                       <a:srgbClr val="000000"/>
                     </a:solidFill>
@@ -11088,7 +11089,7 @@
               </a:ln>
               <a:extLst>
                 <a:ext uri="{91240B29-F687-4f45-9708-019B960494DF}">
-                  <a14:hiddenLine xmlns:a14="http://schemas.microsoft.com/office/drawing/2010/main" xmlns="" w="9525">
+                  <a14:hiddenLine xmlns="" xmlns:a14="http://schemas.microsoft.com/office/drawing/2010/main" w="9525">
                     <a:solidFill>
                       <a:srgbClr val="000000"/>
                     </a:solidFill>
@@ -11150,7 +11151,7 @@
               </a:ln>
               <a:extLst>
                 <a:ext uri="{91240B29-F687-4f45-9708-019B960494DF}">
-                  <a14:hiddenLine xmlns:a14="http://schemas.microsoft.com/office/drawing/2010/main" xmlns="" w="9525">
+                  <a14:hiddenLine xmlns="" xmlns:a14="http://schemas.microsoft.com/office/drawing/2010/main" w="9525">
                     <a:solidFill>
                       <a:srgbClr val="000000"/>
                     </a:solidFill>
@@ -11240,7 +11241,7 @@
               </a:ln>
               <a:extLst>
                 <a:ext uri="{91240B29-F687-4f45-9708-019B960494DF}">
-                  <a14:hiddenLine xmlns:a14="http://schemas.microsoft.com/office/drawing/2010/main" xmlns="" w="9525">
+                  <a14:hiddenLine xmlns="" xmlns:a14="http://schemas.microsoft.com/office/drawing/2010/main" w="9525">
                     <a:solidFill>
                       <a:srgbClr val="000000"/>
                     </a:solidFill>
@@ -11305,7 +11306,7 @@
               </a:ln>
               <a:extLst>
                 <a:ext uri="{91240B29-F687-4f45-9708-019B960494DF}">
-                  <a14:hiddenLine xmlns:a14="http://schemas.microsoft.com/office/drawing/2010/main" xmlns="" w="9525">
+                  <a14:hiddenLine xmlns="" xmlns:a14="http://schemas.microsoft.com/office/drawing/2010/main" w="9525">
                     <a:solidFill>
                       <a:srgbClr val="000000"/>
                     </a:solidFill>
@@ -11367,7 +11368,7 @@
               </a:ln>
               <a:extLst>
                 <a:ext uri="{91240B29-F687-4f45-9708-019B960494DF}">
-                  <a14:hiddenLine xmlns:a14="http://schemas.microsoft.com/office/drawing/2010/main" xmlns="" w="9525">
+                  <a14:hiddenLine xmlns="" xmlns:a14="http://schemas.microsoft.com/office/drawing/2010/main" w="9525">
                     <a:solidFill>
                       <a:srgbClr val="000000"/>
                     </a:solidFill>
@@ -11457,7 +11458,7 @@
               </a:ln>
               <a:extLst>
                 <a:ext uri="{91240B29-F687-4f45-9708-019B960494DF}">
-                  <a14:hiddenLine xmlns:a14="http://schemas.microsoft.com/office/drawing/2010/main" xmlns="" w="9525">
+                  <a14:hiddenLine xmlns="" xmlns:a14="http://schemas.microsoft.com/office/drawing/2010/main" w="9525">
                     <a:solidFill>
                       <a:srgbClr val="000000"/>
                     </a:solidFill>
@@ -11547,7 +11548,7 @@
               </a:ln>
               <a:extLst>
                 <a:ext uri="{91240B29-F687-4f45-9708-019B960494DF}">
-                  <a14:hiddenLine xmlns:a14="http://schemas.microsoft.com/office/drawing/2010/main" xmlns="" w="9525">
+                  <a14:hiddenLine xmlns="" xmlns:a14="http://schemas.microsoft.com/office/drawing/2010/main" w="9525">
                     <a:solidFill>
                       <a:srgbClr val="000000"/>
                     </a:solidFill>
@@ -11612,7 +11613,7 @@
               </a:ln>
               <a:extLst>
                 <a:ext uri="{91240B29-F687-4f45-9708-019B960494DF}">
-                  <a14:hiddenLine xmlns:a14="http://schemas.microsoft.com/office/drawing/2010/main" xmlns="" w="9525">
+                  <a14:hiddenLine xmlns="" xmlns:a14="http://schemas.microsoft.com/office/drawing/2010/main" w="9525">
                     <a:solidFill>
                       <a:srgbClr val="000000"/>
                     </a:solidFill>
@@ -11732,7 +11733,7 @@
               </a:ln>
               <a:extLst>
                 <a:ext uri="{91240B29-F687-4f45-9708-019B960494DF}">
-                  <a14:hiddenLine xmlns:a14="http://schemas.microsoft.com/office/drawing/2010/main" xmlns="" w="9525">
+                  <a14:hiddenLine xmlns="" xmlns:a14="http://schemas.microsoft.com/office/drawing/2010/main" w="9525">
                     <a:solidFill>
                       <a:srgbClr val="000000"/>
                     </a:solidFill>
@@ -11830,7 +11831,7 @@
               </a:ln>
               <a:extLst>
                 <a:ext uri="{91240B29-F687-4f45-9708-019B960494DF}">
-                  <a14:hiddenLine xmlns:a14="http://schemas.microsoft.com/office/drawing/2010/main" xmlns="" w="9525">
+                  <a14:hiddenLine xmlns="" xmlns:a14="http://schemas.microsoft.com/office/drawing/2010/main" w="9525">
                     <a:solidFill>
                       <a:srgbClr val="000000"/>
                     </a:solidFill>
@@ -11945,7 +11946,7 @@
               </a:ln>
               <a:extLst>
                 <a:ext uri="{91240B29-F687-4f45-9708-019B960494DF}">
-                  <a14:hiddenLine xmlns:a14="http://schemas.microsoft.com/office/drawing/2010/main" xmlns="" w="9525">
+                  <a14:hiddenLine xmlns="" xmlns:a14="http://schemas.microsoft.com/office/drawing/2010/main" w="9525">
                     <a:solidFill>
                       <a:srgbClr val="000000"/>
                     </a:solidFill>
@@ -12035,7 +12036,7 @@
               </a:ln>
               <a:extLst>
                 <a:ext uri="{91240B29-F687-4f45-9708-019B960494DF}">
-                  <a14:hiddenLine xmlns:a14="http://schemas.microsoft.com/office/drawing/2010/main" xmlns="" w="9525">
+                  <a14:hiddenLine xmlns="" xmlns:a14="http://schemas.microsoft.com/office/drawing/2010/main" w="9525">
                     <a:solidFill>
                       <a:srgbClr val="000000"/>
                     </a:solidFill>
@@ -12100,7 +12101,7 @@
               </a:ln>
               <a:extLst>
                 <a:ext uri="{91240B29-F687-4f45-9708-019B960494DF}">
-                  <a14:hiddenLine xmlns:a14="http://schemas.microsoft.com/office/drawing/2010/main" xmlns="" w="9525">
+                  <a14:hiddenLine xmlns="" xmlns:a14="http://schemas.microsoft.com/office/drawing/2010/main" w="9525">
                     <a:solidFill>
                       <a:srgbClr val="000000"/>
                     </a:solidFill>
@@ -12190,7 +12191,7 @@
               </a:ln>
               <a:extLst>
                 <a:ext uri="{91240B29-F687-4f45-9708-019B960494DF}">
-                  <a14:hiddenLine xmlns:a14="http://schemas.microsoft.com/office/drawing/2010/main" xmlns="" w="9525">
+                  <a14:hiddenLine xmlns="" xmlns:a14="http://schemas.microsoft.com/office/drawing/2010/main" w="9525">
                     <a:solidFill>
                       <a:srgbClr val="000000"/>
                     </a:solidFill>
@@ -12258,7 +12259,7 @@
               </a:ln>
               <a:extLst>
                 <a:ext uri="{91240B29-F687-4f45-9708-019B960494DF}">
-                  <a14:hiddenLine xmlns:a14="http://schemas.microsoft.com/office/drawing/2010/main" xmlns="" w="9525">
+                  <a14:hiddenLine xmlns="" xmlns:a14="http://schemas.microsoft.com/office/drawing/2010/main" w="9525">
                     <a:solidFill>
                       <a:srgbClr val="000000"/>
                     </a:solidFill>
@@ -12348,7 +12349,7 @@
               </a:ln>
               <a:extLst>
                 <a:ext uri="{91240B29-F687-4f45-9708-019B960494DF}">
-                  <a14:hiddenLine xmlns:a14="http://schemas.microsoft.com/office/drawing/2010/main" xmlns="" w="9525">
+                  <a14:hiddenLine xmlns="" xmlns:a14="http://schemas.microsoft.com/office/drawing/2010/main" w="9525">
                     <a:solidFill>
                       <a:srgbClr val="000000"/>
                     </a:solidFill>
@@ -12416,7 +12417,7 @@
               </a:ln>
               <a:extLst>
                 <a:ext uri="{91240B29-F687-4f45-9708-019B960494DF}">
-                  <a14:hiddenLine xmlns:a14="http://schemas.microsoft.com/office/drawing/2010/main" xmlns="" w="9525">
+                  <a14:hiddenLine xmlns="" xmlns:a14="http://schemas.microsoft.com/office/drawing/2010/main" w="9525">
                     <a:solidFill>
                       <a:srgbClr val="000000"/>
                     </a:solidFill>
@@ -12506,7 +12507,7 @@
               </a:ln>
               <a:extLst>
                 <a:ext uri="{91240B29-F687-4f45-9708-019B960494DF}">
-                  <a14:hiddenLine xmlns:a14="http://schemas.microsoft.com/office/drawing/2010/main" xmlns="" w="9525">
+                  <a14:hiddenLine xmlns="" xmlns:a14="http://schemas.microsoft.com/office/drawing/2010/main" w="9525">
                     <a:solidFill>
                       <a:srgbClr val="000000"/>
                     </a:solidFill>
@@ -12540,7 +12541,7 @@
               </a:ln>
               <a:extLst>
                 <a:ext uri="{91240B29-F687-4f45-9708-019B960494DF}">
-                  <a14:hiddenLine xmlns:a14="http://schemas.microsoft.com/office/drawing/2010/main" xmlns="" w="9525">
+                  <a14:hiddenLine xmlns="" xmlns:a14="http://schemas.microsoft.com/office/drawing/2010/main" w="9525">
                     <a:solidFill>
                       <a:srgbClr val="000000"/>
                     </a:solidFill>
@@ -12681,7 +12682,7 @@
             <a:fld id="{7EAF463A-BC7C-46EE-9F1E-7F377CCA4891}" type="datetimeFigureOut">
               <a:rPr lang="en-US" smtClean="0"/>
               <a:pPr/>
-              <a:t>12/13/2019</a:t>
+              <a:t>12/12/2019</a:t>
             </a:fld>
             <a:endParaRPr lang="en-US"/>
           </a:p>
@@ -13369,6 +13370,193 @@
       </p:grpSpPr>
       <p:sp>
         <p:nvSpPr>
+          <p:cNvPr id="2" name="Прямоугольник 1">
+            <a:extLst>
+              <a:ext uri="{FF2B5EF4-FFF2-40B4-BE49-F238E27FC236}">
+                <a16:creationId xmlns:a16="http://schemas.microsoft.com/office/drawing/2014/main" id="{ECEDBA4B-B4C7-4358-9C1B-BADADF89DCB7}"/>
+              </a:ext>
+            </a:extLst>
+          </p:cNvPr>
+          <p:cNvSpPr/>
+          <p:nvPr/>
+        </p:nvSpPr>
+        <p:spPr>
+          <a:xfrm>
+            <a:off x="1187624" y="332656"/>
+            <a:ext cx="6768752" cy="1077218"/>
+          </a:xfrm>
+          <a:prstGeom prst="rect">
+            <a:avLst/>
+          </a:prstGeom>
+        </p:spPr>
+        <p:txBody>
+          <a:bodyPr wrap="square">
+            <a:spAutoFit/>
+          </a:bodyPr>
+          <a:lstStyle/>
+          <a:p>
+            <a:r>
+              <a:rPr lang="ru-RU" sz="3200" dirty="0">
+                <a:solidFill>
+                  <a:schemeClr val="bg2">
+                    <a:lumMod val="50000"/>
+                  </a:schemeClr>
+                </a:solidFill>
+              </a:rPr>
+              <a:t>Факторы, учитываемые при планировании сетевых приложений</a:t>
+            </a:r>
+          </a:p>
+        </p:txBody>
+      </p:sp>
+      <p:sp>
+        <p:nvSpPr>
+          <p:cNvPr id="3" name="Прямоугольник 2">
+            <a:extLst>
+              <a:ext uri="{FF2B5EF4-FFF2-40B4-BE49-F238E27FC236}">
+                <a16:creationId xmlns:a16="http://schemas.microsoft.com/office/drawing/2014/main" id="{B5BC6CE6-3B97-4C89-9AA6-5A97B3AC5578}"/>
+              </a:ext>
+            </a:extLst>
+          </p:cNvPr>
+          <p:cNvSpPr/>
+          <p:nvPr/>
+        </p:nvSpPr>
+        <p:spPr>
+          <a:xfrm>
+            <a:off x="755576" y="2090172"/>
+            <a:ext cx="8280920" cy="2308324"/>
+          </a:xfrm>
+          <a:prstGeom prst="rect">
+            <a:avLst/>
+          </a:prstGeom>
+        </p:spPr>
+        <p:txBody>
+          <a:bodyPr wrap="square">
+            <a:spAutoFit/>
+          </a:bodyPr>
+          <a:lstStyle/>
+          <a:p>
+            <a:r>
+              <a:rPr lang="ru-RU" sz="2400" dirty="0">
+                <a:solidFill>
+                  <a:schemeClr val="bg2">
+                    <a:lumMod val="50000"/>
+                  </a:schemeClr>
+                </a:solidFill>
+              </a:rPr>
+              <a:t>Независимо от архитектуры необходимо учитывать следующие факторы: </a:t>
+            </a:r>
+            <a:endParaRPr lang="en-US" sz="2400" dirty="0">
+              <a:solidFill>
+                <a:schemeClr val="bg2">
+                  <a:lumMod val="50000"/>
+                </a:schemeClr>
+              </a:solidFill>
+            </a:endParaRPr>
+          </a:p>
+          <a:p>
+            <a:r>
+              <a:rPr lang="ru-RU" sz="2400" dirty="0">
+                <a:solidFill>
+                  <a:schemeClr val="bg2">
+                    <a:lumMod val="50000"/>
+                  </a:schemeClr>
+                </a:solidFill>
+              </a:rPr>
+              <a:t>• доступ к источникам данных ввода-вывода; </a:t>
+            </a:r>
+            <a:endParaRPr lang="en-US" sz="2400" dirty="0">
+              <a:solidFill>
+                <a:schemeClr val="bg2">
+                  <a:lumMod val="50000"/>
+                </a:schemeClr>
+              </a:solidFill>
+            </a:endParaRPr>
+          </a:p>
+          <a:p>
+            <a:r>
+              <a:rPr lang="ru-RU" sz="2400" dirty="0">
+                <a:solidFill>
+                  <a:schemeClr val="bg2">
+                    <a:lumMod val="50000"/>
+                  </a:schemeClr>
+                </a:solidFill>
+              </a:rPr>
+              <a:t>• доступ к разделяемым файлам; </a:t>
+            </a:r>
+            <a:endParaRPr lang="en-US" sz="2400" dirty="0">
+              <a:solidFill>
+                <a:schemeClr val="bg2">
+                  <a:lumMod val="50000"/>
+                </a:schemeClr>
+              </a:solidFill>
+            </a:endParaRPr>
+          </a:p>
+          <a:p>
+            <a:r>
+              <a:rPr lang="ru-RU" sz="2400" dirty="0">
+                <a:solidFill>
+                  <a:schemeClr val="bg2">
+                    <a:lumMod val="50000"/>
+                  </a:schemeClr>
+                </a:solidFill>
+              </a:rPr>
+              <a:t>• место регистрации данных; </a:t>
+            </a:r>
+            <a:endParaRPr lang="en-US" sz="2400" dirty="0">
+              <a:solidFill>
+                <a:schemeClr val="bg2">
+                  <a:lumMod val="50000"/>
+                </a:schemeClr>
+              </a:solidFill>
+            </a:endParaRPr>
+          </a:p>
+          <a:p>
+            <a:r>
+              <a:rPr lang="ru-RU" sz="2400" dirty="0">
+                <a:solidFill>
+                  <a:schemeClr val="bg2">
+                    <a:lumMod val="50000"/>
+                  </a:schemeClr>
+                </a:solidFill>
+              </a:rPr>
+              <a:t>• особые требования, обусловленные сетью.</a:t>
+            </a:r>
+            <a:endParaRPr lang="ru-RU" sz="2400" dirty="0"/>
+          </a:p>
+        </p:txBody>
+      </p:sp>
+    </p:spTree>
+    <p:extLst>
+      <p:ext uri="{BB962C8B-B14F-4D97-AF65-F5344CB8AC3E}">
+        <p14:creationId xmlns:p14="http://schemas.microsoft.com/office/powerpoint/2010/main" val="282490486"/>
+      </p:ext>
+    </p:extLst>
+  </p:cSld>
+  <p:clrMapOvr>
+    <a:masterClrMapping/>
+  </p:clrMapOvr>
+</p:sld>
+</file>
+
+<file path=ppt/slides/slide11.xml><?xml version="1.0" encoding="utf-8"?>
+<p:sld xmlns:a="http://schemas.openxmlformats.org/drawingml/2006/main" xmlns:r="http://schemas.openxmlformats.org/officeDocument/2006/relationships" xmlns:p="http://schemas.openxmlformats.org/presentationml/2006/main">
+  <p:cSld>
+    <p:spTree>
+      <p:nvGrpSpPr>
+        <p:cNvPr id="1" name=""/>
+        <p:cNvGrpSpPr/>
+        <p:nvPr/>
+      </p:nvGrpSpPr>
+      <p:grpSpPr>
+        <a:xfrm>
+          <a:off x="0" y="0"/>
+          <a:ext cx="0" cy="0"/>
+          <a:chOff x="0" y="0"/>
+          <a:chExt cx="0" cy="0"/>
+        </a:xfrm>
+      </p:grpSpPr>
+      <p:sp>
+        <p:nvSpPr>
           <p:cNvPr id="4" name="Прямоугольник 3">
             <a:extLst>
               <a:ext uri="{FF2B5EF4-FFF2-40B4-BE49-F238E27FC236}">
@@ -13503,7 +13691,7 @@
 </p:sld>
 </file>
 
-<file path=ppt/slides/slide11.xml><?xml version="1.0" encoding="utf-8"?>
+<file path=ppt/slides/slide12.xml><?xml version="1.0" encoding="utf-8"?>
 <p:sld xmlns:a="http://schemas.openxmlformats.org/drawingml/2006/main" xmlns:r="http://schemas.openxmlformats.org/officeDocument/2006/relationships" xmlns:p="http://schemas.openxmlformats.org/presentationml/2006/main">
   <p:cSld>
     <p:spTree>
@@ -13609,7 +13797,7 @@
 </p:sld>
 </file>
 
-<file path=ppt/slides/slide12.xml><?xml version="1.0" encoding="utf-8"?>
+<file path=ppt/slides/slide13.xml><?xml version="1.0" encoding="utf-8"?>
 <p:sld xmlns:a="http://schemas.openxmlformats.org/drawingml/2006/main" xmlns:r="http://schemas.openxmlformats.org/officeDocument/2006/relationships" xmlns:p="http://schemas.openxmlformats.org/presentationml/2006/main">
   <p:cSld>
     <p:spTree>
@@ -13731,7 +13919,7 @@
 </p:sld>
 </file>
 
-<file path=ppt/slides/slide13.xml><?xml version="1.0" encoding="utf-8"?>
+<file path=ppt/slides/slide14.xml><?xml version="1.0" encoding="utf-8"?>
 <p:sld xmlns:a="http://schemas.openxmlformats.org/drawingml/2006/main" xmlns:r="http://schemas.openxmlformats.org/officeDocument/2006/relationships" xmlns:p="http://schemas.openxmlformats.org/presentationml/2006/main">
   <p:cSld>
     <p:spTree>
@@ -13837,7 +14025,7 @@
 </p:sld>
 </file>
 
-<file path=ppt/slides/slide14.xml><?xml version="1.0" encoding="utf-8"?>
+<file path=ppt/slides/slide15.xml><?xml version="1.0" encoding="utf-8"?>
 <p:sld xmlns:a="http://schemas.openxmlformats.org/drawingml/2006/main" xmlns:r="http://schemas.openxmlformats.org/officeDocument/2006/relationships" xmlns:p="http://schemas.openxmlformats.org/presentationml/2006/main">
   <p:cSld>
     <p:spTree>
@@ -13943,7 +14131,7 @@
 </p:sld>
 </file>
 
-<file path=ppt/slides/slide15.xml><?xml version="1.0" encoding="utf-8"?>
+<file path=ppt/slides/slide16.xml><?xml version="1.0" encoding="utf-8"?>
 <p:sld xmlns:a="http://schemas.openxmlformats.org/drawingml/2006/main" xmlns:r="http://schemas.openxmlformats.org/officeDocument/2006/relationships" xmlns:p="http://schemas.openxmlformats.org/presentationml/2006/main">
   <p:cSld>
     <p:spTree>
@@ -14049,7 +14237,7 @@
 </p:sld>
 </file>
 
-<file path=ppt/slides/slide16.xml><?xml version="1.0" encoding="utf-8"?>
+<file path=ppt/slides/slide17.xml><?xml version="1.0" encoding="utf-8"?>
 <p:sld xmlns:a="http://schemas.openxmlformats.org/drawingml/2006/main" xmlns:r="http://schemas.openxmlformats.org/officeDocument/2006/relationships" xmlns:p="http://schemas.openxmlformats.org/presentationml/2006/main">
   <p:cSld>
     <p:spTree>
@@ -14155,7 +14343,7 @@
 </p:sld>
 </file>
 
-<file path=ppt/slides/slide17.xml><?xml version="1.0" encoding="utf-8"?>
+<file path=ppt/slides/slide18.xml><?xml version="1.0" encoding="utf-8"?>
 <p:sld xmlns:a="http://schemas.openxmlformats.org/drawingml/2006/main" xmlns:r="http://schemas.openxmlformats.org/officeDocument/2006/relationships" xmlns:p="http://schemas.openxmlformats.org/presentationml/2006/main">
   <p:cSld>
     <p:spTree>
@@ -14259,7 +14447,7 @@
 </p:sld>
 </file>
 
-<file path=ppt/slides/slide18.xml><?xml version="1.0" encoding="utf-8"?>
+<file path=ppt/slides/slide19.xml><?xml version="1.0" encoding="utf-8"?>
 <p:sld xmlns:a="http://schemas.openxmlformats.org/drawingml/2006/main" xmlns:r="http://schemas.openxmlformats.org/officeDocument/2006/relationships" xmlns:p="http://schemas.openxmlformats.org/presentationml/2006/main">
   <p:cSld>
     <p:spTree>
@@ -14685,7 +14873,352 @@
 </p:sld>
 </file>
 
-<file path=ppt/slides/slide19.xml><?xml version="1.0" encoding="utf-8"?>
+<file path=ppt/slides/slide2.xml><?xml version="1.0" encoding="utf-8"?>
+<p:sld xmlns:a="http://schemas.openxmlformats.org/drawingml/2006/main" xmlns:r="http://schemas.openxmlformats.org/officeDocument/2006/relationships" xmlns:p="http://schemas.openxmlformats.org/presentationml/2006/main">
+  <p:cSld>
+    <p:spTree>
+      <p:nvGrpSpPr>
+        <p:cNvPr id="1" name=""/>
+        <p:cNvGrpSpPr/>
+        <p:nvPr/>
+      </p:nvGrpSpPr>
+      <p:grpSpPr>
+        <a:xfrm>
+          <a:off x="0" y="0"/>
+          <a:ext cx="0" cy="0"/>
+          <a:chOff x="0" y="0"/>
+          <a:chExt cx="0" cy="0"/>
+        </a:xfrm>
+      </p:grpSpPr>
+      <p:sp>
+        <p:nvSpPr>
+          <p:cNvPr id="3" name="Объект 2">
+            <a:extLst>
+              <a:ext uri="{FF2B5EF4-FFF2-40B4-BE49-F238E27FC236}">
+                <a16:creationId xmlns:a16="http://schemas.microsoft.com/office/drawing/2014/main" id="{30CFDBBA-4653-4240-BE34-F459782E312A}"/>
+              </a:ext>
+            </a:extLst>
+          </p:cNvPr>
+          <p:cNvSpPr>
+            <a:spLocks noGrp="1"/>
+          </p:cNvSpPr>
+          <p:nvPr>
+            <p:ph idx="1"/>
+          </p:nvPr>
+        </p:nvSpPr>
+        <p:spPr>
+          <a:xfrm>
+            <a:off x="2627784" y="404664"/>
+            <a:ext cx="6020195" cy="1354089"/>
+          </a:xfrm>
+        </p:spPr>
+        <p:txBody>
+          <a:bodyPr/>
+          <a:lstStyle/>
+          <a:p>
+            <a:pPr marL="0" indent="0">
+              <a:buNone/>
+            </a:pPr>
+            <a:r>
+              <a:rPr lang="en-US" dirty="0">
+                <a:solidFill>
+                  <a:schemeClr val="bg1"/>
+                </a:solidFill>
+              </a:rPr>
+              <a:t>C</a:t>
+            </a:r>
+            <a:r>
+              <a:rPr lang="ru-RU" dirty="0" err="1">
+                <a:solidFill>
+                  <a:schemeClr val="bg1"/>
+                </a:solidFill>
+              </a:rPr>
+              <a:t>труктура</a:t>
+            </a:r>
+            <a:r>
+              <a:rPr lang="ru-RU" dirty="0">
+                <a:solidFill>
+                  <a:schemeClr val="bg1"/>
+                </a:solidFill>
+              </a:rPr>
+              <a:t> </a:t>
+            </a:r>
+            <a:r>
+              <a:rPr lang="en-US" dirty="0">
+                <a:solidFill>
+                  <a:schemeClr val="bg1"/>
+                </a:solidFill>
+              </a:rPr>
+              <a:t>SCADA</a:t>
+            </a:r>
+            <a:endParaRPr lang="ru-RU" dirty="0">
+              <a:solidFill>
+                <a:schemeClr val="bg1"/>
+              </a:solidFill>
+            </a:endParaRPr>
+          </a:p>
+        </p:txBody>
+      </p:sp>
+      <p:pic>
+        <p:nvPicPr>
+          <p:cNvPr id="4" name="Рисунок 3">
+            <a:extLst>
+              <a:ext uri="{FF2B5EF4-FFF2-40B4-BE49-F238E27FC236}">
+                <a16:creationId xmlns:a16="http://schemas.microsoft.com/office/drawing/2014/main" id="{C676F682-E006-4AA7-92A0-38CD1049BB99}"/>
+              </a:ext>
+            </a:extLst>
+          </p:cNvPr>
+          <p:cNvPicPr>
+            <a:picLocks noChangeAspect="1"/>
+          </p:cNvPicPr>
+          <p:nvPr/>
+        </p:nvPicPr>
+        <p:blipFill>
+          <a:blip r:embed="rId2"/>
+          <a:stretch>
+            <a:fillRect/>
+          </a:stretch>
+        </p:blipFill>
+        <p:spPr>
+          <a:xfrm>
+            <a:off x="428596" y="1285860"/>
+            <a:ext cx="6553200" cy="3857625"/>
+          </a:xfrm>
+          <a:prstGeom prst="rect">
+            <a:avLst/>
+          </a:prstGeom>
+        </p:spPr>
+      </p:pic>
+      <p:sp>
+        <p:nvSpPr>
+          <p:cNvPr id="5" name="Объект 2">
+            <a:extLst>
+              <a:ext uri="{FF2B5EF4-FFF2-40B4-BE49-F238E27FC236}">
+                <a16:creationId xmlns:a16="http://schemas.microsoft.com/office/drawing/2014/main" id="{FF4E7B58-5156-41D2-B009-AC8140948A93}"/>
+              </a:ext>
+            </a:extLst>
+          </p:cNvPr>
+          <p:cNvSpPr txBox="1">
+            <a:spLocks/>
+          </p:cNvSpPr>
+          <p:nvPr/>
+        </p:nvSpPr>
+        <p:spPr>
+          <a:xfrm>
+            <a:off x="7164288" y="2564904"/>
+            <a:ext cx="1728192" cy="1354089"/>
+          </a:xfrm>
+          <a:prstGeom prst="rect">
+            <a:avLst/>
+          </a:prstGeom>
+        </p:spPr>
+        <p:txBody>
+          <a:bodyPr vert="horz" lIns="91440" tIns="45720" rIns="91440" bIns="45720" rtlCol="0">
+            <a:normAutofit/>
+          </a:bodyPr>
+          <a:lstStyle>
+            <a:lvl1pPr marL="228600" indent="-228600" algn="l" defTabSz="914400" rtl="0" eaLnBrk="1" latinLnBrk="0" hangingPunct="1">
+              <a:lnSpc>
+                <a:spcPct val="120000"/>
+              </a:lnSpc>
+              <a:spcBef>
+                <a:spcPts val="1000"/>
+              </a:spcBef>
+              <a:buSzPct val="125000"/>
+              <a:buFont typeface="Arial" panose="020B0604020202020204" pitchFamily="34" charset="0"/>
+              <a:buChar char="•"/>
+              <a:defRPr sz="2400" kern="1200">
+                <a:solidFill>
+                  <a:schemeClr val="tx1"/>
+                </a:solidFill>
+                <a:latin typeface="+mn-lt"/>
+                <a:ea typeface="+mn-ea"/>
+                <a:cs typeface="+mn-cs"/>
+              </a:defRPr>
+            </a:lvl1pPr>
+            <a:lvl2pPr marL="685800" indent="-228600" algn="l" defTabSz="914400" rtl="0" eaLnBrk="1" latinLnBrk="0" hangingPunct="1">
+              <a:lnSpc>
+                <a:spcPct val="120000"/>
+              </a:lnSpc>
+              <a:spcBef>
+                <a:spcPts val="500"/>
+              </a:spcBef>
+              <a:buSzPct val="125000"/>
+              <a:buFont typeface="Arial" panose="020B0604020202020204" pitchFamily="34" charset="0"/>
+              <a:buChar char="•"/>
+              <a:defRPr sz="2000" kern="1200">
+                <a:solidFill>
+                  <a:schemeClr val="tx1"/>
+                </a:solidFill>
+                <a:latin typeface="+mn-lt"/>
+                <a:ea typeface="+mn-ea"/>
+                <a:cs typeface="+mn-cs"/>
+              </a:defRPr>
+            </a:lvl2pPr>
+            <a:lvl3pPr marL="1143000" indent="-228600" algn="l" defTabSz="914400" rtl="0" eaLnBrk="1" latinLnBrk="0" hangingPunct="1">
+              <a:lnSpc>
+                <a:spcPct val="120000"/>
+              </a:lnSpc>
+              <a:spcBef>
+                <a:spcPts val="500"/>
+              </a:spcBef>
+              <a:buSzPct val="125000"/>
+              <a:buFont typeface="Arial" panose="020B0604020202020204" pitchFamily="34" charset="0"/>
+              <a:buChar char="•"/>
+              <a:defRPr sz="1800" kern="1200">
+                <a:solidFill>
+                  <a:schemeClr val="tx1"/>
+                </a:solidFill>
+                <a:latin typeface="+mn-lt"/>
+                <a:ea typeface="+mn-ea"/>
+                <a:cs typeface="+mn-cs"/>
+              </a:defRPr>
+            </a:lvl3pPr>
+            <a:lvl4pPr marL="1600200" indent="-228600" algn="l" defTabSz="914400" rtl="0" eaLnBrk="1" latinLnBrk="0" hangingPunct="1">
+              <a:lnSpc>
+                <a:spcPct val="120000"/>
+              </a:lnSpc>
+              <a:spcBef>
+                <a:spcPts val="500"/>
+              </a:spcBef>
+              <a:buSzPct val="125000"/>
+              <a:buFont typeface="Arial" panose="020B0604020202020204" pitchFamily="34" charset="0"/>
+              <a:buChar char="•"/>
+              <a:defRPr sz="1600" kern="1200">
+                <a:solidFill>
+                  <a:schemeClr val="tx1"/>
+                </a:solidFill>
+                <a:latin typeface="+mn-lt"/>
+                <a:ea typeface="+mn-ea"/>
+                <a:cs typeface="+mn-cs"/>
+              </a:defRPr>
+            </a:lvl4pPr>
+            <a:lvl5pPr marL="2057400" indent="-228600" algn="l" defTabSz="914400" rtl="0" eaLnBrk="1" latinLnBrk="0" hangingPunct="1">
+              <a:lnSpc>
+                <a:spcPct val="120000"/>
+              </a:lnSpc>
+              <a:spcBef>
+                <a:spcPts val="500"/>
+              </a:spcBef>
+              <a:buSzPct val="125000"/>
+              <a:buFont typeface="Arial" panose="020B0604020202020204" pitchFamily="34" charset="0"/>
+              <a:buChar char="•"/>
+              <a:defRPr sz="1600" kern="1200">
+                <a:solidFill>
+                  <a:schemeClr val="tx1"/>
+                </a:solidFill>
+                <a:latin typeface="+mn-lt"/>
+                <a:ea typeface="+mn-ea"/>
+                <a:cs typeface="+mn-cs"/>
+              </a:defRPr>
+            </a:lvl5pPr>
+            <a:lvl6pPr marL="2514600" indent="-228600" algn="l" defTabSz="914400" rtl="0" eaLnBrk="1" latinLnBrk="0" hangingPunct="1">
+              <a:lnSpc>
+                <a:spcPct val="120000"/>
+              </a:lnSpc>
+              <a:spcBef>
+                <a:spcPts val="500"/>
+              </a:spcBef>
+              <a:buSzPct val="125000"/>
+              <a:buFont typeface="Arial" panose="020B0604020202020204" pitchFamily="34" charset="0"/>
+              <a:buChar char="•"/>
+              <a:defRPr sz="1400" kern="1200">
+                <a:solidFill>
+                  <a:schemeClr val="tx1"/>
+                </a:solidFill>
+                <a:latin typeface="+mn-lt"/>
+                <a:ea typeface="+mn-ea"/>
+                <a:cs typeface="+mn-cs"/>
+              </a:defRPr>
+            </a:lvl6pPr>
+            <a:lvl7pPr marL="2971800" indent="-228600" algn="l" defTabSz="914400" rtl="0" eaLnBrk="1" latinLnBrk="0" hangingPunct="1">
+              <a:lnSpc>
+                <a:spcPct val="120000"/>
+              </a:lnSpc>
+              <a:spcBef>
+                <a:spcPts val="500"/>
+              </a:spcBef>
+              <a:buSzPct val="125000"/>
+              <a:buFont typeface="Arial" panose="020B0604020202020204" pitchFamily="34" charset="0"/>
+              <a:buChar char="•"/>
+              <a:defRPr sz="1400" kern="1200">
+                <a:solidFill>
+                  <a:schemeClr val="tx1"/>
+                </a:solidFill>
+                <a:latin typeface="+mn-lt"/>
+                <a:ea typeface="+mn-ea"/>
+                <a:cs typeface="+mn-cs"/>
+              </a:defRPr>
+            </a:lvl7pPr>
+            <a:lvl8pPr marL="3429000" indent="-228600" algn="l" defTabSz="914400" rtl="0" eaLnBrk="1" latinLnBrk="0" hangingPunct="1">
+              <a:lnSpc>
+                <a:spcPct val="120000"/>
+              </a:lnSpc>
+              <a:spcBef>
+                <a:spcPts val="500"/>
+              </a:spcBef>
+              <a:buSzPct val="125000"/>
+              <a:buFont typeface="Arial" panose="020B0604020202020204" pitchFamily="34" charset="0"/>
+              <a:buChar char="•"/>
+              <a:defRPr sz="1400" kern="1200">
+                <a:solidFill>
+                  <a:schemeClr val="tx1"/>
+                </a:solidFill>
+                <a:latin typeface="+mn-lt"/>
+                <a:ea typeface="+mn-ea"/>
+                <a:cs typeface="+mn-cs"/>
+              </a:defRPr>
+            </a:lvl8pPr>
+            <a:lvl9pPr marL="3886200" indent="-228600" algn="l" defTabSz="914400" rtl="0" eaLnBrk="1" latinLnBrk="0" hangingPunct="1">
+              <a:lnSpc>
+                <a:spcPct val="120000"/>
+              </a:lnSpc>
+              <a:spcBef>
+                <a:spcPts val="500"/>
+              </a:spcBef>
+              <a:buSzPct val="125000"/>
+              <a:buFont typeface="Arial" panose="020B0604020202020204" pitchFamily="34" charset="0"/>
+              <a:buChar char="•"/>
+              <a:defRPr sz="1400" kern="1200">
+                <a:solidFill>
+                  <a:schemeClr val="tx1"/>
+                </a:solidFill>
+                <a:latin typeface="+mn-lt"/>
+                <a:ea typeface="+mn-ea"/>
+                <a:cs typeface="+mn-cs"/>
+              </a:defRPr>
+            </a:lvl9pPr>
+          </a:lstStyle>
+          <a:p>
+            <a:pPr marL="0" indent="0">
+              <a:buFont typeface="Arial" panose="020B0604020202020204" pitchFamily="34" charset="0"/>
+              <a:buNone/>
+            </a:pPr>
+            <a:r>
+              <a:rPr lang="ru-RU" dirty="0">
+                <a:solidFill>
+                  <a:schemeClr val="bg1"/>
+                </a:solidFill>
+              </a:rPr>
+              <a:t>Среда разработки</a:t>
+            </a:r>
+          </a:p>
+        </p:txBody>
+      </p:sp>
+    </p:spTree>
+    <p:extLst>
+      <p:ext uri="{BB962C8B-B14F-4D97-AF65-F5344CB8AC3E}">
+        <p14:creationId xmlns:p14="http://schemas.microsoft.com/office/powerpoint/2010/main" val="2333277847"/>
+      </p:ext>
+    </p:extLst>
+  </p:cSld>
+  <p:clrMapOvr>
+    <a:masterClrMapping/>
+  </p:clrMapOvr>
+</p:sld>
+</file>
+
+<file path=ppt/slides/slide20.xml><?xml version="1.0" encoding="utf-8"?>
 <p:sld xmlns:a="http://schemas.openxmlformats.org/drawingml/2006/main" xmlns:r="http://schemas.openxmlformats.org/officeDocument/2006/relationships" xmlns:p="http://schemas.openxmlformats.org/presentationml/2006/main">
   <p:cSld>
     <p:spTree>
@@ -14853,124 +15386,7 @@
 </p:sld>
 </file>
 
-<file path=ppt/slides/slide2.xml><?xml version="1.0" encoding="utf-8"?>
-<p:sld xmlns:a="http://schemas.openxmlformats.org/drawingml/2006/main" xmlns:r="http://schemas.openxmlformats.org/officeDocument/2006/relationships" xmlns:p="http://schemas.openxmlformats.org/presentationml/2006/main">
-  <p:cSld>
-    <p:spTree>
-      <p:nvGrpSpPr>
-        <p:cNvPr id="1" name=""/>
-        <p:cNvGrpSpPr/>
-        <p:nvPr/>
-      </p:nvGrpSpPr>
-      <p:grpSpPr>
-        <a:xfrm>
-          <a:off x="0" y="0"/>
-          <a:ext cx="0" cy="0"/>
-          <a:chOff x="0" y="0"/>
-          <a:chExt cx="0" cy="0"/>
-        </a:xfrm>
-      </p:grpSpPr>
-      <p:sp>
-        <p:nvSpPr>
-          <p:cNvPr id="4" name="Объект 2">
-            <a:extLst>
-              <a:ext uri="{FF2B5EF4-FFF2-40B4-BE49-F238E27FC236}">
-                <a16:creationId xmlns:a16="http://schemas.microsoft.com/office/drawing/2014/main" id="{2EEBAB41-6686-44DC-BC9F-D716B703997C}"/>
-              </a:ext>
-            </a:extLst>
-          </p:cNvPr>
-          <p:cNvSpPr>
-            <a:spLocks noGrp="1"/>
-          </p:cNvSpPr>
-          <p:nvPr>
-            <p:ph idx="1"/>
-          </p:nvPr>
-        </p:nvSpPr>
-        <p:spPr>
-          <a:xfrm>
-            <a:off x="2046449" y="476672"/>
-            <a:ext cx="6020195" cy="1354089"/>
-          </a:xfrm>
-        </p:spPr>
-        <p:txBody>
-          <a:bodyPr/>
-          <a:lstStyle/>
-          <a:p>
-            <a:pPr marL="0" indent="0" algn="ctr">
-              <a:buNone/>
-            </a:pPr>
-            <a:r>
-              <a:rPr lang="ru-RU" dirty="0">
-                <a:solidFill>
-                  <a:schemeClr val="bg1"/>
-                </a:solidFill>
-              </a:rPr>
-              <a:t>Одиночная система</a:t>
-            </a:r>
-            <a:r>
-              <a:rPr lang="en-US" dirty="0">
-                <a:solidFill>
-                  <a:schemeClr val="bg1"/>
-                </a:solidFill>
-              </a:rPr>
-              <a:t> (standalone)</a:t>
-            </a:r>
-            <a:endParaRPr lang="ru-RU" dirty="0">
-              <a:solidFill>
-                <a:schemeClr val="bg1"/>
-              </a:solidFill>
-            </a:endParaRPr>
-          </a:p>
-        </p:txBody>
-      </p:sp>
-      <p:pic>
-        <p:nvPicPr>
-          <p:cNvPr id="6" name="Рисунок 5">
-            <a:extLst>
-              <a:ext uri="{FF2B5EF4-FFF2-40B4-BE49-F238E27FC236}">
-                <a16:creationId xmlns:a16="http://schemas.microsoft.com/office/drawing/2014/main" id="{D7FE96D9-FF62-4CB2-A174-0047BE2B9F64}"/>
-              </a:ext>
-            </a:extLst>
-          </p:cNvPr>
-          <p:cNvPicPr>
-            <a:picLocks noChangeAspect="1"/>
-          </p:cNvPicPr>
-          <p:nvPr/>
-        </p:nvPicPr>
-        <p:blipFill>
-          <a:blip r:embed="rId2">
-            <a:extLst>
-              <a:ext uri="{28A0092B-C50C-407E-A947-70E740481C1C}">
-                <a14:useLocalDpi xmlns:a14="http://schemas.microsoft.com/office/drawing/2010/main" val="0"/>
-              </a:ext>
-            </a:extLst>
-          </a:blip>
-          <a:stretch>
-            <a:fillRect/>
-          </a:stretch>
-        </p:blipFill>
-        <p:spPr>
-          <a:xfrm>
-            <a:off x="1835696" y="1268760"/>
-            <a:ext cx="6226080" cy="4869602"/>
-          </a:xfrm>
-          <a:prstGeom prst="rect">
-            <a:avLst/>
-          </a:prstGeom>
-          <a:effectLst>
-            <a:softEdge rad="165100"/>
-          </a:effectLst>
-        </p:spPr>
-      </p:pic>
-    </p:spTree>
-  </p:cSld>
-  <p:clrMapOvr>
-    <a:masterClrMapping/>
-  </p:clrMapOvr>
-</p:sld>
-</file>
-
-<file path=ppt/slides/slide20.xml><?xml version="1.0" encoding="utf-8"?>
+<file path=ppt/slides/slide21.xml><?xml version="1.0" encoding="utf-8"?>
 <p:sld xmlns:a="http://schemas.openxmlformats.org/drawingml/2006/main" xmlns:r="http://schemas.openxmlformats.org/officeDocument/2006/relationships" xmlns:p="http://schemas.openxmlformats.org/presentationml/2006/main">
   <p:cSld>
     <p:spTree>
@@ -15109,7 +15525,7 @@
 </p:sld>
 </file>
 
-<file path=ppt/slides/slide21.xml><?xml version="1.0" encoding="utf-8"?>
+<file path=ppt/slides/slide22.xml><?xml version="1.0" encoding="utf-8"?>
 <p:sld xmlns:a="http://schemas.openxmlformats.org/drawingml/2006/main" xmlns:r="http://schemas.openxmlformats.org/officeDocument/2006/relationships" xmlns:p="http://schemas.openxmlformats.org/presentationml/2006/main">
   <p:cSld>
     <p:spTree>
@@ -15227,7 +15643,7 @@
 </p:sld>
 </file>
 
-<file path=ppt/slides/slide22.xml><?xml version="1.0" encoding="utf-8"?>
+<file path=ppt/slides/slide23.xml><?xml version="1.0" encoding="utf-8"?>
 <p:sld xmlns:a="http://schemas.openxmlformats.org/drawingml/2006/main" xmlns:r="http://schemas.openxmlformats.org/officeDocument/2006/relationships" xmlns:p="http://schemas.openxmlformats.org/presentationml/2006/main">
   <p:cSld>
     <p:spTree>
@@ -15859,7 +16275,7 @@
 </p:sld>
 </file>
 
-<file path=ppt/slides/slide23.xml><?xml version="1.0" encoding="utf-8"?>
+<file path=ppt/slides/slide24.xml><?xml version="1.0" encoding="utf-8"?>
 <p:sld xmlns:a="http://schemas.openxmlformats.org/drawingml/2006/main" xmlns:r="http://schemas.openxmlformats.org/officeDocument/2006/relationships" xmlns:p="http://schemas.openxmlformats.org/presentationml/2006/main">
   <p:cSld>
     <p:spTree>
@@ -16137,7 +16553,7 @@
 </p:sld>
 </file>
 
-<file path=ppt/slides/slide24.xml><?xml version="1.0" encoding="utf-8"?>
+<file path=ppt/slides/slide25.xml><?xml version="1.0" encoding="utf-8"?>
 <p:sld xmlns:a="http://schemas.openxmlformats.org/drawingml/2006/main" xmlns:r="http://schemas.openxmlformats.org/officeDocument/2006/relationships" xmlns:p="http://schemas.openxmlformats.org/presentationml/2006/main">
   <p:cSld>
     <p:spTree>
@@ -16470,7 +16886,7 @@
 </p:sld>
 </file>
 
-<file path=ppt/slides/slide25.xml><?xml version="1.0" encoding="utf-8"?>
+<file path=ppt/slides/slide26.xml><?xml version="1.0" encoding="utf-8"?>
 <p:sld xmlns:a="http://schemas.openxmlformats.org/drawingml/2006/main" xmlns:r="http://schemas.openxmlformats.org/officeDocument/2006/relationships" xmlns:p="http://schemas.openxmlformats.org/presentationml/2006/main">
   <p:cSld>
     <p:spTree>
@@ -16748,7 +17164,7 @@
 </p:sld>
 </file>
 
-<file path=ppt/slides/slide26.xml><?xml version="1.0" encoding="utf-8"?>
+<file path=ppt/slides/slide27.xml><?xml version="1.0" encoding="utf-8"?>
 <p:sld xmlns:a="http://schemas.openxmlformats.org/drawingml/2006/main" xmlns:r="http://schemas.openxmlformats.org/officeDocument/2006/relationships" xmlns:p="http://schemas.openxmlformats.org/presentationml/2006/main">
   <p:cSld>
     <p:spTree>
@@ -17044,7 +17460,7 @@
 </p:sld>
 </file>
 
-<file path=ppt/slides/slide27.xml><?xml version="1.0" encoding="utf-8"?>
+<file path=ppt/slides/slide28.xml><?xml version="1.0" encoding="utf-8"?>
 <p:sld xmlns:a="http://schemas.openxmlformats.org/drawingml/2006/main" xmlns:r="http://schemas.openxmlformats.org/officeDocument/2006/relationships" xmlns:p="http://schemas.openxmlformats.org/presentationml/2006/main">
   <p:cSld>
     <p:spTree>
@@ -17538,6 +17954,123 @@
       </p:grpSpPr>
       <p:sp>
         <p:nvSpPr>
+          <p:cNvPr id="4" name="Объект 2">
+            <a:extLst>
+              <a:ext uri="{FF2B5EF4-FFF2-40B4-BE49-F238E27FC236}">
+                <a16:creationId xmlns:a16="http://schemas.microsoft.com/office/drawing/2014/main" id="{2EEBAB41-6686-44DC-BC9F-D716B703997C}"/>
+              </a:ext>
+            </a:extLst>
+          </p:cNvPr>
+          <p:cNvSpPr>
+            <a:spLocks noGrp="1"/>
+          </p:cNvSpPr>
+          <p:nvPr>
+            <p:ph idx="1"/>
+          </p:nvPr>
+        </p:nvSpPr>
+        <p:spPr>
+          <a:xfrm>
+            <a:off x="2046449" y="476672"/>
+            <a:ext cx="6020195" cy="1354089"/>
+          </a:xfrm>
+        </p:spPr>
+        <p:txBody>
+          <a:bodyPr/>
+          <a:lstStyle/>
+          <a:p>
+            <a:pPr marL="0" indent="0" algn="ctr">
+              <a:buNone/>
+            </a:pPr>
+            <a:r>
+              <a:rPr lang="ru-RU" dirty="0">
+                <a:solidFill>
+                  <a:schemeClr val="bg1"/>
+                </a:solidFill>
+              </a:rPr>
+              <a:t>Одиночная система</a:t>
+            </a:r>
+            <a:r>
+              <a:rPr lang="en-US" dirty="0">
+                <a:solidFill>
+                  <a:schemeClr val="bg1"/>
+                </a:solidFill>
+              </a:rPr>
+              <a:t> (standalone)</a:t>
+            </a:r>
+            <a:endParaRPr lang="ru-RU" dirty="0">
+              <a:solidFill>
+                <a:schemeClr val="bg1"/>
+              </a:solidFill>
+            </a:endParaRPr>
+          </a:p>
+        </p:txBody>
+      </p:sp>
+      <p:pic>
+        <p:nvPicPr>
+          <p:cNvPr id="6" name="Рисунок 5">
+            <a:extLst>
+              <a:ext uri="{FF2B5EF4-FFF2-40B4-BE49-F238E27FC236}">
+                <a16:creationId xmlns:a16="http://schemas.microsoft.com/office/drawing/2014/main" id="{D7FE96D9-FF62-4CB2-A174-0047BE2B9F64}"/>
+              </a:ext>
+            </a:extLst>
+          </p:cNvPr>
+          <p:cNvPicPr>
+            <a:picLocks noChangeAspect="1"/>
+          </p:cNvPicPr>
+          <p:nvPr/>
+        </p:nvPicPr>
+        <p:blipFill>
+          <a:blip r:embed="rId2">
+            <a:extLst>
+              <a:ext uri="{28A0092B-C50C-407E-A947-70E740481C1C}">
+                <a14:useLocalDpi xmlns:a14="http://schemas.microsoft.com/office/drawing/2010/main" val="0"/>
+              </a:ext>
+            </a:extLst>
+          </a:blip>
+          <a:stretch>
+            <a:fillRect/>
+          </a:stretch>
+        </p:blipFill>
+        <p:spPr>
+          <a:xfrm>
+            <a:off x="1835696" y="1268760"/>
+            <a:ext cx="6226080" cy="4869602"/>
+          </a:xfrm>
+          <a:prstGeom prst="rect">
+            <a:avLst/>
+          </a:prstGeom>
+          <a:effectLst>
+            <a:softEdge rad="165100"/>
+          </a:effectLst>
+        </p:spPr>
+      </p:pic>
+    </p:spTree>
+  </p:cSld>
+  <p:clrMapOvr>
+    <a:masterClrMapping/>
+  </p:clrMapOvr>
+</p:sld>
+</file>
+
+<file path=ppt/slides/slide4.xml><?xml version="1.0" encoding="utf-8"?>
+<p:sld xmlns:a="http://schemas.openxmlformats.org/drawingml/2006/main" xmlns:r="http://schemas.openxmlformats.org/officeDocument/2006/relationships" xmlns:p="http://schemas.openxmlformats.org/presentationml/2006/main">
+  <p:cSld>
+    <p:spTree>
+      <p:nvGrpSpPr>
+        <p:cNvPr id="1" name=""/>
+        <p:cNvGrpSpPr/>
+        <p:nvPr/>
+      </p:nvGrpSpPr>
+      <p:grpSpPr>
+        <a:xfrm>
+          <a:off x="0" y="0"/>
+          <a:ext cx="0" cy="0"/>
+          <a:chOff x="0" y="0"/>
+          <a:chExt cx="0" cy="0"/>
+        </a:xfrm>
+      </p:grpSpPr>
+      <p:sp>
+        <p:nvSpPr>
           <p:cNvPr id="2" name="Заголовок 1">
             <a:extLst>
               <a:ext uri="{FF2B5EF4-FFF2-40B4-BE49-F238E27FC236}">
@@ -17722,7 +18255,7 @@
 </p:sld>
 </file>
 
-<file path=ppt/slides/slide4.xml><?xml version="1.0" encoding="utf-8"?>
+<file path=ppt/slides/slide5.xml><?xml version="1.0" encoding="utf-8"?>
 <p:sld xmlns:a="http://schemas.openxmlformats.org/drawingml/2006/main" xmlns:r="http://schemas.openxmlformats.org/officeDocument/2006/relationships" xmlns:p="http://schemas.openxmlformats.org/presentationml/2006/main">
   <p:cSld>
     <p:spTree>
@@ -17965,7 +18498,7 @@
 </p:sld>
 </file>
 
-<file path=ppt/slides/slide5.xml><?xml version="1.0" encoding="utf-8"?>
+<file path=ppt/slides/slide6.xml><?xml version="1.0" encoding="utf-8"?>
 <p:sld xmlns:a="http://schemas.openxmlformats.org/drawingml/2006/main" xmlns:r="http://schemas.openxmlformats.org/officeDocument/2006/relationships" xmlns:p="http://schemas.openxmlformats.org/presentationml/2006/main">
   <p:cSld>
     <p:spTree>
@@ -18081,7 +18614,7 @@
 </p:sld>
 </file>
 
-<file path=ppt/slides/slide6.xml><?xml version="1.0" encoding="utf-8"?>
+<file path=ppt/slides/slide7.xml><?xml version="1.0" encoding="utf-8"?>
 <p:sld xmlns:a="http://schemas.openxmlformats.org/drawingml/2006/main" xmlns:r="http://schemas.openxmlformats.org/officeDocument/2006/relationships" xmlns:p="http://schemas.openxmlformats.org/presentationml/2006/main">
   <p:cSld>
     <p:spTree>
@@ -18187,7 +18720,7 @@
 </p:sld>
 </file>
 
-<file path=ppt/slides/slide7.xml><?xml version="1.0" encoding="utf-8"?>
+<file path=ppt/slides/slide8.xml><?xml version="1.0" encoding="utf-8"?>
 <p:sld xmlns:a="http://schemas.openxmlformats.org/drawingml/2006/main" xmlns:r="http://schemas.openxmlformats.org/officeDocument/2006/relationships" xmlns:p="http://schemas.openxmlformats.org/presentationml/2006/main">
   <p:cSld>
     <p:spTree>
@@ -18293,7 +18826,7 @@
 </p:sld>
 </file>
 
-<file path=ppt/slides/slide8.xml><?xml version="1.0" encoding="utf-8"?>
+<file path=ppt/slides/slide9.xml><?xml version="1.0" encoding="utf-8"?>
 <p:sld xmlns:a="http://schemas.openxmlformats.org/drawingml/2006/main" xmlns:r="http://schemas.openxmlformats.org/officeDocument/2006/relationships" xmlns:p="http://schemas.openxmlformats.org/presentationml/2006/main">
   <p:cSld>
     <p:spTree>
@@ -18390,193 +18923,6 @@
     <p:extLst>
       <p:ext uri="{BB962C8B-B14F-4D97-AF65-F5344CB8AC3E}">
         <p14:creationId xmlns:p14="http://schemas.microsoft.com/office/powerpoint/2010/main" val="3945194400"/>
-      </p:ext>
-    </p:extLst>
-  </p:cSld>
-  <p:clrMapOvr>
-    <a:masterClrMapping/>
-  </p:clrMapOvr>
-</p:sld>
-</file>
-
-<file path=ppt/slides/slide9.xml><?xml version="1.0" encoding="utf-8"?>
-<p:sld xmlns:a="http://schemas.openxmlformats.org/drawingml/2006/main" xmlns:r="http://schemas.openxmlformats.org/officeDocument/2006/relationships" xmlns:p="http://schemas.openxmlformats.org/presentationml/2006/main">
-  <p:cSld>
-    <p:spTree>
-      <p:nvGrpSpPr>
-        <p:cNvPr id="1" name=""/>
-        <p:cNvGrpSpPr/>
-        <p:nvPr/>
-      </p:nvGrpSpPr>
-      <p:grpSpPr>
-        <a:xfrm>
-          <a:off x="0" y="0"/>
-          <a:ext cx="0" cy="0"/>
-          <a:chOff x="0" y="0"/>
-          <a:chExt cx="0" cy="0"/>
-        </a:xfrm>
-      </p:grpSpPr>
-      <p:sp>
-        <p:nvSpPr>
-          <p:cNvPr id="2" name="Прямоугольник 1">
-            <a:extLst>
-              <a:ext uri="{FF2B5EF4-FFF2-40B4-BE49-F238E27FC236}">
-                <a16:creationId xmlns:a16="http://schemas.microsoft.com/office/drawing/2014/main" id="{ECEDBA4B-B4C7-4358-9C1B-BADADF89DCB7}"/>
-              </a:ext>
-            </a:extLst>
-          </p:cNvPr>
-          <p:cNvSpPr/>
-          <p:nvPr/>
-        </p:nvSpPr>
-        <p:spPr>
-          <a:xfrm>
-            <a:off x="1187624" y="332656"/>
-            <a:ext cx="6768752" cy="1077218"/>
-          </a:xfrm>
-          <a:prstGeom prst="rect">
-            <a:avLst/>
-          </a:prstGeom>
-        </p:spPr>
-        <p:txBody>
-          <a:bodyPr wrap="square">
-            <a:spAutoFit/>
-          </a:bodyPr>
-          <a:lstStyle/>
-          <a:p>
-            <a:r>
-              <a:rPr lang="ru-RU" sz="3200" dirty="0">
-                <a:solidFill>
-                  <a:schemeClr val="bg2">
-                    <a:lumMod val="50000"/>
-                  </a:schemeClr>
-                </a:solidFill>
-              </a:rPr>
-              <a:t>Факторы, учитываемые при планировании сетевых приложений</a:t>
-            </a:r>
-          </a:p>
-        </p:txBody>
-      </p:sp>
-      <p:sp>
-        <p:nvSpPr>
-          <p:cNvPr id="3" name="Прямоугольник 2">
-            <a:extLst>
-              <a:ext uri="{FF2B5EF4-FFF2-40B4-BE49-F238E27FC236}">
-                <a16:creationId xmlns:a16="http://schemas.microsoft.com/office/drawing/2014/main" id="{B5BC6CE6-3B97-4C89-9AA6-5A97B3AC5578}"/>
-              </a:ext>
-            </a:extLst>
-          </p:cNvPr>
-          <p:cNvSpPr/>
-          <p:nvPr/>
-        </p:nvSpPr>
-        <p:spPr>
-          <a:xfrm>
-            <a:off x="755576" y="2090172"/>
-            <a:ext cx="8280920" cy="2308324"/>
-          </a:xfrm>
-          <a:prstGeom prst="rect">
-            <a:avLst/>
-          </a:prstGeom>
-        </p:spPr>
-        <p:txBody>
-          <a:bodyPr wrap="square">
-            <a:spAutoFit/>
-          </a:bodyPr>
-          <a:lstStyle/>
-          <a:p>
-            <a:r>
-              <a:rPr lang="ru-RU" sz="2400" dirty="0">
-                <a:solidFill>
-                  <a:schemeClr val="bg2">
-                    <a:lumMod val="50000"/>
-                  </a:schemeClr>
-                </a:solidFill>
-              </a:rPr>
-              <a:t>Независимо от архитектуры необходимо учитывать следующие факторы: </a:t>
-            </a:r>
-            <a:endParaRPr lang="en-US" sz="2400" dirty="0">
-              <a:solidFill>
-                <a:schemeClr val="bg2">
-                  <a:lumMod val="50000"/>
-                </a:schemeClr>
-              </a:solidFill>
-            </a:endParaRPr>
-          </a:p>
-          <a:p>
-            <a:r>
-              <a:rPr lang="ru-RU" sz="2400" dirty="0">
-                <a:solidFill>
-                  <a:schemeClr val="bg2">
-                    <a:lumMod val="50000"/>
-                  </a:schemeClr>
-                </a:solidFill>
-              </a:rPr>
-              <a:t>• доступ к источникам данных ввода-вывода; </a:t>
-            </a:r>
-            <a:endParaRPr lang="en-US" sz="2400" dirty="0">
-              <a:solidFill>
-                <a:schemeClr val="bg2">
-                  <a:lumMod val="50000"/>
-                </a:schemeClr>
-              </a:solidFill>
-            </a:endParaRPr>
-          </a:p>
-          <a:p>
-            <a:r>
-              <a:rPr lang="ru-RU" sz="2400" dirty="0">
-                <a:solidFill>
-                  <a:schemeClr val="bg2">
-                    <a:lumMod val="50000"/>
-                  </a:schemeClr>
-                </a:solidFill>
-              </a:rPr>
-              <a:t>• доступ к разделяемым файлам; </a:t>
-            </a:r>
-            <a:endParaRPr lang="en-US" sz="2400" dirty="0">
-              <a:solidFill>
-                <a:schemeClr val="bg2">
-                  <a:lumMod val="50000"/>
-                </a:schemeClr>
-              </a:solidFill>
-            </a:endParaRPr>
-          </a:p>
-          <a:p>
-            <a:r>
-              <a:rPr lang="ru-RU" sz="2400" dirty="0">
-                <a:solidFill>
-                  <a:schemeClr val="bg2">
-                    <a:lumMod val="50000"/>
-                  </a:schemeClr>
-                </a:solidFill>
-              </a:rPr>
-              <a:t>• место регистрации данных; </a:t>
-            </a:r>
-            <a:endParaRPr lang="en-US" sz="2400" dirty="0">
-              <a:solidFill>
-                <a:schemeClr val="bg2">
-                  <a:lumMod val="50000"/>
-                </a:schemeClr>
-              </a:solidFill>
-            </a:endParaRPr>
-          </a:p>
-          <a:p>
-            <a:r>
-              <a:rPr lang="ru-RU" sz="2400" dirty="0">
-                <a:solidFill>
-                  <a:schemeClr val="bg2">
-                    <a:lumMod val="50000"/>
-                  </a:schemeClr>
-                </a:solidFill>
-              </a:rPr>
-              <a:t>• особые требования, обусловленные сетью.</a:t>
-            </a:r>
-            <a:endParaRPr lang="ru-RU" sz="2400" dirty="0"/>
-          </a:p>
-        </p:txBody>
-      </p:sp>
-    </p:spTree>
-    <p:extLst>
-      <p:ext uri="{BB962C8B-B14F-4D97-AF65-F5344CB8AC3E}">
-        <p14:creationId xmlns:p14="http://schemas.microsoft.com/office/powerpoint/2010/main" val="282490486"/>
       </p:ext>
     </p:extLst>
   </p:cSld>
